--- a/Elica [I Due Moschettieri].pptx
+++ b/Elica [I Due Moschettieri].pptx
@@ -15,9 +15,11 @@
     <p:sldId id="264" r:id="rId9"/>
     <p:sldId id="274" r:id="rId10"/>
     <p:sldId id="269" r:id="rId11"/>
-    <p:sldId id="279" r:id="rId12"/>
-    <p:sldId id="280" r:id="rId13"/>
-    <p:sldId id="277" r:id="rId14"/>
+    <p:sldId id="281" r:id="rId12"/>
+    <p:sldId id="282" r:id="rId13"/>
+    <p:sldId id="279" r:id="rId14"/>
+    <p:sldId id="280" r:id="rId15"/>
+    <p:sldId id="277" r:id="rId16"/>
   </p:sldIdLst>
   <p:sldSz cx="12192000" cy="6858000"/>
   <p:notesSz cx="6858000" cy="9144000"/>
@@ -4905,6 +4907,1500 @@
 </dgm:colorsDef>
 </file>
 
+<file path=ppt/diagrams/colors11.xml><?xml version="1.0" encoding="utf-8"?>
+<dgm:colorsDef xmlns:dgm="http://schemas.openxmlformats.org/drawingml/2006/diagram" xmlns:a="http://schemas.openxmlformats.org/drawingml/2006/main" uniqueId="urn:microsoft.com/office/officeart/2005/8/colors/accent1_2">
+  <dgm:title val=""/>
+  <dgm:desc val=""/>
+  <dgm:catLst>
+    <dgm:cat type="accent1" pri="11200"/>
+  </dgm:catLst>
+  <dgm:styleLbl name="node0">
+    <dgm:fillClrLst meth="repeat">
+      <a:schemeClr val="accent1"/>
+    </dgm:fillClrLst>
+    <dgm:linClrLst meth="repeat">
+      <a:schemeClr val="lt1"/>
+    </dgm:linClrLst>
+    <dgm:effectClrLst/>
+    <dgm:txLinClrLst/>
+    <dgm:txFillClrLst/>
+    <dgm:txEffectClrLst/>
+  </dgm:styleLbl>
+  <dgm:styleLbl name="alignNode1">
+    <dgm:fillClrLst meth="repeat">
+      <a:schemeClr val="accent1"/>
+    </dgm:fillClrLst>
+    <dgm:linClrLst meth="repeat">
+      <a:schemeClr val="accent1"/>
+    </dgm:linClrLst>
+    <dgm:effectClrLst/>
+    <dgm:txLinClrLst/>
+    <dgm:txFillClrLst/>
+    <dgm:txEffectClrLst/>
+  </dgm:styleLbl>
+  <dgm:styleLbl name="node1">
+    <dgm:fillClrLst meth="repeat">
+      <a:schemeClr val="accent1"/>
+    </dgm:fillClrLst>
+    <dgm:linClrLst meth="repeat">
+      <a:schemeClr val="lt1"/>
+    </dgm:linClrLst>
+    <dgm:effectClrLst/>
+    <dgm:txLinClrLst/>
+    <dgm:txFillClrLst/>
+    <dgm:txEffectClrLst/>
+  </dgm:styleLbl>
+  <dgm:styleLbl name="lnNode1">
+    <dgm:fillClrLst meth="repeat">
+      <a:schemeClr val="accent1"/>
+    </dgm:fillClrLst>
+    <dgm:linClrLst meth="repeat">
+      <a:schemeClr val="lt1"/>
+    </dgm:linClrLst>
+    <dgm:effectClrLst/>
+    <dgm:txLinClrLst/>
+    <dgm:txFillClrLst/>
+    <dgm:txEffectClrLst/>
+  </dgm:styleLbl>
+  <dgm:styleLbl name="vennNode1">
+    <dgm:fillClrLst meth="repeat">
+      <a:schemeClr val="accent1">
+        <a:alpha val="50000"/>
+      </a:schemeClr>
+    </dgm:fillClrLst>
+    <dgm:linClrLst meth="repeat">
+      <a:schemeClr val="lt1"/>
+    </dgm:linClrLst>
+    <dgm:effectClrLst/>
+    <dgm:txLinClrLst/>
+    <dgm:txFillClrLst/>
+    <dgm:txEffectClrLst/>
+  </dgm:styleLbl>
+  <dgm:styleLbl name="node2">
+    <dgm:fillClrLst meth="repeat">
+      <a:schemeClr val="accent1"/>
+    </dgm:fillClrLst>
+    <dgm:linClrLst meth="repeat">
+      <a:schemeClr val="lt1"/>
+    </dgm:linClrLst>
+    <dgm:effectClrLst/>
+    <dgm:txLinClrLst/>
+    <dgm:txFillClrLst/>
+    <dgm:txEffectClrLst/>
+  </dgm:styleLbl>
+  <dgm:styleLbl name="node3">
+    <dgm:fillClrLst meth="repeat">
+      <a:schemeClr val="accent1"/>
+    </dgm:fillClrLst>
+    <dgm:linClrLst meth="repeat">
+      <a:schemeClr val="lt1"/>
+    </dgm:linClrLst>
+    <dgm:effectClrLst/>
+    <dgm:txLinClrLst/>
+    <dgm:txFillClrLst/>
+    <dgm:txEffectClrLst/>
+  </dgm:styleLbl>
+  <dgm:styleLbl name="node4">
+    <dgm:fillClrLst meth="repeat">
+      <a:schemeClr val="accent1"/>
+    </dgm:fillClrLst>
+    <dgm:linClrLst meth="repeat">
+      <a:schemeClr val="lt1"/>
+    </dgm:linClrLst>
+    <dgm:effectClrLst/>
+    <dgm:txLinClrLst/>
+    <dgm:txFillClrLst/>
+    <dgm:txEffectClrLst/>
+  </dgm:styleLbl>
+  <dgm:styleLbl name="fgImgPlace1">
+    <dgm:fillClrLst meth="repeat">
+      <a:schemeClr val="accent1">
+        <a:tint val="50000"/>
+      </a:schemeClr>
+    </dgm:fillClrLst>
+    <dgm:linClrLst meth="repeat">
+      <a:schemeClr val="lt1"/>
+    </dgm:linClrLst>
+    <dgm:effectClrLst/>
+    <dgm:txLinClrLst/>
+    <dgm:txFillClrLst meth="repeat">
+      <a:schemeClr val="lt1"/>
+    </dgm:txFillClrLst>
+    <dgm:txEffectClrLst/>
+  </dgm:styleLbl>
+  <dgm:styleLbl name="alignImgPlace1">
+    <dgm:fillClrLst meth="repeat">
+      <a:schemeClr val="accent1">
+        <a:tint val="50000"/>
+      </a:schemeClr>
+    </dgm:fillClrLst>
+    <dgm:linClrLst meth="repeat">
+      <a:schemeClr val="lt1"/>
+    </dgm:linClrLst>
+    <dgm:effectClrLst/>
+    <dgm:txLinClrLst/>
+    <dgm:txFillClrLst meth="repeat">
+      <a:schemeClr val="lt1"/>
+    </dgm:txFillClrLst>
+    <dgm:txEffectClrLst/>
+  </dgm:styleLbl>
+  <dgm:styleLbl name="bgImgPlace1">
+    <dgm:fillClrLst meth="repeat">
+      <a:schemeClr val="accent1">
+        <a:tint val="50000"/>
+      </a:schemeClr>
+    </dgm:fillClrLst>
+    <dgm:linClrLst meth="repeat">
+      <a:schemeClr val="lt1"/>
+    </dgm:linClrLst>
+    <dgm:effectClrLst/>
+    <dgm:txLinClrLst/>
+    <dgm:txFillClrLst meth="repeat">
+      <a:schemeClr val="lt1"/>
+    </dgm:txFillClrLst>
+    <dgm:txEffectClrLst/>
+  </dgm:styleLbl>
+  <dgm:styleLbl name="sibTrans2D1">
+    <dgm:fillClrLst meth="repeat">
+      <a:schemeClr val="accent1">
+        <a:tint val="60000"/>
+      </a:schemeClr>
+    </dgm:fillClrLst>
+    <dgm:linClrLst meth="repeat">
+      <a:schemeClr val="accent1">
+        <a:tint val="60000"/>
+      </a:schemeClr>
+    </dgm:linClrLst>
+    <dgm:effectClrLst/>
+    <dgm:txLinClrLst/>
+    <dgm:txFillClrLst/>
+    <dgm:txEffectClrLst/>
+  </dgm:styleLbl>
+  <dgm:styleLbl name="fgSibTrans2D1">
+    <dgm:fillClrLst meth="repeat">
+      <a:schemeClr val="accent1">
+        <a:tint val="60000"/>
+      </a:schemeClr>
+    </dgm:fillClrLst>
+    <dgm:linClrLst meth="repeat">
+      <a:schemeClr val="accent1">
+        <a:tint val="60000"/>
+      </a:schemeClr>
+    </dgm:linClrLst>
+    <dgm:effectClrLst/>
+    <dgm:txLinClrLst/>
+    <dgm:txFillClrLst/>
+    <dgm:txEffectClrLst/>
+  </dgm:styleLbl>
+  <dgm:styleLbl name="bgSibTrans2D1">
+    <dgm:fillClrLst meth="repeat">
+      <a:schemeClr val="accent1">
+        <a:tint val="60000"/>
+      </a:schemeClr>
+    </dgm:fillClrLst>
+    <dgm:linClrLst meth="repeat">
+      <a:schemeClr val="accent1">
+        <a:tint val="60000"/>
+      </a:schemeClr>
+    </dgm:linClrLst>
+    <dgm:effectClrLst/>
+    <dgm:txLinClrLst/>
+    <dgm:txFillClrLst/>
+    <dgm:txEffectClrLst/>
+  </dgm:styleLbl>
+  <dgm:styleLbl name="sibTrans1D1">
+    <dgm:fillClrLst meth="repeat">
+      <a:schemeClr val="accent1"/>
+    </dgm:fillClrLst>
+    <dgm:linClrLst meth="repeat">
+      <a:schemeClr val="accent1"/>
+    </dgm:linClrLst>
+    <dgm:effectClrLst/>
+    <dgm:txLinClrLst/>
+    <dgm:txFillClrLst meth="repeat">
+      <a:schemeClr val="tx1"/>
+    </dgm:txFillClrLst>
+    <dgm:txEffectClrLst/>
+  </dgm:styleLbl>
+  <dgm:styleLbl name="callout">
+    <dgm:fillClrLst meth="repeat">
+      <a:schemeClr val="accent1"/>
+    </dgm:fillClrLst>
+    <dgm:linClrLst meth="repeat">
+      <a:schemeClr val="accent1">
+        <a:tint val="50000"/>
+      </a:schemeClr>
+    </dgm:linClrLst>
+    <dgm:effectClrLst/>
+    <dgm:txLinClrLst/>
+    <dgm:txFillClrLst meth="repeat">
+      <a:schemeClr val="tx1"/>
+    </dgm:txFillClrLst>
+    <dgm:txEffectClrLst/>
+  </dgm:styleLbl>
+  <dgm:styleLbl name="asst0">
+    <dgm:fillClrLst meth="repeat">
+      <a:schemeClr val="accent1"/>
+    </dgm:fillClrLst>
+    <dgm:linClrLst meth="repeat">
+      <a:schemeClr val="lt1"/>
+    </dgm:linClrLst>
+    <dgm:effectClrLst/>
+    <dgm:txLinClrLst/>
+    <dgm:txFillClrLst/>
+    <dgm:txEffectClrLst/>
+  </dgm:styleLbl>
+  <dgm:styleLbl name="asst1">
+    <dgm:fillClrLst meth="repeat">
+      <a:schemeClr val="accent1"/>
+    </dgm:fillClrLst>
+    <dgm:linClrLst meth="repeat">
+      <a:schemeClr val="lt1"/>
+    </dgm:linClrLst>
+    <dgm:effectClrLst/>
+    <dgm:txLinClrLst/>
+    <dgm:txFillClrLst/>
+    <dgm:txEffectClrLst/>
+  </dgm:styleLbl>
+  <dgm:styleLbl name="asst2">
+    <dgm:fillClrLst meth="repeat">
+      <a:schemeClr val="accent1"/>
+    </dgm:fillClrLst>
+    <dgm:linClrLst meth="repeat">
+      <a:schemeClr val="lt1"/>
+    </dgm:linClrLst>
+    <dgm:effectClrLst/>
+    <dgm:txLinClrLst/>
+    <dgm:txFillClrLst/>
+    <dgm:txEffectClrLst/>
+  </dgm:styleLbl>
+  <dgm:styleLbl name="asst3">
+    <dgm:fillClrLst meth="repeat">
+      <a:schemeClr val="accent1"/>
+    </dgm:fillClrLst>
+    <dgm:linClrLst meth="repeat">
+      <a:schemeClr val="lt1"/>
+    </dgm:linClrLst>
+    <dgm:effectClrLst/>
+    <dgm:txLinClrLst/>
+    <dgm:txFillClrLst/>
+    <dgm:txEffectClrLst/>
+  </dgm:styleLbl>
+  <dgm:styleLbl name="asst4">
+    <dgm:fillClrLst meth="repeat">
+      <a:schemeClr val="accent1"/>
+    </dgm:fillClrLst>
+    <dgm:linClrLst meth="repeat">
+      <a:schemeClr val="lt1"/>
+    </dgm:linClrLst>
+    <dgm:effectClrLst/>
+    <dgm:txLinClrLst/>
+    <dgm:txFillClrLst/>
+    <dgm:txEffectClrLst/>
+  </dgm:styleLbl>
+  <dgm:styleLbl name="parChTrans2D1">
+    <dgm:fillClrLst meth="repeat">
+      <a:schemeClr val="accent1">
+        <a:tint val="60000"/>
+      </a:schemeClr>
+    </dgm:fillClrLst>
+    <dgm:linClrLst meth="repeat">
+      <a:schemeClr val="accent1">
+        <a:tint val="60000"/>
+      </a:schemeClr>
+    </dgm:linClrLst>
+    <dgm:effectClrLst/>
+    <dgm:txLinClrLst/>
+    <dgm:txFillClrLst meth="repeat">
+      <a:schemeClr val="lt1"/>
+    </dgm:txFillClrLst>
+    <dgm:txEffectClrLst/>
+  </dgm:styleLbl>
+  <dgm:styleLbl name="parChTrans2D2">
+    <dgm:fillClrLst meth="repeat">
+      <a:schemeClr val="accent1"/>
+    </dgm:fillClrLst>
+    <dgm:linClrLst meth="repeat">
+      <a:schemeClr val="accent1"/>
+    </dgm:linClrLst>
+    <dgm:effectClrLst/>
+    <dgm:txLinClrLst/>
+    <dgm:txFillClrLst meth="repeat">
+      <a:schemeClr val="lt1"/>
+    </dgm:txFillClrLst>
+    <dgm:txEffectClrLst/>
+  </dgm:styleLbl>
+  <dgm:styleLbl name="parChTrans2D3">
+    <dgm:fillClrLst meth="repeat">
+      <a:schemeClr val="accent1"/>
+    </dgm:fillClrLst>
+    <dgm:linClrLst meth="repeat">
+      <a:schemeClr val="accent1"/>
+    </dgm:linClrLst>
+    <dgm:effectClrLst/>
+    <dgm:txLinClrLst/>
+    <dgm:txFillClrLst meth="repeat">
+      <a:schemeClr val="lt1"/>
+    </dgm:txFillClrLst>
+    <dgm:txEffectClrLst/>
+  </dgm:styleLbl>
+  <dgm:styleLbl name="parChTrans2D4">
+    <dgm:fillClrLst meth="repeat">
+      <a:schemeClr val="accent1"/>
+    </dgm:fillClrLst>
+    <dgm:linClrLst meth="repeat">
+      <a:schemeClr val="accent1"/>
+    </dgm:linClrLst>
+    <dgm:effectClrLst/>
+    <dgm:txLinClrLst/>
+    <dgm:txFillClrLst meth="repeat">
+      <a:schemeClr val="lt1"/>
+    </dgm:txFillClrLst>
+    <dgm:txEffectClrLst/>
+  </dgm:styleLbl>
+  <dgm:styleLbl name="parChTrans1D1">
+    <dgm:fillClrLst meth="repeat">
+      <a:schemeClr val="accent1"/>
+    </dgm:fillClrLst>
+    <dgm:linClrLst meth="repeat">
+      <a:schemeClr val="accent1">
+        <a:shade val="60000"/>
+      </a:schemeClr>
+    </dgm:linClrLst>
+    <dgm:effectClrLst/>
+    <dgm:txLinClrLst/>
+    <dgm:txFillClrLst meth="repeat">
+      <a:schemeClr val="tx1"/>
+    </dgm:txFillClrLst>
+    <dgm:txEffectClrLst/>
+  </dgm:styleLbl>
+  <dgm:styleLbl name="parChTrans1D2">
+    <dgm:fillClrLst meth="repeat">
+      <a:schemeClr val="accent1"/>
+    </dgm:fillClrLst>
+    <dgm:linClrLst meth="repeat">
+      <a:schemeClr val="accent1">
+        <a:shade val="60000"/>
+      </a:schemeClr>
+    </dgm:linClrLst>
+    <dgm:effectClrLst/>
+    <dgm:txLinClrLst/>
+    <dgm:txFillClrLst meth="repeat">
+      <a:schemeClr val="tx1"/>
+    </dgm:txFillClrLst>
+    <dgm:txEffectClrLst/>
+  </dgm:styleLbl>
+  <dgm:styleLbl name="parChTrans1D3">
+    <dgm:fillClrLst meth="repeat">
+      <a:schemeClr val="accent1"/>
+    </dgm:fillClrLst>
+    <dgm:linClrLst meth="repeat">
+      <a:schemeClr val="accent1">
+        <a:shade val="80000"/>
+      </a:schemeClr>
+    </dgm:linClrLst>
+    <dgm:effectClrLst/>
+    <dgm:txLinClrLst/>
+    <dgm:txFillClrLst meth="repeat">
+      <a:schemeClr val="tx1"/>
+    </dgm:txFillClrLst>
+    <dgm:txEffectClrLst/>
+  </dgm:styleLbl>
+  <dgm:styleLbl name="parChTrans1D4">
+    <dgm:fillClrLst meth="repeat">
+      <a:schemeClr val="accent1"/>
+    </dgm:fillClrLst>
+    <dgm:linClrLst meth="repeat">
+      <a:schemeClr val="accent1">
+        <a:shade val="80000"/>
+      </a:schemeClr>
+    </dgm:linClrLst>
+    <dgm:effectClrLst/>
+    <dgm:txLinClrLst/>
+    <dgm:txFillClrLst meth="repeat">
+      <a:schemeClr val="tx1"/>
+    </dgm:txFillClrLst>
+    <dgm:txEffectClrLst/>
+  </dgm:styleLbl>
+  <dgm:styleLbl name="fgAcc1">
+    <dgm:fillClrLst meth="repeat">
+      <a:schemeClr val="lt1">
+        <a:alpha val="90000"/>
+      </a:schemeClr>
+    </dgm:fillClrLst>
+    <dgm:linClrLst meth="repeat">
+      <a:schemeClr val="accent1"/>
+    </dgm:linClrLst>
+    <dgm:effectClrLst/>
+    <dgm:txLinClrLst/>
+    <dgm:txFillClrLst meth="repeat">
+      <a:schemeClr val="dk1"/>
+    </dgm:txFillClrLst>
+    <dgm:txEffectClrLst/>
+  </dgm:styleLbl>
+  <dgm:styleLbl name="conFgAcc1">
+    <dgm:fillClrLst meth="repeat">
+      <a:schemeClr val="lt1">
+        <a:alpha val="90000"/>
+      </a:schemeClr>
+    </dgm:fillClrLst>
+    <dgm:linClrLst meth="repeat">
+      <a:schemeClr val="accent1"/>
+    </dgm:linClrLst>
+    <dgm:effectClrLst/>
+    <dgm:txLinClrLst/>
+    <dgm:txFillClrLst meth="repeat">
+      <a:schemeClr val="dk1"/>
+    </dgm:txFillClrLst>
+    <dgm:txEffectClrLst/>
+  </dgm:styleLbl>
+  <dgm:styleLbl name="alignAcc1">
+    <dgm:fillClrLst meth="repeat">
+      <a:schemeClr val="lt1">
+        <a:alpha val="90000"/>
+      </a:schemeClr>
+    </dgm:fillClrLst>
+    <dgm:linClrLst meth="repeat">
+      <a:schemeClr val="accent1"/>
+    </dgm:linClrLst>
+    <dgm:effectClrLst/>
+    <dgm:txLinClrLst/>
+    <dgm:txFillClrLst meth="repeat">
+      <a:schemeClr val="dk1"/>
+    </dgm:txFillClrLst>
+    <dgm:txEffectClrLst/>
+  </dgm:styleLbl>
+  <dgm:styleLbl name="trAlignAcc1">
+    <dgm:fillClrLst meth="repeat">
+      <a:schemeClr val="lt1">
+        <a:alpha val="40000"/>
+      </a:schemeClr>
+    </dgm:fillClrLst>
+    <dgm:linClrLst meth="repeat">
+      <a:schemeClr val="accent1"/>
+    </dgm:linClrLst>
+    <dgm:effectClrLst/>
+    <dgm:txLinClrLst/>
+    <dgm:txFillClrLst meth="repeat">
+      <a:schemeClr val="dk1"/>
+    </dgm:txFillClrLst>
+    <dgm:txEffectClrLst/>
+  </dgm:styleLbl>
+  <dgm:styleLbl name="bgAcc1">
+    <dgm:fillClrLst meth="repeat">
+      <a:schemeClr val="lt1">
+        <a:alpha val="90000"/>
+      </a:schemeClr>
+    </dgm:fillClrLst>
+    <dgm:linClrLst meth="repeat">
+      <a:schemeClr val="accent1"/>
+    </dgm:linClrLst>
+    <dgm:effectClrLst/>
+    <dgm:txLinClrLst/>
+    <dgm:txFillClrLst meth="repeat">
+      <a:schemeClr val="dk1"/>
+    </dgm:txFillClrLst>
+    <dgm:txEffectClrLst/>
+  </dgm:styleLbl>
+  <dgm:styleLbl name="solidFgAcc1">
+    <dgm:fillClrLst meth="repeat">
+      <a:schemeClr val="lt1"/>
+    </dgm:fillClrLst>
+    <dgm:linClrLst meth="repeat">
+      <a:schemeClr val="accent1"/>
+    </dgm:linClrLst>
+    <dgm:effectClrLst/>
+    <dgm:txLinClrLst/>
+    <dgm:txFillClrLst meth="repeat">
+      <a:schemeClr val="dk1"/>
+    </dgm:txFillClrLst>
+    <dgm:txEffectClrLst/>
+  </dgm:styleLbl>
+  <dgm:styleLbl name="solidAlignAcc1">
+    <dgm:fillClrLst meth="repeat">
+      <a:schemeClr val="lt1"/>
+    </dgm:fillClrLst>
+    <dgm:linClrLst meth="repeat">
+      <a:schemeClr val="accent1"/>
+    </dgm:linClrLst>
+    <dgm:effectClrLst/>
+    <dgm:txLinClrLst/>
+    <dgm:txFillClrLst meth="repeat">
+      <a:schemeClr val="dk1"/>
+    </dgm:txFillClrLst>
+    <dgm:txEffectClrLst/>
+  </dgm:styleLbl>
+  <dgm:styleLbl name="solidBgAcc1">
+    <dgm:fillClrLst meth="repeat">
+      <a:schemeClr val="lt1"/>
+    </dgm:fillClrLst>
+    <dgm:linClrLst meth="repeat">
+      <a:schemeClr val="accent1"/>
+    </dgm:linClrLst>
+    <dgm:effectClrLst/>
+    <dgm:txLinClrLst/>
+    <dgm:txFillClrLst meth="repeat">
+      <a:schemeClr val="dk1"/>
+    </dgm:txFillClrLst>
+    <dgm:txEffectClrLst/>
+  </dgm:styleLbl>
+  <dgm:styleLbl name="fgAccFollowNode1">
+    <dgm:fillClrLst meth="repeat">
+      <a:schemeClr val="accent1">
+        <a:alpha val="90000"/>
+        <a:tint val="40000"/>
+      </a:schemeClr>
+    </dgm:fillClrLst>
+    <dgm:linClrLst meth="repeat">
+      <a:schemeClr val="accent1">
+        <a:alpha val="90000"/>
+        <a:tint val="40000"/>
+      </a:schemeClr>
+    </dgm:linClrLst>
+    <dgm:effectClrLst/>
+    <dgm:txLinClrLst/>
+    <dgm:txFillClrLst meth="repeat">
+      <a:schemeClr val="dk1"/>
+    </dgm:txFillClrLst>
+    <dgm:txEffectClrLst/>
+  </dgm:styleLbl>
+  <dgm:styleLbl name="alignAccFollowNode1">
+    <dgm:fillClrLst meth="repeat">
+      <a:schemeClr val="accent1">
+        <a:alpha val="90000"/>
+        <a:tint val="40000"/>
+      </a:schemeClr>
+    </dgm:fillClrLst>
+    <dgm:linClrLst meth="repeat">
+      <a:schemeClr val="accent1">
+        <a:alpha val="90000"/>
+        <a:tint val="40000"/>
+      </a:schemeClr>
+    </dgm:linClrLst>
+    <dgm:effectClrLst/>
+    <dgm:txLinClrLst/>
+    <dgm:txFillClrLst meth="repeat">
+      <a:schemeClr val="dk1"/>
+    </dgm:txFillClrLst>
+    <dgm:txEffectClrLst/>
+  </dgm:styleLbl>
+  <dgm:styleLbl name="bgAccFollowNode1">
+    <dgm:fillClrLst meth="repeat">
+      <a:schemeClr val="accent1">
+        <a:alpha val="90000"/>
+        <a:tint val="40000"/>
+      </a:schemeClr>
+    </dgm:fillClrLst>
+    <dgm:linClrLst meth="repeat">
+      <a:schemeClr val="accent1">
+        <a:alpha val="90000"/>
+        <a:tint val="40000"/>
+      </a:schemeClr>
+    </dgm:linClrLst>
+    <dgm:effectClrLst/>
+    <dgm:txLinClrLst/>
+    <dgm:txFillClrLst meth="repeat">
+      <a:schemeClr val="dk1"/>
+    </dgm:txFillClrLst>
+    <dgm:txEffectClrLst/>
+  </dgm:styleLbl>
+  <dgm:styleLbl name="fgAcc0">
+    <dgm:fillClrLst meth="repeat">
+      <a:schemeClr val="lt1">
+        <a:alpha val="90000"/>
+      </a:schemeClr>
+    </dgm:fillClrLst>
+    <dgm:linClrLst meth="repeat">
+      <a:schemeClr val="accent1"/>
+    </dgm:linClrLst>
+    <dgm:effectClrLst/>
+    <dgm:txLinClrLst/>
+    <dgm:txFillClrLst meth="repeat">
+      <a:schemeClr val="dk1"/>
+    </dgm:txFillClrLst>
+    <dgm:txEffectClrLst/>
+  </dgm:styleLbl>
+  <dgm:styleLbl name="fgAcc2">
+    <dgm:fillClrLst meth="repeat">
+      <a:schemeClr val="lt1">
+        <a:alpha val="90000"/>
+      </a:schemeClr>
+    </dgm:fillClrLst>
+    <dgm:linClrLst meth="repeat">
+      <a:schemeClr val="accent1"/>
+    </dgm:linClrLst>
+    <dgm:effectClrLst/>
+    <dgm:txLinClrLst/>
+    <dgm:txFillClrLst meth="repeat">
+      <a:schemeClr val="dk1"/>
+    </dgm:txFillClrLst>
+    <dgm:txEffectClrLst/>
+  </dgm:styleLbl>
+  <dgm:styleLbl name="fgAcc3">
+    <dgm:fillClrLst meth="repeat">
+      <a:schemeClr val="lt1">
+        <a:alpha val="90000"/>
+      </a:schemeClr>
+    </dgm:fillClrLst>
+    <dgm:linClrLst meth="repeat">
+      <a:schemeClr val="accent1"/>
+    </dgm:linClrLst>
+    <dgm:effectClrLst/>
+    <dgm:txLinClrLst/>
+    <dgm:txFillClrLst meth="repeat">
+      <a:schemeClr val="dk1"/>
+    </dgm:txFillClrLst>
+    <dgm:txEffectClrLst/>
+  </dgm:styleLbl>
+  <dgm:styleLbl name="fgAcc4">
+    <dgm:fillClrLst meth="repeat">
+      <a:schemeClr val="lt1">
+        <a:alpha val="90000"/>
+      </a:schemeClr>
+    </dgm:fillClrLst>
+    <dgm:linClrLst meth="repeat">
+      <a:schemeClr val="accent1"/>
+    </dgm:linClrLst>
+    <dgm:effectClrLst/>
+    <dgm:txLinClrLst/>
+    <dgm:txFillClrLst meth="repeat">
+      <a:schemeClr val="dk1"/>
+    </dgm:txFillClrLst>
+    <dgm:txEffectClrLst/>
+  </dgm:styleLbl>
+  <dgm:styleLbl name="bgShp">
+    <dgm:fillClrLst meth="repeat">
+      <a:schemeClr val="accent1">
+        <a:tint val="40000"/>
+      </a:schemeClr>
+    </dgm:fillClrLst>
+    <dgm:linClrLst meth="repeat">
+      <a:schemeClr val="accent1"/>
+    </dgm:linClrLst>
+    <dgm:effectClrLst/>
+    <dgm:txLinClrLst/>
+    <dgm:txFillClrLst meth="repeat">
+      <a:schemeClr val="dk1"/>
+    </dgm:txFillClrLst>
+    <dgm:txEffectClrLst/>
+  </dgm:styleLbl>
+  <dgm:styleLbl name="dkBgShp">
+    <dgm:fillClrLst meth="repeat">
+      <a:schemeClr val="accent1">
+        <a:shade val="80000"/>
+      </a:schemeClr>
+    </dgm:fillClrLst>
+    <dgm:linClrLst meth="repeat">
+      <a:schemeClr val="accent1"/>
+    </dgm:linClrLst>
+    <dgm:effectClrLst/>
+    <dgm:txLinClrLst/>
+    <dgm:txFillClrLst meth="repeat">
+      <a:schemeClr val="lt1"/>
+    </dgm:txFillClrLst>
+    <dgm:txEffectClrLst/>
+  </dgm:styleLbl>
+  <dgm:styleLbl name="trBgShp">
+    <dgm:fillClrLst meth="repeat">
+      <a:schemeClr val="accent1">
+        <a:tint val="50000"/>
+        <a:alpha val="40000"/>
+      </a:schemeClr>
+    </dgm:fillClrLst>
+    <dgm:linClrLst meth="repeat">
+      <a:schemeClr val="accent1"/>
+    </dgm:linClrLst>
+    <dgm:effectClrLst/>
+    <dgm:txLinClrLst/>
+    <dgm:txFillClrLst meth="repeat">
+      <a:schemeClr val="lt1"/>
+    </dgm:txFillClrLst>
+    <dgm:txEffectClrLst/>
+  </dgm:styleLbl>
+  <dgm:styleLbl name="fgShp">
+    <dgm:fillClrLst meth="repeat">
+      <a:schemeClr val="accent1">
+        <a:tint val="60000"/>
+      </a:schemeClr>
+    </dgm:fillClrLst>
+    <dgm:linClrLst meth="repeat">
+      <a:schemeClr val="lt1"/>
+    </dgm:linClrLst>
+    <dgm:effectClrLst/>
+    <dgm:txLinClrLst/>
+    <dgm:txFillClrLst meth="repeat">
+      <a:schemeClr val="dk1"/>
+    </dgm:txFillClrLst>
+    <dgm:txEffectClrLst/>
+  </dgm:styleLbl>
+  <dgm:styleLbl name="revTx">
+    <dgm:fillClrLst meth="repeat">
+      <a:schemeClr val="lt1">
+        <a:alpha val="0"/>
+      </a:schemeClr>
+    </dgm:fillClrLst>
+    <dgm:linClrLst meth="repeat">
+      <a:schemeClr val="dk1">
+        <a:alpha val="0"/>
+      </a:schemeClr>
+    </dgm:linClrLst>
+    <dgm:effectClrLst/>
+    <dgm:txLinClrLst/>
+    <dgm:txFillClrLst meth="repeat">
+      <a:schemeClr val="tx1"/>
+    </dgm:txFillClrLst>
+    <dgm:txEffectClrLst/>
+  </dgm:styleLbl>
+</dgm:colorsDef>
+</file>
+
+<file path=ppt/diagrams/colors12.xml><?xml version="1.0" encoding="utf-8"?>
+<dgm:colorsDef xmlns:dgm="http://schemas.openxmlformats.org/drawingml/2006/diagram" xmlns:a="http://schemas.openxmlformats.org/drawingml/2006/main" uniqueId="urn:microsoft.com/office/officeart/2005/8/colors/accent1_2">
+  <dgm:title val=""/>
+  <dgm:desc val=""/>
+  <dgm:catLst>
+    <dgm:cat type="accent1" pri="11200"/>
+  </dgm:catLst>
+  <dgm:styleLbl name="node0">
+    <dgm:fillClrLst meth="repeat">
+      <a:schemeClr val="accent1"/>
+    </dgm:fillClrLst>
+    <dgm:linClrLst meth="repeat">
+      <a:schemeClr val="lt1"/>
+    </dgm:linClrLst>
+    <dgm:effectClrLst/>
+    <dgm:txLinClrLst/>
+    <dgm:txFillClrLst/>
+    <dgm:txEffectClrLst/>
+  </dgm:styleLbl>
+  <dgm:styleLbl name="alignNode1">
+    <dgm:fillClrLst meth="repeat">
+      <a:schemeClr val="accent1"/>
+    </dgm:fillClrLst>
+    <dgm:linClrLst meth="repeat">
+      <a:schemeClr val="accent1"/>
+    </dgm:linClrLst>
+    <dgm:effectClrLst/>
+    <dgm:txLinClrLst/>
+    <dgm:txFillClrLst/>
+    <dgm:txEffectClrLst/>
+  </dgm:styleLbl>
+  <dgm:styleLbl name="node1">
+    <dgm:fillClrLst meth="repeat">
+      <a:schemeClr val="accent1"/>
+    </dgm:fillClrLst>
+    <dgm:linClrLst meth="repeat">
+      <a:schemeClr val="lt1"/>
+    </dgm:linClrLst>
+    <dgm:effectClrLst/>
+    <dgm:txLinClrLst/>
+    <dgm:txFillClrLst/>
+    <dgm:txEffectClrLst/>
+  </dgm:styleLbl>
+  <dgm:styleLbl name="lnNode1">
+    <dgm:fillClrLst meth="repeat">
+      <a:schemeClr val="accent1"/>
+    </dgm:fillClrLst>
+    <dgm:linClrLst meth="repeat">
+      <a:schemeClr val="lt1"/>
+    </dgm:linClrLst>
+    <dgm:effectClrLst/>
+    <dgm:txLinClrLst/>
+    <dgm:txFillClrLst/>
+    <dgm:txEffectClrLst/>
+  </dgm:styleLbl>
+  <dgm:styleLbl name="vennNode1">
+    <dgm:fillClrLst meth="repeat">
+      <a:schemeClr val="accent1">
+        <a:alpha val="50000"/>
+      </a:schemeClr>
+    </dgm:fillClrLst>
+    <dgm:linClrLst meth="repeat">
+      <a:schemeClr val="lt1"/>
+    </dgm:linClrLst>
+    <dgm:effectClrLst/>
+    <dgm:txLinClrLst/>
+    <dgm:txFillClrLst/>
+    <dgm:txEffectClrLst/>
+  </dgm:styleLbl>
+  <dgm:styleLbl name="node2">
+    <dgm:fillClrLst meth="repeat">
+      <a:schemeClr val="accent1"/>
+    </dgm:fillClrLst>
+    <dgm:linClrLst meth="repeat">
+      <a:schemeClr val="lt1"/>
+    </dgm:linClrLst>
+    <dgm:effectClrLst/>
+    <dgm:txLinClrLst/>
+    <dgm:txFillClrLst/>
+    <dgm:txEffectClrLst/>
+  </dgm:styleLbl>
+  <dgm:styleLbl name="node3">
+    <dgm:fillClrLst meth="repeat">
+      <a:schemeClr val="accent1"/>
+    </dgm:fillClrLst>
+    <dgm:linClrLst meth="repeat">
+      <a:schemeClr val="lt1"/>
+    </dgm:linClrLst>
+    <dgm:effectClrLst/>
+    <dgm:txLinClrLst/>
+    <dgm:txFillClrLst/>
+    <dgm:txEffectClrLst/>
+  </dgm:styleLbl>
+  <dgm:styleLbl name="node4">
+    <dgm:fillClrLst meth="repeat">
+      <a:schemeClr val="accent1"/>
+    </dgm:fillClrLst>
+    <dgm:linClrLst meth="repeat">
+      <a:schemeClr val="lt1"/>
+    </dgm:linClrLst>
+    <dgm:effectClrLst/>
+    <dgm:txLinClrLst/>
+    <dgm:txFillClrLst/>
+    <dgm:txEffectClrLst/>
+  </dgm:styleLbl>
+  <dgm:styleLbl name="fgImgPlace1">
+    <dgm:fillClrLst meth="repeat">
+      <a:schemeClr val="accent1">
+        <a:tint val="50000"/>
+      </a:schemeClr>
+    </dgm:fillClrLst>
+    <dgm:linClrLst meth="repeat">
+      <a:schemeClr val="lt1"/>
+    </dgm:linClrLst>
+    <dgm:effectClrLst/>
+    <dgm:txLinClrLst/>
+    <dgm:txFillClrLst meth="repeat">
+      <a:schemeClr val="lt1"/>
+    </dgm:txFillClrLst>
+    <dgm:txEffectClrLst/>
+  </dgm:styleLbl>
+  <dgm:styleLbl name="alignImgPlace1">
+    <dgm:fillClrLst meth="repeat">
+      <a:schemeClr val="accent1">
+        <a:tint val="50000"/>
+      </a:schemeClr>
+    </dgm:fillClrLst>
+    <dgm:linClrLst meth="repeat">
+      <a:schemeClr val="lt1"/>
+    </dgm:linClrLst>
+    <dgm:effectClrLst/>
+    <dgm:txLinClrLst/>
+    <dgm:txFillClrLst meth="repeat">
+      <a:schemeClr val="lt1"/>
+    </dgm:txFillClrLst>
+    <dgm:txEffectClrLst/>
+  </dgm:styleLbl>
+  <dgm:styleLbl name="bgImgPlace1">
+    <dgm:fillClrLst meth="repeat">
+      <a:schemeClr val="accent1">
+        <a:tint val="50000"/>
+      </a:schemeClr>
+    </dgm:fillClrLst>
+    <dgm:linClrLst meth="repeat">
+      <a:schemeClr val="lt1"/>
+    </dgm:linClrLst>
+    <dgm:effectClrLst/>
+    <dgm:txLinClrLst/>
+    <dgm:txFillClrLst meth="repeat">
+      <a:schemeClr val="lt1"/>
+    </dgm:txFillClrLst>
+    <dgm:txEffectClrLst/>
+  </dgm:styleLbl>
+  <dgm:styleLbl name="sibTrans2D1">
+    <dgm:fillClrLst meth="repeat">
+      <a:schemeClr val="accent1">
+        <a:tint val="60000"/>
+      </a:schemeClr>
+    </dgm:fillClrLst>
+    <dgm:linClrLst meth="repeat">
+      <a:schemeClr val="accent1">
+        <a:tint val="60000"/>
+      </a:schemeClr>
+    </dgm:linClrLst>
+    <dgm:effectClrLst/>
+    <dgm:txLinClrLst/>
+    <dgm:txFillClrLst/>
+    <dgm:txEffectClrLst/>
+  </dgm:styleLbl>
+  <dgm:styleLbl name="fgSibTrans2D1">
+    <dgm:fillClrLst meth="repeat">
+      <a:schemeClr val="accent1">
+        <a:tint val="60000"/>
+      </a:schemeClr>
+    </dgm:fillClrLst>
+    <dgm:linClrLst meth="repeat">
+      <a:schemeClr val="accent1">
+        <a:tint val="60000"/>
+      </a:schemeClr>
+    </dgm:linClrLst>
+    <dgm:effectClrLst/>
+    <dgm:txLinClrLst/>
+    <dgm:txFillClrLst/>
+    <dgm:txEffectClrLst/>
+  </dgm:styleLbl>
+  <dgm:styleLbl name="bgSibTrans2D1">
+    <dgm:fillClrLst meth="repeat">
+      <a:schemeClr val="accent1">
+        <a:tint val="60000"/>
+      </a:schemeClr>
+    </dgm:fillClrLst>
+    <dgm:linClrLst meth="repeat">
+      <a:schemeClr val="accent1">
+        <a:tint val="60000"/>
+      </a:schemeClr>
+    </dgm:linClrLst>
+    <dgm:effectClrLst/>
+    <dgm:txLinClrLst/>
+    <dgm:txFillClrLst/>
+    <dgm:txEffectClrLst/>
+  </dgm:styleLbl>
+  <dgm:styleLbl name="sibTrans1D1">
+    <dgm:fillClrLst meth="repeat">
+      <a:schemeClr val="accent1"/>
+    </dgm:fillClrLst>
+    <dgm:linClrLst meth="repeat">
+      <a:schemeClr val="accent1"/>
+    </dgm:linClrLst>
+    <dgm:effectClrLst/>
+    <dgm:txLinClrLst/>
+    <dgm:txFillClrLst meth="repeat">
+      <a:schemeClr val="tx1"/>
+    </dgm:txFillClrLst>
+    <dgm:txEffectClrLst/>
+  </dgm:styleLbl>
+  <dgm:styleLbl name="callout">
+    <dgm:fillClrLst meth="repeat">
+      <a:schemeClr val="accent1"/>
+    </dgm:fillClrLst>
+    <dgm:linClrLst meth="repeat">
+      <a:schemeClr val="accent1">
+        <a:tint val="50000"/>
+      </a:schemeClr>
+    </dgm:linClrLst>
+    <dgm:effectClrLst/>
+    <dgm:txLinClrLst/>
+    <dgm:txFillClrLst meth="repeat">
+      <a:schemeClr val="tx1"/>
+    </dgm:txFillClrLst>
+    <dgm:txEffectClrLst/>
+  </dgm:styleLbl>
+  <dgm:styleLbl name="asst0">
+    <dgm:fillClrLst meth="repeat">
+      <a:schemeClr val="accent1"/>
+    </dgm:fillClrLst>
+    <dgm:linClrLst meth="repeat">
+      <a:schemeClr val="lt1"/>
+    </dgm:linClrLst>
+    <dgm:effectClrLst/>
+    <dgm:txLinClrLst/>
+    <dgm:txFillClrLst/>
+    <dgm:txEffectClrLst/>
+  </dgm:styleLbl>
+  <dgm:styleLbl name="asst1">
+    <dgm:fillClrLst meth="repeat">
+      <a:schemeClr val="accent1"/>
+    </dgm:fillClrLst>
+    <dgm:linClrLst meth="repeat">
+      <a:schemeClr val="lt1"/>
+    </dgm:linClrLst>
+    <dgm:effectClrLst/>
+    <dgm:txLinClrLst/>
+    <dgm:txFillClrLst/>
+    <dgm:txEffectClrLst/>
+  </dgm:styleLbl>
+  <dgm:styleLbl name="asst2">
+    <dgm:fillClrLst meth="repeat">
+      <a:schemeClr val="accent1"/>
+    </dgm:fillClrLst>
+    <dgm:linClrLst meth="repeat">
+      <a:schemeClr val="lt1"/>
+    </dgm:linClrLst>
+    <dgm:effectClrLst/>
+    <dgm:txLinClrLst/>
+    <dgm:txFillClrLst/>
+    <dgm:txEffectClrLst/>
+  </dgm:styleLbl>
+  <dgm:styleLbl name="asst3">
+    <dgm:fillClrLst meth="repeat">
+      <a:schemeClr val="accent1"/>
+    </dgm:fillClrLst>
+    <dgm:linClrLst meth="repeat">
+      <a:schemeClr val="lt1"/>
+    </dgm:linClrLst>
+    <dgm:effectClrLst/>
+    <dgm:txLinClrLst/>
+    <dgm:txFillClrLst/>
+    <dgm:txEffectClrLst/>
+  </dgm:styleLbl>
+  <dgm:styleLbl name="asst4">
+    <dgm:fillClrLst meth="repeat">
+      <a:schemeClr val="accent1"/>
+    </dgm:fillClrLst>
+    <dgm:linClrLst meth="repeat">
+      <a:schemeClr val="lt1"/>
+    </dgm:linClrLst>
+    <dgm:effectClrLst/>
+    <dgm:txLinClrLst/>
+    <dgm:txFillClrLst/>
+    <dgm:txEffectClrLst/>
+  </dgm:styleLbl>
+  <dgm:styleLbl name="parChTrans2D1">
+    <dgm:fillClrLst meth="repeat">
+      <a:schemeClr val="accent1">
+        <a:tint val="60000"/>
+      </a:schemeClr>
+    </dgm:fillClrLst>
+    <dgm:linClrLst meth="repeat">
+      <a:schemeClr val="accent1">
+        <a:tint val="60000"/>
+      </a:schemeClr>
+    </dgm:linClrLst>
+    <dgm:effectClrLst/>
+    <dgm:txLinClrLst/>
+    <dgm:txFillClrLst meth="repeat">
+      <a:schemeClr val="lt1"/>
+    </dgm:txFillClrLst>
+    <dgm:txEffectClrLst/>
+  </dgm:styleLbl>
+  <dgm:styleLbl name="parChTrans2D2">
+    <dgm:fillClrLst meth="repeat">
+      <a:schemeClr val="accent1"/>
+    </dgm:fillClrLst>
+    <dgm:linClrLst meth="repeat">
+      <a:schemeClr val="accent1"/>
+    </dgm:linClrLst>
+    <dgm:effectClrLst/>
+    <dgm:txLinClrLst/>
+    <dgm:txFillClrLst meth="repeat">
+      <a:schemeClr val="lt1"/>
+    </dgm:txFillClrLst>
+    <dgm:txEffectClrLst/>
+  </dgm:styleLbl>
+  <dgm:styleLbl name="parChTrans2D3">
+    <dgm:fillClrLst meth="repeat">
+      <a:schemeClr val="accent1"/>
+    </dgm:fillClrLst>
+    <dgm:linClrLst meth="repeat">
+      <a:schemeClr val="accent1"/>
+    </dgm:linClrLst>
+    <dgm:effectClrLst/>
+    <dgm:txLinClrLst/>
+    <dgm:txFillClrLst meth="repeat">
+      <a:schemeClr val="lt1"/>
+    </dgm:txFillClrLst>
+    <dgm:txEffectClrLst/>
+  </dgm:styleLbl>
+  <dgm:styleLbl name="parChTrans2D4">
+    <dgm:fillClrLst meth="repeat">
+      <a:schemeClr val="accent1"/>
+    </dgm:fillClrLst>
+    <dgm:linClrLst meth="repeat">
+      <a:schemeClr val="accent1"/>
+    </dgm:linClrLst>
+    <dgm:effectClrLst/>
+    <dgm:txLinClrLst/>
+    <dgm:txFillClrLst meth="repeat">
+      <a:schemeClr val="lt1"/>
+    </dgm:txFillClrLst>
+    <dgm:txEffectClrLst/>
+  </dgm:styleLbl>
+  <dgm:styleLbl name="parChTrans1D1">
+    <dgm:fillClrLst meth="repeat">
+      <a:schemeClr val="accent1"/>
+    </dgm:fillClrLst>
+    <dgm:linClrLst meth="repeat">
+      <a:schemeClr val="accent1">
+        <a:shade val="60000"/>
+      </a:schemeClr>
+    </dgm:linClrLst>
+    <dgm:effectClrLst/>
+    <dgm:txLinClrLst/>
+    <dgm:txFillClrLst meth="repeat">
+      <a:schemeClr val="tx1"/>
+    </dgm:txFillClrLst>
+    <dgm:txEffectClrLst/>
+  </dgm:styleLbl>
+  <dgm:styleLbl name="parChTrans1D2">
+    <dgm:fillClrLst meth="repeat">
+      <a:schemeClr val="accent1"/>
+    </dgm:fillClrLst>
+    <dgm:linClrLst meth="repeat">
+      <a:schemeClr val="accent1">
+        <a:shade val="60000"/>
+      </a:schemeClr>
+    </dgm:linClrLst>
+    <dgm:effectClrLst/>
+    <dgm:txLinClrLst/>
+    <dgm:txFillClrLst meth="repeat">
+      <a:schemeClr val="tx1"/>
+    </dgm:txFillClrLst>
+    <dgm:txEffectClrLst/>
+  </dgm:styleLbl>
+  <dgm:styleLbl name="parChTrans1D3">
+    <dgm:fillClrLst meth="repeat">
+      <a:schemeClr val="accent1"/>
+    </dgm:fillClrLst>
+    <dgm:linClrLst meth="repeat">
+      <a:schemeClr val="accent1">
+        <a:shade val="80000"/>
+      </a:schemeClr>
+    </dgm:linClrLst>
+    <dgm:effectClrLst/>
+    <dgm:txLinClrLst/>
+    <dgm:txFillClrLst meth="repeat">
+      <a:schemeClr val="tx1"/>
+    </dgm:txFillClrLst>
+    <dgm:txEffectClrLst/>
+  </dgm:styleLbl>
+  <dgm:styleLbl name="parChTrans1D4">
+    <dgm:fillClrLst meth="repeat">
+      <a:schemeClr val="accent1"/>
+    </dgm:fillClrLst>
+    <dgm:linClrLst meth="repeat">
+      <a:schemeClr val="accent1">
+        <a:shade val="80000"/>
+      </a:schemeClr>
+    </dgm:linClrLst>
+    <dgm:effectClrLst/>
+    <dgm:txLinClrLst/>
+    <dgm:txFillClrLst meth="repeat">
+      <a:schemeClr val="tx1"/>
+    </dgm:txFillClrLst>
+    <dgm:txEffectClrLst/>
+  </dgm:styleLbl>
+  <dgm:styleLbl name="fgAcc1">
+    <dgm:fillClrLst meth="repeat">
+      <a:schemeClr val="lt1">
+        <a:alpha val="90000"/>
+      </a:schemeClr>
+    </dgm:fillClrLst>
+    <dgm:linClrLst meth="repeat">
+      <a:schemeClr val="accent1"/>
+    </dgm:linClrLst>
+    <dgm:effectClrLst/>
+    <dgm:txLinClrLst/>
+    <dgm:txFillClrLst meth="repeat">
+      <a:schemeClr val="dk1"/>
+    </dgm:txFillClrLst>
+    <dgm:txEffectClrLst/>
+  </dgm:styleLbl>
+  <dgm:styleLbl name="conFgAcc1">
+    <dgm:fillClrLst meth="repeat">
+      <a:schemeClr val="lt1">
+        <a:alpha val="90000"/>
+      </a:schemeClr>
+    </dgm:fillClrLst>
+    <dgm:linClrLst meth="repeat">
+      <a:schemeClr val="accent1"/>
+    </dgm:linClrLst>
+    <dgm:effectClrLst/>
+    <dgm:txLinClrLst/>
+    <dgm:txFillClrLst meth="repeat">
+      <a:schemeClr val="dk1"/>
+    </dgm:txFillClrLst>
+    <dgm:txEffectClrLst/>
+  </dgm:styleLbl>
+  <dgm:styleLbl name="alignAcc1">
+    <dgm:fillClrLst meth="repeat">
+      <a:schemeClr val="lt1">
+        <a:alpha val="90000"/>
+      </a:schemeClr>
+    </dgm:fillClrLst>
+    <dgm:linClrLst meth="repeat">
+      <a:schemeClr val="accent1"/>
+    </dgm:linClrLst>
+    <dgm:effectClrLst/>
+    <dgm:txLinClrLst/>
+    <dgm:txFillClrLst meth="repeat">
+      <a:schemeClr val="dk1"/>
+    </dgm:txFillClrLst>
+    <dgm:txEffectClrLst/>
+  </dgm:styleLbl>
+  <dgm:styleLbl name="trAlignAcc1">
+    <dgm:fillClrLst meth="repeat">
+      <a:schemeClr val="lt1">
+        <a:alpha val="40000"/>
+      </a:schemeClr>
+    </dgm:fillClrLst>
+    <dgm:linClrLst meth="repeat">
+      <a:schemeClr val="accent1"/>
+    </dgm:linClrLst>
+    <dgm:effectClrLst/>
+    <dgm:txLinClrLst/>
+    <dgm:txFillClrLst meth="repeat">
+      <a:schemeClr val="dk1"/>
+    </dgm:txFillClrLst>
+    <dgm:txEffectClrLst/>
+  </dgm:styleLbl>
+  <dgm:styleLbl name="bgAcc1">
+    <dgm:fillClrLst meth="repeat">
+      <a:schemeClr val="lt1">
+        <a:alpha val="90000"/>
+      </a:schemeClr>
+    </dgm:fillClrLst>
+    <dgm:linClrLst meth="repeat">
+      <a:schemeClr val="accent1"/>
+    </dgm:linClrLst>
+    <dgm:effectClrLst/>
+    <dgm:txLinClrLst/>
+    <dgm:txFillClrLst meth="repeat">
+      <a:schemeClr val="dk1"/>
+    </dgm:txFillClrLst>
+    <dgm:txEffectClrLst/>
+  </dgm:styleLbl>
+  <dgm:styleLbl name="solidFgAcc1">
+    <dgm:fillClrLst meth="repeat">
+      <a:schemeClr val="lt1"/>
+    </dgm:fillClrLst>
+    <dgm:linClrLst meth="repeat">
+      <a:schemeClr val="accent1"/>
+    </dgm:linClrLst>
+    <dgm:effectClrLst/>
+    <dgm:txLinClrLst/>
+    <dgm:txFillClrLst meth="repeat">
+      <a:schemeClr val="dk1"/>
+    </dgm:txFillClrLst>
+    <dgm:txEffectClrLst/>
+  </dgm:styleLbl>
+  <dgm:styleLbl name="solidAlignAcc1">
+    <dgm:fillClrLst meth="repeat">
+      <a:schemeClr val="lt1"/>
+    </dgm:fillClrLst>
+    <dgm:linClrLst meth="repeat">
+      <a:schemeClr val="accent1"/>
+    </dgm:linClrLst>
+    <dgm:effectClrLst/>
+    <dgm:txLinClrLst/>
+    <dgm:txFillClrLst meth="repeat">
+      <a:schemeClr val="dk1"/>
+    </dgm:txFillClrLst>
+    <dgm:txEffectClrLst/>
+  </dgm:styleLbl>
+  <dgm:styleLbl name="solidBgAcc1">
+    <dgm:fillClrLst meth="repeat">
+      <a:schemeClr val="lt1"/>
+    </dgm:fillClrLst>
+    <dgm:linClrLst meth="repeat">
+      <a:schemeClr val="accent1"/>
+    </dgm:linClrLst>
+    <dgm:effectClrLst/>
+    <dgm:txLinClrLst/>
+    <dgm:txFillClrLst meth="repeat">
+      <a:schemeClr val="dk1"/>
+    </dgm:txFillClrLst>
+    <dgm:txEffectClrLst/>
+  </dgm:styleLbl>
+  <dgm:styleLbl name="fgAccFollowNode1">
+    <dgm:fillClrLst meth="repeat">
+      <a:schemeClr val="accent1">
+        <a:alpha val="90000"/>
+        <a:tint val="40000"/>
+      </a:schemeClr>
+    </dgm:fillClrLst>
+    <dgm:linClrLst meth="repeat">
+      <a:schemeClr val="accent1">
+        <a:alpha val="90000"/>
+        <a:tint val="40000"/>
+      </a:schemeClr>
+    </dgm:linClrLst>
+    <dgm:effectClrLst/>
+    <dgm:txLinClrLst/>
+    <dgm:txFillClrLst meth="repeat">
+      <a:schemeClr val="dk1"/>
+    </dgm:txFillClrLst>
+    <dgm:txEffectClrLst/>
+  </dgm:styleLbl>
+  <dgm:styleLbl name="alignAccFollowNode1">
+    <dgm:fillClrLst meth="repeat">
+      <a:schemeClr val="accent1">
+        <a:alpha val="90000"/>
+        <a:tint val="40000"/>
+      </a:schemeClr>
+    </dgm:fillClrLst>
+    <dgm:linClrLst meth="repeat">
+      <a:schemeClr val="accent1">
+        <a:alpha val="90000"/>
+        <a:tint val="40000"/>
+      </a:schemeClr>
+    </dgm:linClrLst>
+    <dgm:effectClrLst/>
+    <dgm:txLinClrLst/>
+    <dgm:txFillClrLst meth="repeat">
+      <a:schemeClr val="dk1"/>
+    </dgm:txFillClrLst>
+    <dgm:txEffectClrLst/>
+  </dgm:styleLbl>
+  <dgm:styleLbl name="bgAccFollowNode1">
+    <dgm:fillClrLst meth="repeat">
+      <a:schemeClr val="accent1">
+        <a:alpha val="90000"/>
+        <a:tint val="40000"/>
+      </a:schemeClr>
+    </dgm:fillClrLst>
+    <dgm:linClrLst meth="repeat">
+      <a:schemeClr val="accent1">
+        <a:alpha val="90000"/>
+        <a:tint val="40000"/>
+      </a:schemeClr>
+    </dgm:linClrLst>
+    <dgm:effectClrLst/>
+    <dgm:txLinClrLst/>
+    <dgm:txFillClrLst meth="repeat">
+      <a:schemeClr val="dk1"/>
+    </dgm:txFillClrLst>
+    <dgm:txEffectClrLst/>
+  </dgm:styleLbl>
+  <dgm:styleLbl name="fgAcc0">
+    <dgm:fillClrLst meth="repeat">
+      <a:schemeClr val="lt1">
+        <a:alpha val="90000"/>
+      </a:schemeClr>
+    </dgm:fillClrLst>
+    <dgm:linClrLst meth="repeat">
+      <a:schemeClr val="accent1"/>
+    </dgm:linClrLst>
+    <dgm:effectClrLst/>
+    <dgm:txLinClrLst/>
+    <dgm:txFillClrLst meth="repeat">
+      <a:schemeClr val="dk1"/>
+    </dgm:txFillClrLst>
+    <dgm:txEffectClrLst/>
+  </dgm:styleLbl>
+  <dgm:styleLbl name="fgAcc2">
+    <dgm:fillClrLst meth="repeat">
+      <a:schemeClr val="lt1">
+        <a:alpha val="90000"/>
+      </a:schemeClr>
+    </dgm:fillClrLst>
+    <dgm:linClrLst meth="repeat">
+      <a:schemeClr val="accent1"/>
+    </dgm:linClrLst>
+    <dgm:effectClrLst/>
+    <dgm:txLinClrLst/>
+    <dgm:txFillClrLst meth="repeat">
+      <a:schemeClr val="dk1"/>
+    </dgm:txFillClrLst>
+    <dgm:txEffectClrLst/>
+  </dgm:styleLbl>
+  <dgm:styleLbl name="fgAcc3">
+    <dgm:fillClrLst meth="repeat">
+      <a:schemeClr val="lt1">
+        <a:alpha val="90000"/>
+      </a:schemeClr>
+    </dgm:fillClrLst>
+    <dgm:linClrLst meth="repeat">
+      <a:schemeClr val="accent1"/>
+    </dgm:linClrLst>
+    <dgm:effectClrLst/>
+    <dgm:txLinClrLst/>
+    <dgm:txFillClrLst meth="repeat">
+      <a:schemeClr val="dk1"/>
+    </dgm:txFillClrLst>
+    <dgm:txEffectClrLst/>
+  </dgm:styleLbl>
+  <dgm:styleLbl name="fgAcc4">
+    <dgm:fillClrLst meth="repeat">
+      <a:schemeClr val="lt1">
+        <a:alpha val="90000"/>
+      </a:schemeClr>
+    </dgm:fillClrLst>
+    <dgm:linClrLst meth="repeat">
+      <a:schemeClr val="accent1"/>
+    </dgm:linClrLst>
+    <dgm:effectClrLst/>
+    <dgm:txLinClrLst/>
+    <dgm:txFillClrLst meth="repeat">
+      <a:schemeClr val="dk1"/>
+    </dgm:txFillClrLst>
+    <dgm:txEffectClrLst/>
+  </dgm:styleLbl>
+  <dgm:styleLbl name="bgShp">
+    <dgm:fillClrLst meth="repeat">
+      <a:schemeClr val="accent1">
+        <a:tint val="40000"/>
+      </a:schemeClr>
+    </dgm:fillClrLst>
+    <dgm:linClrLst meth="repeat">
+      <a:schemeClr val="accent1"/>
+    </dgm:linClrLst>
+    <dgm:effectClrLst/>
+    <dgm:txLinClrLst/>
+    <dgm:txFillClrLst meth="repeat">
+      <a:schemeClr val="dk1"/>
+    </dgm:txFillClrLst>
+    <dgm:txEffectClrLst/>
+  </dgm:styleLbl>
+  <dgm:styleLbl name="dkBgShp">
+    <dgm:fillClrLst meth="repeat">
+      <a:schemeClr val="accent1">
+        <a:shade val="80000"/>
+      </a:schemeClr>
+    </dgm:fillClrLst>
+    <dgm:linClrLst meth="repeat">
+      <a:schemeClr val="accent1"/>
+    </dgm:linClrLst>
+    <dgm:effectClrLst/>
+    <dgm:txLinClrLst/>
+    <dgm:txFillClrLst meth="repeat">
+      <a:schemeClr val="lt1"/>
+    </dgm:txFillClrLst>
+    <dgm:txEffectClrLst/>
+  </dgm:styleLbl>
+  <dgm:styleLbl name="trBgShp">
+    <dgm:fillClrLst meth="repeat">
+      <a:schemeClr val="accent1">
+        <a:tint val="50000"/>
+        <a:alpha val="40000"/>
+      </a:schemeClr>
+    </dgm:fillClrLst>
+    <dgm:linClrLst meth="repeat">
+      <a:schemeClr val="accent1"/>
+    </dgm:linClrLst>
+    <dgm:effectClrLst/>
+    <dgm:txLinClrLst/>
+    <dgm:txFillClrLst meth="repeat">
+      <a:schemeClr val="lt1"/>
+    </dgm:txFillClrLst>
+    <dgm:txEffectClrLst/>
+  </dgm:styleLbl>
+  <dgm:styleLbl name="fgShp">
+    <dgm:fillClrLst meth="repeat">
+      <a:schemeClr val="accent1">
+        <a:tint val="60000"/>
+      </a:schemeClr>
+    </dgm:fillClrLst>
+    <dgm:linClrLst meth="repeat">
+      <a:schemeClr val="lt1"/>
+    </dgm:linClrLst>
+    <dgm:effectClrLst/>
+    <dgm:txLinClrLst/>
+    <dgm:txFillClrLst meth="repeat">
+      <a:schemeClr val="dk1"/>
+    </dgm:txFillClrLst>
+    <dgm:txEffectClrLst/>
+  </dgm:styleLbl>
+  <dgm:styleLbl name="revTx">
+    <dgm:fillClrLst meth="repeat">
+      <a:schemeClr val="lt1">
+        <a:alpha val="0"/>
+      </a:schemeClr>
+    </dgm:fillClrLst>
+    <dgm:linClrLst meth="repeat">
+      <a:schemeClr val="dk1">
+        <a:alpha val="0"/>
+      </a:schemeClr>
+    </dgm:linClrLst>
+    <dgm:effectClrLst/>
+    <dgm:txLinClrLst/>
+    <dgm:txFillClrLst meth="repeat">
+      <a:schemeClr val="tx1"/>
+    </dgm:txFillClrLst>
+    <dgm:txEffectClrLst/>
+  </dgm:styleLbl>
+</dgm:colorsDef>
+</file>
+
 <file path=ppt/diagrams/colors2.xml><?xml version="1.0" encoding="utf-8"?>
 <dgm:colorsDef xmlns:dgm="http://schemas.openxmlformats.org/drawingml/2006/diagram" xmlns:a="http://schemas.openxmlformats.org/drawingml/2006/main" uniqueId="urn:microsoft.com/office/officeart/2005/8/colors/accent1_2">
   <dgm:title val=""/>
@@ -11208,6 +12704,672 @@
 </file>
 
 <file path=ppt/diagrams/data10.xml><?xml version="1.0" encoding="utf-8"?>
+<dgm:dataModel xmlns:dgm="http://schemas.openxmlformats.org/drawingml/2006/diagram" xmlns:a="http://schemas.openxmlformats.org/drawingml/2006/main">
+  <dgm:ptLst>
+    <dgm:pt modelId="{FFD643A7-336B-4805-9ED1-8087F703DE31}" type="doc">
+      <dgm:prSet loTypeId="urn:microsoft.com/office/officeart/2005/8/layout/chevron1" loCatId="process" qsTypeId="urn:microsoft.com/office/officeart/2005/8/quickstyle/simple1" qsCatId="simple" csTypeId="urn:microsoft.com/office/officeart/2005/8/colors/accent1_2" csCatId="accent1" phldr="1"/>
+      <dgm:spPr/>
+    </dgm:pt>
+    <dgm:pt modelId="{676C322F-AD65-438D-AAC4-7EE7BE1D7C02}">
+      <dgm:prSet phldrT="[Text]"/>
+      <dgm:spPr>
+        <a:solidFill>
+          <a:schemeClr val="tx1">
+            <a:lumMod val="85000"/>
+            <a:lumOff val="15000"/>
+          </a:schemeClr>
+        </a:solidFill>
+        <a:ln>
+          <a:solidFill>
+            <a:srgbClr val="F7E1D7"/>
+          </a:solidFill>
+        </a:ln>
+      </dgm:spPr>
+      <dgm:t>
+        <a:bodyPr/>
+        <a:lstStyle/>
+        <a:p>
+          <a:endParaRPr lang="it-IT" dirty="0"/>
+        </a:p>
+      </dgm:t>
+    </dgm:pt>
+    <dgm:pt modelId="{8E13336C-9657-4D8F-B4AA-5D560DA8CD45}" type="parTrans" cxnId="{98153164-6B62-4640-8175-DB78B4656616}">
+      <dgm:prSet/>
+      <dgm:spPr/>
+      <dgm:t>
+        <a:bodyPr/>
+        <a:lstStyle/>
+        <a:p>
+          <a:endParaRPr lang="it-IT"/>
+        </a:p>
+      </dgm:t>
+    </dgm:pt>
+    <dgm:pt modelId="{7A40D244-3343-44C4-AD18-98513E05B639}" type="sibTrans" cxnId="{98153164-6B62-4640-8175-DB78B4656616}">
+      <dgm:prSet/>
+      <dgm:spPr/>
+      <dgm:t>
+        <a:bodyPr/>
+        <a:lstStyle/>
+        <a:p>
+          <a:endParaRPr lang="it-IT"/>
+        </a:p>
+      </dgm:t>
+    </dgm:pt>
+    <dgm:pt modelId="{DE3E5DAD-25F0-48BD-9C18-13F90C75D9E2}">
+      <dgm:prSet phldrT="[Text]"/>
+      <dgm:spPr>
+        <a:solidFill>
+          <a:srgbClr val="252323"/>
+        </a:solidFill>
+        <a:ln>
+          <a:solidFill>
+            <a:srgbClr val="F7E1D7"/>
+          </a:solidFill>
+        </a:ln>
+      </dgm:spPr>
+      <dgm:t>
+        <a:bodyPr/>
+        <a:lstStyle/>
+        <a:p>
+          <a:endParaRPr lang="it-IT" dirty="0"/>
+        </a:p>
+      </dgm:t>
+    </dgm:pt>
+    <dgm:pt modelId="{137FCAE3-76B2-482C-B1A3-79F3788A2420}" type="parTrans" cxnId="{A7C8F65D-FC29-4932-969B-9C5F1CF8A167}">
+      <dgm:prSet/>
+      <dgm:spPr/>
+      <dgm:t>
+        <a:bodyPr/>
+        <a:lstStyle/>
+        <a:p>
+          <a:endParaRPr lang="it-IT"/>
+        </a:p>
+      </dgm:t>
+    </dgm:pt>
+    <dgm:pt modelId="{A028C154-8373-4D51-9638-39A00E76C6E9}" type="sibTrans" cxnId="{A7C8F65D-FC29-4932-969B-9C5F1CF8A167}">
+      <dgm:prSet/>
+      <dgm:spPr/>
+      <dgm:t>
+        <a:bodyPr/>
+        <a:lstStyle/>
+        <a:p>
+          <a:endParaRPr lang="it-IT"/>
+        </a:p>
+      </dgm:t>
+    </dgm:pt>
+    <dgm:pt modelId="{EFD11459-D1BD-4CC8-A356-7D96DC428135}">
+      <dgm:prSet phldrT="[Text]"/>
+      <dgm:spPr>
+        <a:solidFill>
+          <a:srgbClr val="252323"/>
+        </a:solidFill>
+        <a:ln>
+          <a:solidFill>
+            <a:srgbClr val="F7E1D7"/>
+          </a:solidFill>
+        </a:ln>
+      </dgm:spPr>
+      <dgm:t>
+        <a:bodyPr/>
+        <a:lstStyle/>
+        <a:p>
+          <a:endParaRPr lang="it-IT" dirty="0"/>
+        </a:p>
+      </dgm:t>
+    </dgm:pt>
+    <dgm:pt modelId="{3B88F768-3E8E-4F5C-94A5-4F818E7F5850}" type="parTrans" cxnId="{A7B6C3B1-7399-4764-8190-9546F65CD236}">
+      <dgm:prSet/>
+      <dgm:spPr/>
+      <dgm:t>
+        <a:bodyPr/>
+        <a:lstStyle/>
+        <a:p>
+          <a:endParaRPr lang="it-IT"/>
+        </a:p>
+      </dgm:t>
+    </dgm:pt>
+    <dgm:pt modelId="{8D286093-0B9E-4DF3-8857-5B13A4959E61}" type="sibTrans" cxnId="{A7B6C3B1-7399-4764-8190-9546F65CD236}">
+      <dgm:prSet/>
+      <dgm:spPr/>
+      <dgm:t>
+        <a:bodyPr/>
+        <a:lstStyle/>
+        <a:p>
+          <a:endParaRPr lang="it-IT"/>
+        </a:p>
+      </dgm:t>
+    </dgm:pt>
+    <dgm:pt modelId="{EAE272C1-1253-44B3-9C55-42FE31232EB4}">
+      <dgm:prSet phldrT="[Text]"/>
+      <dgm:spPr>
+        <a:solidFill>
+          <a:srgbClr val="252323"/>
+        </a:solidFill>
+        <a:ln>
+          <a:solidFill>
+            <a:srgbClr val="F7E1D7"/>
+          </a:solidFill>
+        </a:ln>
+      </dgm:spPr>
+      <dgm:t>
+        <a:bodyPr/>
+        <a:lstStyle/>
+        <a:p>
+          <a:endParaRPr lang="it-IT" dirty="0"/>
+        </a:p>
+      </dgm:t>
+    </dgm:pt>
+    <dgm:pt modelId="{F2BFFC0F-F7ED-45AF-AAF7-C7B773C68508}" type="parTrans" cxnId="{6236831A-B3FB-4AD9-905A-3D8BC921E48D}">
+      <dgm:prSet/>
+      <dgm:spPr/>
+      <dgm:t>
+        <a:bodyPr/>
+        <a:lstStyle/>
+        <a:p>
+          <a:endParaRPr lang="it-IT"/>
+        </a:p>
+      </dgm:t>
+    </dgm:pt>
+    <dgm:pt modelId="{5A40C90B-CE7F-453A-B958-5D6F7D7CA99C}" type="sibTrans" cxnId="{6236831A-B3FB-4AD9-905A-3D8BC921E48D}">
+      <dgm:prSet/>
+      <dgm:spPr/>
+      <dgm:t>
+        <a:bodyPr/>
+        <a:lstStyle/>
+        <a:p>
+          <a:endParaRPr lang="it-IT"/>
+        </a:p>
+      </dgm:t>
+    </dgm:pt>
+    <dgm:pt modelId="{99C4CEC4-1A4B-48BA-B6B5-B504666BDCAB}">
+      <dgm:prSet phldrT="[Text]"/>
+      <dgm:spPr>
+        <a:solidFill>
+          <a:srgbClr val="2E8AAD"/>
+        </a:solidFill>
+        <a:ln>
+          <a:solidFill>
+            <a:srgbClr val="F7E1D7"/>
+          </a:solidFill>
+        </a:ln>
+      </dgm:spPr>
+      <dgm:t>
+        <a:bodyPr/>
+        <a:lstStyle/>
+        <a:p>
+          <a:endParaRPr lang="it-IT" dirty="0">
+            <a:solidFill>
+              <a:srgbClr val="DB504A"/>
+            </a:solidFill>
+          </a:endParaRPr>
+        </a:p>
+      </dgm:t>
+    </dgm:pt>
+    <dgm:pt modelId="{F3C23BA0-15D6-475B-AF03-2BC0ED8C88D5}" type="parTrans" cxnId="{8A3AC4EC-4939-4237-8AB2-6F8E5E9565C0}">
+      <dgm:prSet/>
+      <dgm:spPr/>
+      <dgm:t>
+        <a:bodyPr/>
+        <a:lstStyle/>
+        <a:p>
+          <a:endParaRPr lang="it-IT"/>
+        </a:p>
+      </dgm:t>
+    </dgm:pt>
+    <dgm:pt modelId="{4CB4831F-3802-432D-99B0-B9B0B9236A16}" type="sibTrans" cxnId="{8A3AC4EC-4939-4237-8AB2-6F8E5E9565C0}">
+      <dgm:prSet/>
+      <dgm:spPr/>
+      <dgm:t>
+        <a:bodyPr/>
+        <a:lstStyle/>
+        <a:p>
+          <a:endParaRPr lang="it-IT"/>
+        </a:p>
+      </dgm:t>
+    </dgm:pt>
+    <dgm:pt modelId="{53AB91C9-2406-4E02-97EF-F4E1AAE675D8}" type="pres">
+      <dgm:prSet presAssocID="{FFD643A7-336B-4805-9ED1-8087F703DE31}" presName="Name0" presStyleCnt="0">
+        <dgm:presLayoutVars>
+          <dgm:dir/>
+          <dgm:animLvl val="lvl"/>
+          <dgm:resizeHandles val="exact"/>
+        </dgm:presLayoutVars>
+      </dgm:prSet>
+      <dgm:spPr/>
+    </dgm:pt>
+    <dgm:pt modelId="{593830E4-AF55-4421-A70D-31D06DEF613E}" type="pres">
+      <dgm:prSet presAssocID="{676C322F-AD65-438D-AAC4-7EE7BE1D7C02}" presName="parTxOnly" presStyleLbl="node1" presStyleIdx="0" presStyleCnt="5">
+        <dgm:presLayoutVars>
+          <dgm:chMax val="0"/>
+          <dgm:chPref val="0"/>
+          <dgm:bulletEnabled val="1"/>
+        </dgm:presLayoutVars>
+      </dgm:prSet>
+      <dgm:spPr/>
+    </dgm:pt>
+    <dgm:pt modelId="{EAFA8BD8-6004-45C4-8FB7-9F98EE905008}" type="pres">
+      <dgm:prSet presAssocID="{7A40D244-3343-44C4-AD18-98513E05B639}" presName="parTxOnlySpace" presStyleCnt="0"/>
+      <dgm:spPr/>
+    </dgm:pt>
+    <dgm:pt modelId="{0EC64F66-D0DE-4A2D-8E92-150469111B48}" type="pres">
+      <dgm:prSet presAssocID="{DE3E5DAD-25F0-48BD-9C18-13F90C75D9E2}" presName="parTxOnly" presStyleLbl="node1" presStyleIdx="1" presStyleCnt="5">
+        <dgm:presLayoutVars>
+          <dgm:chMax val="0"/>
+          <dgm:chPref val="0"/>
+          <dgm:bulletEnabled val="1"/>
+        </dgm:presLayoutVars>
+      </dgm:prSet>
+      <dgm:spPr/>
+    </dgm:pt>
+    <dgm:pt modelId="{93E5753E-51BF-481C-B6E9-5D352E2F20B5}" type="pres">
+      <dgm:prSet presAssocID="{A028C154-8373-4D51-9638-39A00E76C6E9}" presName="parTxOnlySpace" presStyleCnt="0"/>
+      <dgm:spPr/>
+    </dgm:pt>
+    <dgm:pt modelId="{1F8530D6-3B90-4B4C-8EBF-CC7DDD2604CD}" type="pres">
+      <dgm:prSet presAssocID="{EFD11459-D1BD-4CC8-A356-7D96DC428135}" presName="parTxOnly" presStyleLbl="node1" presStyleIdx="2" presStyleCnt="5">
+        <dgm:presLayoutVars>
+          <dgm:chMax val="0"/>
+          <dgm:chPref val="0"/>
+          <dgm:bulletEnabled val="1"/>
+        </dgm:presLayoutVars>
+      </dgm:prSet>
+      <dgm:spPr/>
+    </dgm:pt>
+    <dgm:pt modelId="{935A4695-E30E-4614-A361-0CE80A01D8A4}" type="pres">
+      <dgm:prSet presAssocID="{8D286093-0B9E-4DF3-8857-5B13A4959E61}" presName="parTxOnlySpace" presStyleCnt="0"/>
+      <dgm:spPr/>
+    </dgm:pt>
+    <dgm:pt modelId="{0C10CB14-FC05-4684-AAEA-6111B309DB3E}" type="pres">
+      <dgm:prSet presAssocID="{99C4CEC4-1A4B-48BA-B6B5-B504666BDCAB}" presName="parTxOnly" presStyleLbl="node1" presStyleIdx="3" presStyleCnt="5">
+        <dgm:presLayoutVars>
+          <dgm:chMax val="0"/>
+          <dgm:chPref val="0"/>
+          <dgm:bulletEnabled val="1"/>
+        </dgm:presLayoutVars>
+      </dgm:prSet>
+      <dgm:spPr/>
+    </dgm:pt>
+    <dgm:pt modelId="{EC4132DB-39FC-43A8-BF3E-4D29AB7D6B8E}" type="pres">
+      <dgm:prSet presAssocID="{4CB4831F-3802-432D-99B0-B9B0B9236A16}" presName="parTxOnlySpace" presStyleCnt="0"/>
+      <dgm:spPr/>
+    </dgm:pt>
+    <dgm:pt modelId="{DE7F660E-299F-445D-A1AF-5D30E82320DB}" type="pres">
+      <dgm:prSet presAssocID="{EAE272C1-1253-44B3-9C55-42FE31232EB4}" presName="parTxOnly" presStyleLbl="node1" presStyleIdx="4" presStyleCnt="5">
+        <dgm:presLayoutVars>
+          <dgm:chMax val="0"/>
+          <dgm:chPref val="0"/>
+          <dgm:bulletEnabled val="1"/>
+        </dgm:presLayoutVars>
+      </dgm:prSet>
+      <dgm:spPr/>
+    </dgm:pt>
+  </dgm:ptLst>
+  <dgm:cxnLst>
+    <dgm:cxn modelId="{6236831A-B3FB-4AD9-905A-3D8BC921E48D}" srcId="{FFD643A7-336B-4805-9ED1-8087F703DE31}" destId="{EAE272C1-1253-44B3-9C55-42FE31232EB4}" srcOrd="4" destOrd="0" parTransId="{F2BFFC0F-F7ED-45AF-AAF7-C7B773C68508}" sibTransId="{5A40C90B-CE7F-453A-B958-5D6F7D7CA99C}"/>
+    <dgm:cxn modelId="{FD544022-9031-49A8-BFE2-DCD8EF23CFD2}" type="presOf" srcId="{FFD643A7-336B-4805-9ED1-8087F703DE31}" destId="{53AB91C9-2406-4E02-97EF-F4E1AAE675D8}" srcOrd="0" destOrd="0" presId="urn:microsoft.com/office/officeart/2005/8/layout/chevron1"/>
+    <dgm:cxn modelId="{1EC84526-A138-4AEA-9C17-C052BDAD2EF5}" type="presOf" srcId="{99C4CEC4-1A4B-48BA-B6B5-B504666BDCAB}" destId="{0C10CB14-FC05-4684-AAEA-6111B309DB3E}" srcOrd="0" destOrd="0" presId="urn:microsoft.com/office/officeart/2005/8/layout/chevron1"/>
+    <dgm:cxn modelId="{2A1E5A3D-D086-45D1-B3FB-EAE596F0EC22}" type="presOf" srcId="{676C322F-AD65-438D-AAC4-7EE7BE1D7C02}" destId="{593830E4-AF55-4421-A70D-31D06DEF613E}" srcOrd="0" destOrd="0" presId="urn:microsoft.com/office/officeart/2005/8/layout/chevron1"/>
+    <dgm:cxn modelId="{A7C8F65D-FC29-4932-969B-9C5F1CF8A167}" srcId="{FFD643A7-336B-4805-9ED1-8087F703DE31}" destId="{DE3E5DAD-25F0-48BD-9C18-13F90C75D9E2}" srcOrd="1" destOrd="0" parTransId="{137FCAE3-76B2-482C-B1A3-79F3788A2420}" sibTransId="{A028C154-8373-4D51-9638-39A00E76C6E9}"/>
+    <dgm:cxn modelId="{98153164-6B62-4640-8175-DB78B4656616}" srcId="{FFD643A7-336B-4805-9ED1-8087F703DE31}" destId="{676C322F-AD65-438D-AAC4-7EE7BE1D7C02}" srcOrd="0" destOrd="0" parTransId="{8E13336C-9657-4D8F-B4AA-5D560DA8CD45}" sibTransId="{7A40D244-3343-44C4-AD18-98513E05B639}"/>
+    <dgm:cxn modelId="{C8CAA96A-F349-450A-8F89-0563AF66BCFD}" type="presOf" srcId="{DE3E5DAD-25F0-48BD-9C18-13F90C75D9E2}" destId="{0EC64F66-D0DE-4A2D-8E92-150469111B48}" srcOrd="0" destOrd="0" presId="urn:microsoft.com/office/officeart/2005/8/layout/chevron1"/>
+    <dgm:cxn modelId="{DB78567E-98D5-471D-871D-BCF7D176F7BE}" type="presOf" srcId="{EAE272C1-1253-44B3-9C55-42FE31232EB4}" destId="{DE7F660E-299F-445D-A1AF-5D30E82320DB}" srcOrd="0" destOrd="0" presId="urn:microsoft.com/office/officeart/2005/8/layout/chevron1"/>
+    <dgm:cxn modelId="{A7B6C3B1-7399-4764-8190-9546F65CD236}" srcId="{FFD643A7-336B-4805-9ED1-8087F703DE31}" destId="{EFD11459-D1BD-4CC8-A356-7D96DC428135}" srcOrd="2" destOrd="0" parTransId="{3B88F768-3E8E-4F5C-94A5-4F818E7F5850}" sibTransId="{8D286093-0B9E-4DF3-8857-5B13A4959E61}"/>
+    <dgm:cxn modelId="{8A3AC4EC-4939-4237-8AB2-6F8E5E9565C0}" srcId="{FFD643A7-336B-4805-9ED1-8087F703DE31}" destId="{99C4CEC4-1A4B-48BA-B6B5-B504666BDCAB}" srcOrd="3" destOrd="0" parTransId="{F3C23BA0-15D6-475B-AF03-2BC0ED8C88D5}" sibTransId="{4CB4831F-3802-432D-99B0-B9B0B9236A16}"/>
+    <dgm:cxn modelId="{99CAF7F6-A390-4844-AD6F-5E70F4849039}" type="presOf" srcId="{EFD11459-D1BD-4CC8-A356-7D96DC428135}" destId="{1F8530D6-3B90-4B4C-8EBF-CC7DDD2604CD}" srcOrd="0" destOrd="0" presId="urn:microsoft.com/office/officeart/2005/8/layout/chevron1"/>
+    <dgm:cxn modelId="{64B2CD47-FE8F-4837-BA2D-8EF82C9DE748}" type="presParOf" srcId="{53AB91C9-2406-4E02-97EF-F4E1AAE675D8}" destId="{593830E4-AF55-4421-A70D-31D06DEF613E}" srcOrd="0" destOrd="0" presId="urn:microsoft.com/office/officeart/2005/8/layout/chevron1"/>
+    <dgm:cxn modelId="{DE37B07B-D885-485F-A577-C7FF18D92018}" type="presParOf" srcId="{53AB91C9-2406-4E02-97EF-F4E1AAE675D8}" destId="{EAFA8BD8-6004-45C4-8FB7-9F98EE905008}" srcOrd="1" destOrd="0" presId="urn:microsoft.com/office/officeart/2005/8/layout/chevron1"/>
+    <dgm:cxn modelId="{69F8C974-14CD-4038-87F7-4D4ED007182E}" type="presParOf" srcId="{53AB91C9-2406-4E02-97EF-F4E1AAE675D8}" destId="{0EC64F66-D0DE-4A2D-8E92-150469111B48}" srcOrd="2" destOrd="0" presId="urn:microsoft.com/office/officeart/2005/8/layout/chevron1"/>
+    <dgm:cxn modelId="{7C7DD9FE-926B-4A2D-ADC3-EB0E165DE053}" type="presParOf" srcId="{53AB91C9-2406-4E02-97EF-F4E1AAE675D8}" destId="{93E5753E-51BF-481C-B6E9-5D352E2F20B5}" srcOrd="3" destOrd="0" presId="urn:microsoft.com/office/officeart/2005/8/layout/chevron1"/>
+    <dgm:cxn modelId="{6E0F4CD9-15D4-4242-BC7F-B7DBA5F01B7C}" type="presParOf" srcId="{53AB91C9-2406-4E02-97EF-F4E1AAE675D8}" destId="{1F8530D6-3B90-4B4C-8EBF-CC7DDD2604CD}" srcOrd="4" destOrd="0" presId="urn:microsoft.com/office/officeart/2005/8/layout/chevron1"/>
+    <dgm:cxn modelId="{31D5D6AC-0E4A-4A32-9EE7-F7F87949EA1E}" type="presParOf" srcId="{53AB91C9-2406-4E02-97EF-F4E1AAE675D8}" destId="{935A4695-E30E-4614-A361-0CE80A01D8A4}" srcOrd="5" destOrd="0" presId="urn:microsoft.com/office/officeart/2005/8/layout/chevron1"/>
+    <dgm:cxn modelId="{FDC873BB-6BE6-4B40-8FEE-9E8D96D0908E}" type="presParOf" srcId="{53AB91C9-2406-4E02-97EF-F4E1AAE675D8}" destId="{0C10CB14-FC05-4684-AAEA-6111B309DB3E}" srcOrd="6" destOrd="0" presId="urn:microsoft.com/office/officeart/2005/8/layout/chevron1"/>
+    <dgm:cxn modelId="{9641D82F-A988-4074-8E30-4B265E3BF762}" type="presParOf" srcId="{53AB91C9-2406-4E02-97EF-F4E1AAE675D8}" destId="{EC4132DB-39FC-43A8-BF3E-4D29AB7D6B8E}" srcOrd="7" destOrd="0" presId="urn:microsoft.com/office/officeart/2005/8/layout/chevron1"/>
+    <dgm:cxn modelId="{9F41E474-DF4E-4474-9F69-B6FCB5B1B4C6}" type="presParOf" srcId="{53AB91C9-2406-4E02-97EF-F4E1AAE675D8}" destId="{DE7F660E-299F-445D-A1AF-5D30E82320DB}" srcOrd="8" destOrd="0" presId="urn:microsoft.com/office/officeart/2005/8/layout/chevron1"/>
+  </dgm:cxnLst>
+  <dgm:bg/>
+  <dgm:whole/>
+  <dgm:extLst>
+    <a:ext uri="http://schemas.microsoft.com/office/drawing/2008/diagram">
+      <dsp:dataModelExt xmlns:dsp="http://schemas.microsoft.com/office/drawing/2008/diagram" relId="rId6" minVer="http://schemas.openxmlformats.org/drawingml/2006/diagram"/>
+    </a:ext>
+  </dgm:extLst>
+</dgm:dataModel>
+</file>
+
+<file path=ppt/diagrams/data11.xml><?xml version="1.0" encoding="utf-8"?>
+<dgm:dataModel xmlns:dgm="http://schemas.openxmlformats.org/drawingml/2006/diagram" xmlns:a="http://schemas.openxmlformats.org/drawingml/2006/main">
+  <dgm:ptLst>
+    <dgm:pt modelId="{FFD643A7-336B-4805-9ED1-8087F703DE31}" type="doc">
+      <dgm:prSet loTypeId="urn:microsoft.com/office/officeart/2005/8/layout/chevron1" loCatId="process" qsTypeId="urn:microsoft.com/office/officeart/2005/8/quickstyle/simple1" qsCatId="simple" csTypeId="urn:microsoft.com/office/officeart/2005/8/colors/accent1_2" csCatId="accent1" phldr="1"/>
+      <dgm:spPr/>
+    </dgm:pt>
+    <dgm:pt modelId="{676C322F-AD65-438D-AAC4-7EE7BE1D7C02}">
+      <dgm:prSet phldrT="[Text]"/>
+      <dgm:spPr>
+        <a:solidFill>
+          <a:schemeClr val="tx1">
+            <a:lumMod val="85000"/>
+            <a:lumOff val="15000"/>
+          </a:schemeClr>
+        </a:solidFill>
+        <a:ln>
+          <a:solidFill>
+            <a:srgbClr val="F7E1D7"/>
+          </a:solidFill>
+        </a:ln>
+      </dgm:spPr>
+      <dgm:t>
+        <a:bodyPr/>
+        <a:lstStyle/>
+        <a:p>
+          <a:endParaRPr lang="it-IT" dirty="0"/>
+        </a:p>
+      </dgm:t>
+    </dgm:pt>
+    <dgm:pt modelId="{8E13336C-9657-4D8F-B4AA-5D560DA8CD45}" type="parTrans" cxnId="{98153164-6B62-4640-8175-DB78B4656616}">
+      <dgm:prSet/>
+      <dgm:spPr/>
+      <dgm:t>
+        <a:bodyPr/>
+        <a:lstStyle/>
+        <a:p>
+          <a:endParaRPr lang="it-IT"/>
+        </a:p>
+      </dgm:t>
+    </dgm:pt>
+    <dgm:pt modelId="{7A40D244-3343-44C4-AD18-98513E05B639}" type="sibTrans" cxnId="{98153164-6B62-4640-8175-DB78B4656616}">
+      <dgm:prSet/>
+      <dgm:spPr/>
+      <dgm:t>
+        <a:bodyPr/>
+        <a:lstStyle/>
+        <a:p>
+          <a:endParaRPr lang="it-IT"/>
+        </a:p>
+      </dgm:t>
+    </dgm:pt>
+    <dgm:pt modelId="{DE3E5DAD-25F0-48BD-9C18-13F90C75D9E2}">
+      <dgm:prSet phldrT="[Text]"/>
+      <dgm:spPr>
+        <a:solidFill>
+          <a:srgbClr val="252323"/>
+        </a:solidFill>
+        <a:ln>
+          <a:solidFill>
+            <a:srgbClr val="F7E1D7"/>
+          </a:solidFill>
+        </a:ln>
+      </dgm:spPr>
+      <dgm:t>
+        <a:bodyPr/>
+        <a:lstStyle/>
+        <a:p>
+          <a:endParaRPr lang="it-IT" dirty="0"/>
+        </a:p>
+      </dgm:t>
+    </dgm:pt>
+    <dgm:pt modelId="{137FCAE3-76B2-482C-B1A3-79F3788A2420}" type="parTrans" cxnId="{A7C8F65D-FC29-4932-969B-9C5F1CF8A167}">
+      <dgm:prSet/>
+      <dgm:spPr/>
+      <dgm:t>
+        <a:bodyPr/>
+        <a:lstStyle/>
+        <a:p>
+          <a:endParaRPr lang="it-IT"/>
+        </a:p>
+      </dgm:t>
+    </dgm:pt>
+    <dgm:pt modelId="{A028C154-8373-4D51-9638-39A00E76C6E9}" type="sibTrans" cxnId="{A7C8F65D-FC29-4932-969B-9C5F1CF8A167}">
+      <dgm:prSet/>
+      <dgm:spPr/>
+      <dgm:t>
+        <a:bodyPr/>
+        <a:lstStyle/>
+        <a:p>
+          <a:endParaRPr lang="it-IT"/>
+        </a:p>
+      </dgm:t>
+    </dgm:pt>
+    <dgm:pt modelId="{EFD11459-D1BD-4CC8-A356-7D96DC428135}">
+      <dgm:prSet phldrT="[Text]"/>
+      <dgm:spPr>
+        <a:solidFill>
+          <a:srgbClr val="252323"/>
+        </a:solidFill>
+        <a:ln>
+          <a:solidFill>
+            <a:srgbClr val="F7E1D7"/>
+          </a:solidFill>
+        </a:ln>
+      </dgm:spPr>
+      <dgm:t>
+        <a:bodyPr/>
+        <a:lstStyle/>
+        <a:p>
+          <a:endParaRPr lang="it-IT" dirty="0"/>
+        </a:p>
+      </dgm:t>
+    </dgm:pt>
+    <dgm:pt modelId="{3B88F768-3E8E-4F5C-94A5-4F818E7F5850}" type="parTrans" cxnId="{A7B6C3B1-7399-4764-8190-9546F65CD236}">
+      <dgm:prSet/>
+      <dgm:spPr/>
+      <dgm:t>
+        <a:bodyPr/>
+        <a:lstStyle/>
+        <a:p>
+          <a:endParaRPr lang="it-IT"/>
+        </a:p>
+      </dgm:t>
+    </dgm:pt>
+    <dgm:pt modelId="{8D286093-0B9E-4DF3-8857-5B13A4959E61}" type="sibTrans" cxnId="{A7B6C3B1-7399-4764-8190-9546F65CD236}">
+      <dgm:prSet/>
+      <dgm:spPr/>
+      <dgm:t>
+        <a:bodyPr/>
+        <a:lstStyle/>
+        <a:p>
+          <a:endParaRPr lang="it-IT"/>
+        </a:p>
+      </dgm:t>
+    </dgm:pt>
+    <dgm:pt modelId="{EAE272C1-1253-44B3-9C55-42FE31232EB4}">
+      <dgm:prSet phldrT="[Text]"/>
+      <dgm:spPr>
+        <a:solidFill>
+          <a:srgbClr val="252323"/>
+        </a:solidFill>
+        <a:ln>
+          <a:solidFill>
+            <a:srgbClr val="F7E1D7"/>
+          </a:solidFill>
+        </a:ln>
+      </dgm:spPr>
+      <dgm:t>
+        <a:bodyPr/>
+        <a:lstStyle/>
+        <a:p>
+          <a:endParaRPr lang="it-IT" dirty="0"/>
+        </a:p>
+      </dgm:t>
+    </dgm:pt>
+    <dgm:pt modelId="{F2BFFC0F-F7ED-45AF-AAF7-C7B773C68508}" type="parTrans" cxnId="{6236831A-B3FB-4AD9-905A-3D8BC921E48D}">
+      <dgm:prSet/>
+      <dgm:spPr/>
+      <dgm:t>
+        <a:bodyPr/>
+        <a:lstStyle/>
+        <a:p>
+          <a:endParaRPr lang="it-IT"/>
+        </a:p>
+      </dgm:t>
+    </dgm:pt>
+    <dgm:pt modelId="{5A40C90B-CE7F-453A-B958-5D6F7D7CA99C}" type="sibTrans" cxnId="{6236831A-B3FB-4AD9-905A-3D8BC921E48D}">
+      <dgm:prSet/>
+      <dgm:spPr/>
+      <dgm:t>
+        <a:bodyPr/>
+        <a:lstStyle/>
+        <a:p>
+          <a:endParaRPr lang="it-IT"/>
+        </a:p>
+      </dgm:t>
+    </dgm:pt>
+    <dgm:pt modelId="{99C4CEC4-1A4B-48BA-B6B5-B504666BDCAB}">
+      <dgm:prSet phldrT="[Text]"/>
+      <dgm:spPr>
+        <a:solidFill>
+          <a:srgbClr val="2E8AAD"/>
+        </a:solidFill>
+        <a:ln>
+          <a:solidFill>
+            <a:srgbClr val="F7E1D7"/>
+          </a:solidFill>
+        </a:ln>
+      </dgm:spPr>
+      <dgm:t>
+        <a:bodyPr/>
+        <a:lstStyle/>
+        <a:p>
+          <a:endParaRPr lang="it-IT" dirty="0">
+            <a:solidFill>
+              <a:srgbClr val="DB504A"/>
+            </a:solidFill>
+          </a:endParaRPr>
+        </a:p>
+      </dgm:t>
+    </dgm:pt>
+    <dgm:pt modelId="{F3C23BA0-15D6-475B-AF03-2BC0ED8C88D5}" type="parTrans" cxnId="{8A3AC4EC-4939-4237-8AB2-6F8E5E9565C0}">
+      <dgm:prSet/>
+      <dgm:spPr/>
+      <dgm:t>
+        <a:bodyPr/>
+        <a:lstStyle/>
+        <a:p>
+          <a:endParaRPr lang="it-IT"/>
+        </a:p>
+      </dgm:t>
+    </dgm:pt>
+    <dgm:pt modelId="{4CB4831F-3802-432D-99B0-B9B0B9236A16}" type="sibTrans" cxnId="{8A3AC4EC-4939-4237-8AB2-6F8E5E9565C0}">
+      <dgm:prSet/>
+      <dgm:spPr/>
+      <dgm:t>
+        <a:bodyPr/>
+        <a:lstStyle/>
+        <a:p>
+          <a:endParaRPr lang="it-IT"/>
+        </a:p>
+      </dgm:t>
+    </dgm:pt>
+    <dgm:pt modelId="{53AB91C9-2406-4E02-97EF-F4E1AAE675D8}" type="pres">
+      <dgm:prSet presAssocID="{FFD643A7-336B-4805-9ED1-8087F703DE31}" presName="Name0" presStyleCnt="0">
+        <dgm:presLayoutVars>
+          <dgm:dir/>
+          <dgm:animLvl val="lvl"/>
+          <dgm:resizeHandles val="exact"/>
+        </dgm:presLayoutVars>
+      </dgm:prSet>
+      <dgm:spPr/>
+    </dgm:pt>
+    <dgm:pt modelId="{593830E4-AF55-4421-A70D-31D06DEF613E}" type="pres">
+      <dgm:prSet presAssocID="{676C322F-AD65-438D-AAC4-7EE7BE1D7C02}" presName="parTxOnly" presStyleLbl="node1" presStyleIdx="0" presStyleCnt="5">
+        <dgm:presLayoutVars>
+          <dgm:chMax val="0"/>
+          <dgm:chPref val="0"/>
+          <dgm:bulletEnabled val="1"/>
+        </dgm:presLayoutVars>
+      </dgm:prSet>
+      <dgm:spPr/>
+    </dgm:pt>
+    <dgm:pt modelId="{EAFA8BD8-6004-45C4-8FB7-9F98EE905008}" type="pres">
+      <dgm:prSet presAssocID="{7A40D244-3343-44C4-AD18-98513E05B639}" presName="parTxOnlySpace" presStyleCnt="0"/>
+      <dgm:spPr/>
+    </dgm:pt>
+    <dgm:pt modelId="{0EC64F66-D0DE-4A2D-8E92-150469111B48}" type="pres">
+      <dgm:prSet presAssocID="{DE3E5DAD-25F0-48BD-9C18-13F90C75D9E2}" presName="parTxOnly" presStyleLbl="node1" presStyleIdx="1" presStyleCnt="5">
+        <dgm:presLayoutVars>
+          <dgm:chMax val="0"/>
+          <dgm:chPref val="0"/>
+          <dgm:bulletEnabled val="1"/>
+        </dgm:presLayoutVars>
+      </dgm:prSet>
+      <dgm:spPr/>
+    </dgm:pt>
+    <dgm:pt modelId="{93E5753E-51BF-481C-B6E9-5D352E2F20B5}" type="pres">
+      <dgm:prSet presAssocID="{A028C154-8373-4D51-9638-39A00E76C6E9}" presName="parTxOnlySpace" presStyleCnt="0"/>
+      <dgm:spPr/>
+    </dgm:pt>
+    <dgm:pt modelId="{1F8530D6-3B90-4B4C-8EBF-CC7DDD2604CD}" type="pres">
+      <dgm:prSet presAssocID="{EFD11459-D1BD-4CC8-A356-7D96DC428135}" presName="parTxOnly" presStyleLbl="node1" presStyleIdx="2" presStyleCnt="5">
+        <dgm:presLayoutVars>
+          <dgm:chMax val="0"/>
+          <dgm:chPref val="0"/>
+          <dgm:bulletEnabled val="1"/>
+        </dgm:presLayoutVars>
+      </dgm:prSet>
+      <dgm:spPr/>
+    </dgm:pt>
+    <dgm:pt modelId="{935A4695-E30E-4614-A361-0CE80A01D8A4}" type="pres">
+      <dgm:prSet presAssocID="{8D286093-0B9E-4DF3-8857-5B13A4959E61}" presName="parTxOnlySpace" presStyleCnt="0"/>
+      <dgm:spPr/>
+    </dgm:pt>
+    <dgm:pt modelId="{0C10CB14-FC05-4684-AAEA-6111B309DB3E}" type="pres">
+      <dgm:prSet presAssocID="{99C4CEC4-1A4B-48BA-B6B5-B504666BDCAB}" presName="parTxOnly" presStyleLbl="node1" presStyleIdx="3" presStyleCnt="5">
+        <dgm:presLayoutVars>
+          <dgm:chMax val="0"/>
+          <dgm:chPref val="0"/>
+          <dgm:bulletEnabled val="1"/>
+        </dgm:presLayoutVars>
+      </dgm:prSet>
+      <dgm:spPr/>
+    </dgm:pt>
+    <dgm:pt modelId="{EC4132DB-39FC-43A8-BF3E-4D29AB7D6B8E}" type="pres">
+      <dgm:prSet presAssocID="{4CB4831F-3802-432D-99B0-B9B0B9236A16}" presName="parTxOnlySpace" presStyleCnt="0"/>
+      <dgm:spPr/>
+    </dgm:pt>
+    <dgm:pt modelId="{DE7F660E-299F-445D-A1AF-5D30E82320DB}" type="pres">
+      <dgm:prSet presAssocID="{EAE272C1-1253-44B3-9C55-42FE31232EB4}" presName="parTxOnly" presStyleLbl="node1" presStyleIdx="4" presStyleCnt="5">
+        <dgm:presLayoutVars>
+          <dgm:chMax val="0"/>
+          <dgm:chPref val="0"/>
+          <dgm:bulletEnabled val="1"/>
+        </dgm:presLayoutVars>
+      </dgm:prSet>
+      <dgm:spPr/>
+    </dgm:pt>
+  </dgm:ptLst>
+  <dgm:cxnLst>
+    <dgm:cxn modelId="{6236831A-B3FB-4AD9-905A-3D8BC921E48D}" srcId="{FFD643A7-336B-4805-9ED1-8087F703DE31}" destId="{EAE272C1-1253-44B3-9C55-42FE31232EB4}" srcOrd="4" destOrd="0" parTransId="{F2BFFC0F-F7ED-45AF-AAF7-C7B773C68508}" sibTransId="{5A40C90B-CE7F-453A-B958-5D6F7D7CA99C}"/>
+    <dgm:cxn modelId="{FD544022-9031-49A8-BFE2-DCD8EF23CFD2}" type="presOf" srcId="{FFD643A7-336B-4805-9ED1-8087F703DE31}" destId="{53AB91C9-2406-4E02-97EF-F4E1AAE675D8}" srcOrd="0" destOrd="0" presId="urn:microsoft.com/office/officeart/2005/8/layout/chevron1"/>
+    <dgm:cxn modelId="{1EC84526-A138-4AEA-9C17-C052BDAD2EF5}" type="presOf" srcId="{99C4CEC4-1A4B-48BA-B6B5-B504666BDCAB}" destId="{0C10CB14-FC05-4684-AAEA-6111B309DB3E}" srcOrd="0" destOrd="0" presId="urn:microsoft.com/office/officeart/2005/8/layout/chevron1"/>
+    <dgm:cxn modelId="{2A1E5A3D-D086-45D1-B3FB-EAE596F0EC22}" type="presOf" srcId="{676C322F-AD65-438D-AAC4-7EE7BE1D7C02}" destId="{593830E4-AF55-4421-A70D-31D06DEF613E}" srcOrd="0" destOrd="0" presId="urn:microsoft.com/office/officeart/2005/8/layout/chevron1"/>
+    <dgm:cxn modelId="{A7C8F65D-FC29-4932-969B-9C5F1CF8A167}" srcId="{FFD643A7-336B-4805-9ED1-8087F703DE31}" destId="{DE3E5DAD-25F0-48BD-9C18-13F90C75D9E2}" srcOrd="1" destOrd="0" parTransId="{137FCAE3-76B2-482C-B1A3-79F3788A2420}" sibTransId="{A028C154-8373-4D51-9638-39A00E76C6E9}"/>
+    <dgm:cxn modelId="{98153164-6B62-4640-8175-DB78B4656616}" srcId="{FFD643A7-336B-4805-9ED1-8087F703DE31}" destId="{676C322F-AD65-438D-AAC4-7EE7BE1D7C02}" srcOrd="0" destOrd="0" parTransId="{8E13336C-9657-4D8F-B4AA-5D560DA8CD45}" sibTransId="{7A40D244-3343-44C4-AD18-98513E05B639}"/>
+    <dgm:cxn modelId="{C8CAA96A-F349-450A-8F89-0563AF66BCFD}" type="presOf" srcId="{DE3E5DAD-25F0-48BD-9C18-13F90C75D9E2}" destId="{0EC64F66-D0DE-4A2D-8E92-150469111B48}" srcOrd="0" destOrd="0" presId="urn:microsoft.com/office/officeart/2005/8/layout/chevron1"/>
+    <dgm:cxn modelId="{DB78567E-98D5-471D-871D-BCF7D176F7BE}" type="presOf" srcId="{EAE272C1-1253-44B3-9C55-42FE31232EB4}" destId="{DE7F660E-299F-445D-A1AF-5D30E82320DB}" srcOrd="0" destOrd="0" presId="urn:microsoft.com/office/officeart/2005/8/layout/chevron1"/>
+    <dgm:cxn modelId="{A7B6C3B1-7399-4764-8190-9546F65CD236}" srcId="{FFD643A7-336B-4805-9ED1-8087F703DE31}" destId="{EFD11459-D1BD-4CC8-A356-7D96DC428135}" srcOrd="2" destOrd="0" parTransId="{3B88F768-3E8E-4F5C-94A5-4F818E7F5850}" sibTransId="{8D286093-0B9E-4DF3-8857-5B13A4959E61}"/>
+    <dgm:cxn modelId="{8A3AC4EC-4939-4237-8AB2-6F8E5E9565C0}" srcId="{FFD643A7-336B-4805-9ED1-8087F703DE31}" destId="{99C4CEC4-1A4B-48BA-B6B5-B504666BDCAB}" srcOrd="3" destOrd="0" parTransId="{F3C23BA0-15D6-475B-AF03-2BC0ED8C88D5}" sibTransId="{4CB4831F-3802-432D-99B0-B9B0B9236A16}"/>
+    <dgm:cxn modelId="{99CAF7F6-A390-4844-AD6F-5E70F4849039}" type="presOf" srcId="{EFD11459-D1BD-4CC8-A356-7D96DC428135}" destId="{1F8530D6-3B90-4B4C-8EBF-CC7DDD2604CD}" srcOrd="0" destOrd="0" presId="urn:microsoft.com/office/officeart/2005/8/layout/chevron1"/>
+    <dgm:cxn modelId="{64B2CD47-FE8F-4837-BA2D-8EF82C9DE748}" type="presParOf" srcId="{53AB91C9-2406-4E02-97EF-F4E1AAE675D8}" destId="{593830E4-AF55-4421-A70D-31D06DEF613E}" srcOrd="0" destOrd="0" presId="urn:microsoft.com/office/officeart/2005/8/layout/chevron1"/>
+    <dgm:cxn modelId="{DE37B07B-D885-485F-A577-C7FF18D92018}" type="presParOf" srcId="{53AB91C9-2406-4E02-97EF-F4E1AAE675D8}" destId="{EAFA8BD8-6004-45C4-8FB7-9F98EE905008}" srcOrd="1" destOrd="0" presId="urn:microsoft.com/office/officeart/2005/8/layout/chevron1"/>
+    <dgm:cxn modelId="{69F8C974-14CD-4038-87F7-4D4ED007182E}" type="presParOf" srcId="{53AB91C9-2406-4E02-97EF-F4E1AAE675D8}" destId="{0EC64F66-D0DE-4A2D-8E92-150469111B48}" srcOrd="2" destOrd="0" presId="urn:microsoft.com/office/officeart/2005/8/layout/chevron1"/>
+    <dgm:cxn modelId="{7C7DD9FE-926B-4A2D-ADC3-EB0E165DE053}" type="presParOf" srcId="{53AB91C9-2406-4E02-97EF-F4E1AAE675D8}" destId="{93E5753E-51BF-481C-B6E9-5D352E2F20B5}" srcOrd="3" destOrd="0" presId="urn:microsoft.com/office/officeart/2005/8/layout/chevron1"/>
+    <dgm:cxn modelId="{6E0F4CD9-15D4-4242-BC7F-B7DBA5F01B7C}" type="presParOf" srcId="{53AB91C9-2406-4E02-97EF-F4E1AAE675D8}" destId="{1F8530D6-3B90-4B4C-8EBF-CC7DDD2604CD}" srcOrd="4" destOrd="0" presId="urn:microsoft.com/office/officeart/2005/8/layout/chevron1"/>
+    <dgm:cxn modelId="{31D5D6AC-0E4A-4A32-9EE7-F7F87949EA1E}" type="presParOf" srcId="{53AB91C9-2406-4E02-97EF-F4E1AAE675D8}" destId="{935A4695-E30E-4614-A361-0CE80A01D8A4}" srcOrd="5" destOrd="0" presId="urn:microsoft.com/office/officeart/2005/8/layout/chevron1"/>
+    <dgm:cxn modelId="{FDC873BB-6BE6-4B40-8FEE-9E8D96D0908E}" type="presParOf" srcId="{53AB91C9-2406-4E02-97EF-F4E1AAE675D8}" destId="{0C10CB14-FC05-4684-AAEA-6111B309DB3E}" srcOrd="6" destOrd="0" presId="urn:microsoft.com/office/officeart/2005/8/layout/chevron1"/>
+    <dgm:cxn modelId="{9641D82F-A988-4074-8E30-4B265E3BF762}" type="presParOf" srcId="{53AB91C9-2406-4E02-97EF-F4E1AAE675D8}" destId="{EC4132DB-39FC-43A8-BF3E-4D29AB7D6B8E}" srcOrd="7" destOrd="0" presId="urn:microsoft.com/office/officeart/2005/8/layout/chevron1"/>
+    <dgm:cxn modelId="{9F41E474-DF4E-4474-9F69-B6FCB5B1B4C6}" type="presParOf" srcId="{53AB91C9-2406-4E02-97EF-F4E1AAE675D8}" destId="{DE7F660E-299F-445D-A1AF-5D30E82320DB}" srcOrd="8" destOrd="0" presId="urn:microsoft.com/office/officeart/2005/8/layout/chevron1"/>
+  </dgm:cxnLst>
+  <dgm:bg/>
+  <dgm:whole/>
+  <dgm:extLst>
+    <a:ext uri="http://schemas.microsoft.com/office/drawing/2008/diagram">
+      <dsp:dataModelExt xmlns:dsp="http://schemas.microsoft.com/office/drawing/2008/diagram" relId="rId7" minVer="http://schemas.openxmlformats.org/drawingml/2006/diagram"/>
+    </a:ext>
+  </dgm:extLst>
+</dgm:dataModel>
+</file>
+
+<file path=ppt/diagrams/data12.xml><?xml version="1.0" encoding="utf-8"?>
 <dgm:dataModel xmlns:dgm="http://schemas.openxmlformats.org/drawingml/2006/diagram" xmlns:a="http://schemas.openxmlformats.org/drawingml/2006/main">
   <dgm:ptLst>
     <dgm:pt modelId="{FFD643A7-336B-4805-9ED1-8087F703DE31}" type="doc">
@@ -13597,7 +15759,7 @@
       <dgm:prSet phldrT="[Text]"/>
       <dgm:spPr>
         <a:solidFill>
-          <a:srgbClr val="252323"/>
+          <a:srgbClr val="2E8AAD"/>
         </a:solidFill>
         <a:ln>
           <a:solidFill>
@@ -13681,7 +15843,7 @@
       <dgm:prSet phldrT="[Text]"/>
       <dgm:spPr>
         <a:solidFill>
-          <a:srgbClr val="2E8AAD"/>
+          <a:srgbClr val="252323"/>
         </a:solidFill>
         <a:ln>
           <a:solidFill>
@@ -13693,11 +15855,7 @@
         <a:bodyPr/>
         <a:lstStyle/>
         <a:p>
-          <a:endParaRPr lang="it-IT" dirty="0">
-            <a:solidFill>
-              <a:srgbClr val="DB504A"/>
-            </a:solidFill>
-          </a:endParaRPr>
+          <a:endParaRPr lang="it-IT" dirty="0"/>
         </a:p>
       </dgm:t>
     </dgm:pt>
@@ -13930,7 +16088,7 @@
       <dgm:prSet phldrT="[Text]"/>
       <dgm:spPr>
         <a:solidFill>
-          <a:srgbClr val="252323"/>
+          <a:srgbClr val="2E8AAD"/>
         </a:solidFill>
         <a:ln>
           <a:solidFill>
@@ -14014,7 +16172,7 @@
       <dgm:prSet phldrT="[Text]"/>
       <dgm:spPr>
         <a:solidFill>
-          <a:srgbClr val="2E8AAD"/>
+          <a:srgbClr val="252323"/>
         </a:solidFill>
         <a:ln>
           <a:solidFill>
@@ -14026,11 +16184,7 @@
         <a:bodyPr/>
         <a:lstStyle/>
         <a:p>
-          <a:endParaRPr lang="it-IT" dirty="0">
-            <a:solidFill>
-              <a:srgbClr val="DB504A"/>
-            </a:solidFill>
-          </a:endParaRPr>
+          <a:endParaRPr lang="it-IT" dirty="0"/>
         </a:p>
       </dgm:t>
     </dgm:pt>
@@ -14159,7 +16313,7 @@
   <dgm:whole/>
   <dgm:extLst>
     <a:ext uri="http://schemas.microsoft.com/office/drawing/2008/diagram">
-      <dsp:dataModelExt xmlns:dsp="http://schemas.microsoft.com/office/drawing/2008/diagram" relId="rId7" minVer="http://schemas.openxmlformats.org/drawingml/2006/diagram"/>
+      <dsp:dataModelExt xmlns:dsp="http://schemas.microsoft.com/office/drawing/2008/diagram" relId="rId6" minVer="http://schemas.openxmlformats.org/drawingml/2006/diagram"/>
     </a:ext>
   </dgm:extLst>
 </dgm:dataModel>
@@ -14503,6 +16657,694 @@
 </file>
 
 <file path=ppt/diagrams/drawing10.xml><?xml version="1.0" encoding="utf-8"?>
+<dsp:drawing xmlns:dgm="http://schemas.openxmlformats.org/drawingml/2006/diagram" xmlns:dsp="http://schemas.microsoft.com/office/drawing/2008/diagram" xmlns:a="http://schemas.openxmlformats.org/drawingml/2006/main">
+  <dsp:spTree>
+    <dsp:nvGrpSpPr>
+      <dsp:cNvPr id="0" name=""/>
+      <dsp:cNvGrpSpPr/>
+    </dsp:nvGrpSpPr>
+    <dsp:grpSpPr/>
+    <dsp:sp modelId="{593830E4-AF55-4421-A70D-31D06DEF613E}">
+      <dsp:nvSpPr>
+        <dsp:cNvPr id="0" name=""/>
+        <dsp:cNvSpPr/>
+      </dsp:nvSpPr>
+      <dsp:spPr>
+        <a:xfrm>
+          <a:off x="1350" y="239620"/>
+          <a:ext cx="1201545" cy="480618"/>
+        </a:xfrm>
+        <a:prstGeom prst="chevron">
+          <a:avLst/>
+        </a:prstGeom>
+        <a:solidFill>
+          <a:schemeClr val="tx1">
+            <a:lumMod val="85000"/>
+            <a:lumOff val="15000"/>
+          </a:schemeClr>
+        </a:solidFill>
+        <a:ln w="12700" cap="flat" cmpd="sng" algn="ctr">
+          <a:solidFill>
+            <a:srgbClr val="F7E1D7"/>
+          </a:solidFill>
+          <a:prstDash val="solid"/>
+          <a:miter lim="800000"/>
+        </a:ln>
+        <a:effectLst/>
+      </dsp:spPr>
+      <dsp:style>
+        <a:lnRef idx="2">
+          <a:scrgbClr r="0" g="0" b="0"/>
+        </a:lnRef>
+        <a:fillRef idx="1">
+          <a:scrgbClr r="0" g="0" b="0"/>
+        </a:fillRef>
+        <a:effectRef idx="0">
+          <a:scrgbClr r="0" g="0" b="0"/>
+        </a:effectRef>
+        <a:fontRef idx="minor">
+          <a:schemeClr val="lt1"/>
+        </a:fontRef>
+      </dsp:style>
+      <dsp:txBody>
+        <a:bodyPr spcFirstLastPara="0" vert="horz" wrap="square" lIns="112014" tIns="37338" rIns="37338" bIns="37338" numCol="1" spcCol="1270" anchor="ctr" anchorCtr="0">
+          <a:noAutofit/>
+        </a:bodyPr>
+        <a:lstStyle/>
+        <a:p>
+          <a:pPr marL="0" lvl="0" indent="0" algn="ctr" defTabSz="1244600">
+            <a:lnSpc>
+              <a:spcPct val="90000"/>
+            </a:lnSpc>
+            <a:spcBef>
+              <a:spcPct val="0"/>
+            </a:spcBef>
+            <a:spcAft>
+              <a:spcPct val="35000"/>
+            </a:spcAft>
+            <a:buNone/>
+          </a:pPr>
+          <a:endParaRPr lang="it-IT" sz="2800" kern="1200" dirty="0"/>
+        </a:p>
+      </dsp:txBody>
+      <dsp:txXfrm>
+        <a:off x="241659" y="239620"/>
+        <a:ext cx="720927" cy="480618"/>
+      </dsp:txXfrm>
+    </dsp:sp>
+    <dsp:sp modelId="{0EC64F66-D0DE-4A2D-8E92-150469111B48}">
+      <dsp:nvSpPr>
+        <dsp:cNvPr id="0" name=""/>
+        <dsp:cNvSpPr/>
+      </dsp:nvSpPr>
+      <dsp:spPr>
+        <a:xfrm>
+          <a:off x="1082741" y="239620"/>
+          <a:ext cx="1201545" cy="480618"/>
+        </a:xfrm>
+        <a:prstGeom prst="chevron">
+          <a:avLst/>
+        </a:prstGeom>
+        <a:solidFill>
+          <a:srgbClr val="252323"/>
+        </a:solidFill>
+        <a:ln w="12700" cap="flat" cmpd="sng" algn="ctr">
+          <a:solidFill>
+            <a:srgbClr val="F7E1D7"/>
+          </a:solidFill>
+          <a:prstDash val="solid"/>
+          <a:miter lim="800000"/>
+        </a:ln>
+        <a:effectLst/>
+      </dsp:spPr>
+      <dsp:style>
+        <a:lnRef idx="2">
+          <a:scrgbClr r="0" g="0" b="0"/>
+        </a:lnRef>
+        <a:fillRef idx="1">
+          <a:scrgbClr r="0" g="0" b="0"/>
+        </a:fillRef>
+        <a:effectRef idx="0">
+          <a:scrgbClr r="0" g="0" b="0"/>
+        </a:effectRef>
+        <a:fontRef idx="minor">
+          <a:schemeClr val="lt1"/>
+        </a:fontRef>
+      </dsp:style>
+      <dsp:txBody>
+        <a:bodyPr spcFirstLastPara="0" vert="horz" wrap="square" lIns="112014" tIns="37338" rIns="37338" bIns="37338" numCol="1" spcCol="1270" anchor="ctr" anchorCtr="0">
+          <a:noAutofit/>
+        </a:bodyPr>
+        <a:lstStyle/>
+        <a:p>
+          <a:pPr marL="0" lvl="0" indent="0" algn="ctr" defTabSz="1244600">
+            <a:lnSpc>
+              <a:spcPct val="90000"/>
+            </a:lnSpc>
+            <a:spcBef>
+              <a:spcPct val="0"/>
+            </a:spcBef>
+            <a:spcAft>
+              <a:spcPct val="35000"/>
+            </a:spcAft>
+            <a:buNone/>
+          </a:pPr>
+          <a:endParaRPr lang="it-IT" sz="2800" kern="1200" dirty="0"/>
+        </a:p>
+      </dsp:txBody>
+      <dsp:txXfrm>
+        <a:off x="1323050" y="239620"/>
+        <a:ext cx="720927" cy="480618"/>
+      </dsp:txXfrm>
+    </dsp:sp>
+    <dsp:sp modelId="{1F8530D6-3B90-4B4C-8EBF-CC7DDD2604CD}">
+      <dsp:nvSpPr>
+        <dsp:cNvPr id="0" name=""/>
+        <dsp:cNvSpPr/>
+      </dsp:nvSpPr>
+      <dsp:spPr>
+        <a:xfrm>
+          <a:off x="2164132" y="239620"/>
+          <a:ext cx="1201545" cy="480618"/>
+        </a:xfrm>
+        <a:prstGeom prst="chevron">
+          <a:avLst/>
+        </a:prstGeom>
+        <a:solidFill>
+          <a:srgbClr val="252323"/>
+        </a:solidFill>
+        <a:ln w="12700" cap="flat" cmpd="sng" algn="ctr">
+          <a:solidFill>
+            <a:srgbClr val="F7E1D7"/>
+          </a:solidFill>
+          <a:prstDash val="solid"/>
+          <a:miter lim="800000"/>
+        </a:ln>
+        <a:effectLst/>
+      </dsp:spPr>
+      <dsp:style>
+        <a:lnRef idx="2">
+          <a:scrgbClr r="0" g="0" b="0"/>
+        </a:lnRef>
+        <a:fillRef idx="1">
+          <a:scrgbClr r="0" g="0" b="0"/>
+        </a:fillRef>
+        <a:effectRef idx="0">
+          <a:scrgbClr r="0" g="0" b="0"/>
+        </a:effectRef>
+        <a:fontRef idx="minor">
+          <a:schemeClr val="lt1"/>
+        </a:fontRef>
+      </dsp:style>
+      <dsp:txBody>
+        <a:bodyPr spcFirstLastPara="0" vert="horz" wrap="square" lIns="112014" tIns="37338" rIns="37338" bIns="37338" numCol="1" spcCol="1270" anchor="ctr" anchorCtr="0">
+          <a:noAutofit/>
+        </a:bodyPr>
+        <a:lstStyle/>
+        <a:p>
+          <a:pPr marL="0" lvl="0" indent="0" algn="ctr" defTabSz="1244600">
+            <a:lnSpc>
+              <a:spcPct val="90000"/>
+            </a:lnSpc>
+            <a:spcBef>
+              <a:spcPct val="0"/>
+            </a:spcBef>
+            <a:spcAft>
+              <a:spcPct val="35000"/>
+            </a:spcAft>
+            <a:buNone/>
+          </a:pPr>
+          <a:endParaRPr lang="it-IT" sz="2800" kern="1200" dirty="0"/>
+        </a:p>
+      </dsp:txBody>
+      <dsp:txXfrm>
+        <a:off x="2404441" y="239620"/>
+        <a:ext cx="720927" cy="480618"/>
+      </dsp:txXfrm>
+    </dsp:sp>
+    <dsp:sp modelId="{0C10CB14-FC05-4684-AAEA-6111B309DB3E}">
+      <dsp:nvSpPr>
+        <dsp:cNvPr id="0" name=""/>
+        <dsp:cNvSpPr/>
+      </dsp:nvSpPr>
+      <dsp:spPr>
+        <a:xfrm>
+          <a:off x="3245523" y="239620"/>
+          <a:ext cx="1201545" cy="480618"/>
+        </a:xfrm>
+        <a:prstGeom prst="chevron">
+          <a:avLst/>
+        </a:prstGeom>
+        <a:solidFill>
+          <a:srgbClr val="2E8AAD"/>
+        </a:solidFill>
+        <a:ln w="12700" cap="flat" cmpd="sng" algn="ctr">
+          <a:solidFill>
+            <a:srgbClr val="F7E1D7"/>
+          </a:solidFill>
+          <a:prstDash val="solid"/>
+          <a:miter lim="800000"/>
+        </a:ln>
+        <a:effectLst/>
+      </dsp:spPr>
+      <dsp:style>
+        <a:lnRef idx="2">
+          <a:scrgbClr r="0" g="0" b="0"/>
+        </a:lnRef>
+        <a:fillRef idx="1">
+          <a:scrgbClr r="0" g="0" b="0"/>
+        </a:fillRef>
+        <a:effectRef idx="0">
+          <a:scrgbClr r="0" g="0" b="0"/>
+        </a:effectRef>
+        <a:fontRef idx="minor">
+          <a:schemeClr val="lt1"/>
+        </a:fontRef>
+      </dsp:style>
+      <dsp:txBody>
+        <a:bodyPr spcFirstLastPara="0" vert="horz" wrap="square" lIns="112014" tIns="37338" rIns="37338" bIns="37338" numCol="1" spcCol="1270" anchor="ctr" anchorCtr="0">
+          <a:noAutofit/>
+        </a:bodyPr>
+        <a:lstStyle/>
+        <a:p>
+          <a:pPr marL="0" lvl="0" indent="0" algn="ctr" defTabSz="1244600">
+            <a:lnSpc>
+              <a:spcPct val="90000"/>
+            </a:lnSpc>
+            <a:spcBef>
+              <a:spcPct val="0"/>
+            </a:spcBef>
+            <a:spcAft>
+              <a:spcPct val="35000"/>
+            </a:spcAft>
+            <a:buNone/>
+          </a:pPr>
+          <a:endParaRPr lang="it-IT" sz="2800" kern="1200" dirty="0">
+            <a:solidFill>
+              <a:srgbClr val="DB504A"/>
+            </a:solidFill>
+          </a:endParaRPr>
+        </a:p>
+      </dsp:txBody>
+      <dsp:txXfrm>
+        <a:off x="3485832" y="239620"/>
+        <a:ext cx="720927" cy="480618"/>
+      </dsp:txXfrm>
+    </dsp:sp>
+    <dsp:sp modelId="{DE7F660E-299F-445D-A1AF-5D30E82320DB}">
+      <dsp:nvSpPr>
+        <dsp:cNvPr id="0" name=""/>
+        <dsp:cNvSpPr/>
+      </dsp:nvSpPr>
+      <dsp:spPr>
+        <a:xfrm>
+          <a:off x="4326915" y="239620"/>
+          <a:ext cx="1201545" cy="480618"/>
+        </a:xfrm>
+        <a:prstGeom prst="chevron">
+          <a:avLst/>
+        </a:prstGeom>
+        <a:solidFill>
+          <a:srgbClr val="252323"/>
+        </a:solidFill>
+        <a:ln w="12700" cap="flat" cmpd="sng" algn="ctr">
+          <a:solidFill>
+            <a:srgbClr val="F7E1D7"/>
+          </a:solidFill>
+          <a:prstDash val="solid"/>
+          <a:miter lim="800000"/>
+        </a:ln>
+        <a:effectLst/>
+      </dsp:spPr>
+      <dsp:style>
+        <a:lnRef idx="2">
+          <a:scrgbClr r="0" g="0" b="0"/>
+        </a:lnRef>
+        <a:fillRef idx="1">
+          <a:scrgbClr r="0" g="0" b="0"/>
+        </a:fillRef>
+        <a:effectRef idx="0">
+          <a:scrgbClr r="0" g="0" b="0"/>
+        </a:effectRef>
+        <a:fontRef idx="minor">
+          <a:schemeClr val="lt1"/>
+        </a:fontRef>
+      </dsp:style>
+      <dsp:txBody>
+        <a:bodyPr spcFirstLastPara="0" vert="horz" wrap="square" lIns="112014" tIns="37338" rIns="37338" bIns="37338" numCol="1" spcCol="1270" anchor="ctr" anchorCtr="0">
+          <a:noAutofit/>
+        </a:bodyPr>
+        <a:lstStyle/>
+        <a:p>
+          <a:pPr marL="0" lvl="0" indent="0" algn="ctr" defTabSz="1244600">
+            <a:lnSpc>
+              <a:spcPct val="90000"/>
+            </a:lnSpc>
+            <a:spcBef>
+              <a:spcPct val="0"/>
+            </a:spcBef>
+            <a:spcAft>
+              <a:spcPct val="35000"/>
+            </a:spcAft>
+            <a:buNone/>
+          </a:pPr>
+          <a:endParaRPr lang="it-IT" sz="2800" kern="1200" dirty="0"/>
+        </a:p>
+      </dsp:txBody>
+      <dsp:txXfrm>
+        <a:off x="4567224" y="239620"/>
+        <a:ext cx="720927" cy="480618"/>
+      </dsp:txXfrm>
+    </dsp:sp>
+  </dsp:spTree>
+</dsp:drawing>
+</file>
+
+<file path=ppt/diagrams/drawing11.xml><?xml version="1.0" encoding="utf-8"?>
+<dsp:drawing xmlns:dgm="http://schemas.openxmlformats.org/drawingml/2006/diagram" xmlns:dsp="http://schemas.microsoft.com/office/drawing/2008/diagram" xmlns:a="http://schemas.openxmlformats.org/drawingml/2006/main">
+  <dsp:spTree>
+    <dsp:nvGrpSpPr>
+      <dsp:cNvPr id="0" name=""/>
+      <dsp:cNvGrpSpPr/>
+    </dsp:nvGrpSpPr>
+    <dsp:grpSpPr/>
+    <dsp:sp modelId="{593830E4-AF55-4421-A70D-31D06DEF613E}">
+      <dsp:nvSpPr>
+        <dsp:cNvPr id="0" name=""/>
+        <dsp:cNvSpPr/>
+      </dsp:nvSpPr>
+      <dsp:spPr>
+        <a:xfrm>
+          <a:off x="1350" y="239620"/>
+          <a:ext cx="1201545" cy="480618"/>
+        </a:xfrm>
+        <a:prstGeom prst="chevron">
+          <a:avLst/>
+        </a:prstGeom>
+        <a:solidFill>
+          <a:schemeClr val="tx1">
+            <a:lumMod val="85000"/>
+            <a:lumOff val="15000"/>
+          </a:schemeClr>
+        </a:solidFill>
+        <a:ln w="12700" cap="flat" cmpd="sng" algn="ctr">
+          <a:solidFill>
+            <a:srgbClr val="F7E1D7"/>
+          </a:solidFill>
+          <a:prstDash val="solid"/>
+          <a:miter lim="800000"/>
+        </a:ln>
+        <a:effectLst/>
+      </dsp:spPr>
+      <dsp:style>
+        <a:lnRef idx="2">
+          <a:scrgbClr r="0" g="0" b="0"/>
+        </a:lnRef>
+        <a:fillRef idx="1">
+          <a:scrgbClr r="0" g="0" b="0"/>
+        </a:fillRef>
+        <a:effectRef idx="0">
+          <a:scrgbClr r="0" g="0" b="0"/>
+        </a:effectRef>
+        <a:fontRef idx="minor">
+          <a:schemeClr val="lt1"/>
+        </a:fontRef>
+      </dsp:style>
+      <dsp:txBody>
+        <a:bodyPr spcFirstLastPara="0" vert="horz" wrap="square" lIns="112014" tIns="37338" rIns="37338" bIns="37338" numCol="1" spcCol="1270" anchor="ctr" anchorCtr="0">
+          <a:noAutofit/>
+        </a:bodyPr>
+        <a:lstStyle/>
+        <a:p>
+          <a:pPr marL="0" lvl="0" indent="0" algn="ctr" defTabSz="1244600">
+            <a:lnSpc>
+              <a:spcPct val="90000"/>
+            </a:lnSpc>
+            <a:spcBef>
+              <a:spcPct val="0"/>
+            </a:spcBef>
+            <a:spcAft>
+              <a:spcPct val="35000"/>
+            </a:spcAft>
+            <a:buNone/>
+          </a:pPr>
+          <a:endParaRPr lang="it-IT" sz="2800" kern="1200" dirty="0"/>
+        </a:p>
+      </dsp:txBody>
+      <dsp:txXfrm>
+        <a:off x="241659" y="239620"/>
+        <a:ext cx="720927" cy="480618"/>
+      </dsp:txXfrm>
+    </dsp:sp>
+    <dsp:sp modelId="{0EC64F66-D0DE-4A2D-8E92-150469111B48}">
+      <dsp:nvSpPr>
+        <dsp:cNvPr id="0" name=""/>
+        <dsp:cNvSpPr/>
+      </dsp:nvSpPr>
+      <dsp:spPr>
+        <a:xfrm>
+          <a:off x="1082741" y="239620"/>
+          <a:ext cx="1201545" cy="480618"/>
+        </a:xfrm>
+        <a:prstGeom prst="chevron">
+          <a:avLst/>
+        </a:prstGeom>
+        <a:solidFill>
+          <a:srgbClr val="252323"/>
+        </a:solidFill>
+        <a:ln w="12700" cap="flat" cmpd="sng" algn="ctr">
+          <a:solidFill>
+            <a:srgbClr val="F7E1D7"/>
+          </a:solidFill>
+          <a:prstDash val="solid"/>
+          <a:miter lim="800000"/>
+        </a:ln>
+        <a:effectLst/>
+      </dsp:spPr>
+      <dsp:style>
+        <a:lnRef idx="2">
+          <a:scrgbClr r="0" g="0" b="0"/>
+        </a:lnRef>
+        <a:fillRef idx="1">
+          <a:scrgbClr r="0" g="0" b="0"/>
+        </a:fillRef>
+        <a:effectRef idx="0">
+          <a:scrgbClr r="0" g="0" b="0"/>
+        </a:effectRef>
+        <a:fontRef idx="minor">
+          <a:schemeClr val="lt1"/>
+        </a:fontRef>
+      </dsp:style>
+      <dsp:txBody>
+        <a:bodyPr spcFirstLastPara="0" vert="horz" wrap="square" lIns="112014" tIns="37338" rIns="37338" bIns="37338" numCol="1" spcCol="1270" anchor="ctr" anchorCtr="0">
+          <a:noAutofit/>
+        </a:bodyPr>
+        <a:lstStyle/>
+        <a:p>
+          <a:pPr marL="0" lvl="0" indent="0" algn="ctr" defTabSz="1244600">
+            <a:lnSpc>
+              <a:spcPct val="90000"/>
+            </a:lnSpc>
+            <a:spcBef>
+              <a:spcPct val="0"/>
+            </a:spcBef>
+            <a:spcAft>
+              <a:spcPct val="35000"/>
+            </a:spcAft>
+            <a:buNone/>
+          </a:pPr>
+          <a:endParaRPr lang="it-IT" sz="2800" kern="1200" dirty="0"/>
+        </a:p>
+      </dsp:txBody>
+      <dsp:txXfrm>
+        <a:off x="1323050" y="239620"/>
+        <a:ext cx="720927" cy="480618"/>
+      </dsp:txXfrm>
+    </dsp:sp>
+    <dsp:sp modelId="{1F8530D6-3B90-4B4C-8EBF-CC7DDD2604CD}">
+      <dsp:nvSpPr>
+        <dsp:cNvPr id="0" name=""/>
+        <dsp:cNvSpPr/>
+      </dsp:nvSpPr>
+      <dsp:spPr>
+        <a:xfrm>
+          <a:off x="2164132" y="239620"/>
+          <a:ext cx="1201545" cy="480618"/>
+        </a:xfrm>
+        <a:prstGeom prst="chevron">
+          <a:avLst/>
+        </a:prstGeom>
+        <a:solidFill>
+          <a:srgbClr val="252323"/>
+        </a:solidFill>
+        <a:ln w="12700" cap="flat" cmpd="sng" algn="ctr">
+          <a:solidFill>
+            <a:srgbClr val="F7E1D7"/>
+          </a:solidFill>
+          <a:prstDash val="solid"/>
+          <a:miter lim="800000"/>
+        </a:ln>
+        <a:effectLst/>
+      </dsp:spPr>
+      <dsp:style>
+        <a:lnRef idx="2">
+          <a:scrgbClr r="0" g="0" b="0"/>
+        </a:lnRef>
+        <a:fillRef idx="1">
+          <a:scrgbClr r="0" g="0" b="0"/>
+        </a:fillRef>
+        <a:effectRef idx="0">
+          <a:scrgbClr r="0" g="0" b="0"/>
+        </a:effectRef>
+        <a:fontRef idx="minor">
+          <a:schemeClr val="lt1"/>
+        </a:fontRef>
+      </dsp:style>
+      <dsp:txBody>
+        <a:bodyPr spcFirstLastPara="0" vert="horz" wrap="square" lIns="112014" tIns="37338" rIns="37338" bIns="37338" numCol="1" spcCol="1270" anchor="ctr" anchorCtr="0">
+          <a:noAutofit/>
+        </a:bodyPr>
+        <a:lstStyle/>
+        <a:p>
+          <a:pPr marL="0" lvl="0" indent="0" algn="ctr" defTabSz="1244600">
+            <a:lnSpc>
+              <a:spcPct val="90000"/>
+            </a:lnSpc>
+            <a:spcBef>
+              <a:spcPct val="0"/>
+            </a:spcBef>
+            <a:spcAft>
+              <a:spcPct val="35000"/>
+            </a:spcAft>
+            <a:buNone/>
+          </a:pPr>
+          <a:endParaRPr lang="it-IT" sz="2800" kern="1200" dirty="0"/>
+        </a:p>
+      </dsp:txBody>
+      <dsp:txXfrm>
+        <a:off x="2404441" y="239620"/>
+        <a:ext cx="720927" cy="480618"/>
+      </dsp:txXfrm>
+    </dsp:sp>
+    <dsp:sp modelId="{0C10CB14-FC05-4684-AAEA-6111B309DB3E}">
+      <dsp:nvSpPr>
+        <dsp:cNvPr id="0" name=""/>
+        <dsp:cNvSpPr/>
+      </dsp:nvSpPr>
+      <dsp:spPr>
+        <a:xfrm>
+          <a:off x="3245523" y="239620"/>
+          <a:ext cx="1201545" cy="480618"/>
+        </a:xfrm>
+        <a:prstGeom prst="chevron">
+          <a:avLst/>
+        </a:prstGeom>
+        <a:solidFill>
+          <a:srgbClr val="2E8AAD"/>
+        </a:solidFill>
+        <a:ln w="12700" cap="flat" cmpd="sng" algn="ctr">
+          <a:solidFill>
+            <a:srgbClr val="F7E1D7"/>
+          </a:solidFill>
+          <a:prstDash val="solid"/>
+          <a:miter lim="800000"/>
+        </a:ln>
+        <a:effectLst/>
+      </dsp:spPr>
+      <dsp:style>
+        <a:lnRef idx="2">
+          <a:scrgbClr r="0" g="0" b="0"/>
+        </a:lnRef>
+        <a:fillRef idx="1">
+          <a:scrgbClr r="0" g="0" b="0"/>
+        </a:fillRef>
+        <a:effectRef idx="0">
+          <a:scrgbClr r="0" g="0" b="0"/>
+        </a:effectRef>
+        <a:fontRef idx="minor">
+          <a:schemeClr val="lt1"/>
+        </a:fontRef>
+      </dsp:style>
+      <dsp:txBody>
+        <a:bodyPr spcFirstLastPara="0" vert="horz" wrap="square" lIns="112014" tIns="37338" rIns="37338" bIns="37338" numCol="1" spcCol="1270" anchor="ctr" anchorCtr="0">
+          <a:noAutofit/>
+        </a:bodyPr>
+        <a:lstStyle/>
+        <a:p>
+          <a:pPr marL="0" lvl="0" indent="0" algn="ctr" defTabSz="1244600">
+            <a:lnSpc>
+              <a:spcPct val="90000"/>
+            </a:lnSpc>
+            <a:spcBef>
+              <a:spcPct val="0"/>
+            </a:spcBef>
+            <a:spcAft>
+              <a:spcPct val="35000"/>
+            </a:spcAft>
+            <a:buNone/>
+          </a:pPr>
+          <a:endParaRPr lang="it-IT" sz="2800" kern="1200" dirty="0">
+            <a:solidFill>
+              <a:srgbClr val="DB504A"/>
+            </a:solidFill>
+          </a:endParaRPr>
+        </a:p>
+      </dsp:txBody>
+      <dsp:txXfrm>
+        <a:off x="3485832" y="239620"/>
+        <a:ext cx="720927" cy="480618"/>
+      </dsp:txXfrm>
+    </dsp:sp>
+    <dsp:sp modelId="{DE7F660E-299F-445D-A1AF-5D30E82320DB}">
+      <dsp:nvSpPr>
+        <dsp:cNvPr id="0" name=""/>
+        <dsp:cNvSpPr/>
+      </dsp:nvSpPr>
+      <dsp:spPr>
+        <a:xfrm>
+          <a:off x="4326915" y="239620"/>
+          <a:ext cx="1201545" cy="480618"/>
+        </a:xfrm>
+        <a:prstGeom prst="chevron">
+          <a:avLst/>
+        </a:prstGeom>
+        <a:solidFill>
+          <a:srgbClr val="252323"/>
+        </a:solidFill>
+        <a:ln w="12700" cap="flat" cmpd="sng" algn="ctr">
+          <a:solidFill>
+            <a:srgbClr val="F7E1D7"/>
+          </a:solidFill>
+          <a:prstDash val="solid"/>
+          <a:miter lim="800000"/>
+        </a:ln>
+        <a:effectLst/>
+      </dsp:spPr>
+      <dsp:style>
+        <a:lnRef idx="2">
+          <a:scrgbClr r="0" g="0" b="0"/>
+        </a:lnRef>
+        <a:fillRef idx="1">
+          <a:scrgbClr r="0" g="0" b="0"/>
+        </a:fillRef>
+        <a:effectRef idx="0">
+          <a:scrgbClr r="0" g="0" b="0"/>
+        </a:effectRef>
+        <a:fontRef idx="minor">
+          <a:schemeClr val="lt1"/>
+        </a:fontRef>
+      </dsp:style>
+      <dsp:txBody>
+        <a:bodyPr spcFirstLastPara="0" vert="horz" wrap="square" lIns="112014" tIns="37338" rIns="37338" bIns="37338" numCol="1" spcCol="1270" anchor="ctr" anchorCtr="0">
+          <a:noAutofit/>
+        </a:bodyPr>
+        <a:lstStyle/>
+        <a:p>
+          <a:pPr marL="0" lvl="0" indent="0" algn="ctr" defTabSz="1244600">
+            <a:lnSpc>
+              <a:spcPct val="90000"/>
+            </a:lnSpc>
+            <a:spcBef>
+              <a:spcPct val="0"/>
+            </a:spcBef>
+            <a:spcAft>
+              <a:spcPct val="35000"/>
+            </a:spcAft>
+            <a:buNone/>
+          </a:pPr>
+          <a:endParaRPr lang="it-IT" sz="2800" kern="1200" dirty="0"/>
+        </a:p>
+      </dsp:txBody>
+      <dsp:txXfrm>
+        <a:off x="4567224" y="239620"/>
+        <a:ext cx="720927" cy="480618"/>
+      </dsp:txXfrm>
+    </dsp:sp>
+  </dsp:spTree>
+</dsp:drawing>
+</file>
+
+<file path=ppt/diagrams/drawing12.xml><?xml version="1.0" encoding="utf-8"?>
 <dsp:drawing xmlns:dgm="http://schemas.openxmlformats.org/drawingml/2006/diagram" xmlns:dsp="http://schemas.microsoft.com/office/drawing/2008/diagram" xmlns:a="http://schemas.openxmlformats.org/drawingml/2006/main">
   <dsp:spTree>
     <dsp:nvGrpSpPr>
@@ -17026,7 +19868,7 @@
           <a:avLst/>
         </a:prstGeom>
         <a:solidFill>
-          <a:srgbClr val="252323"/>
+          <a:srgbClr val="2E8AAD"/>
         </a:solidFill>
         <a:ln w="12700" cap="flat" cmpd="sng" algn="ctr">
           <a:solidFill>
@@ -17091,7 +19933,7 @@
           <a:avLst/>
         </a:prstGeom>
         <a:solidFill>
-          <a:srgbClr val="2E8AAD"/>
+          <a:srgbClr val="252323"/>
         </a:solidFill>
         <a:ln w="12700" cap="flat" cmpd="sng" algn="ctr">
           <a:solidFill>
@@ -17134,11 +19976,7 @@
             </a:spcAft>
             <a:buNone/>
           </a:pPr>
-          <a:endParaRPr lang="it-IT" sz="2800" kern="1200" dirty="0">
-            <a:solidFill>
-              <a:srgbClr val="DB504A"/>
-            </a:solidFill>
-          </a:endParaRPr>
+          <a:endParaRPr lang="it-IT" sz="2800" kern="1200" dirty="0"/>
         </a:p>
       </dsp:txBody>
       <dsp:txXfrm>
@@ -17370,7 +20208,7 @@
           <a:avLst/>
         </a:prstGeom>
         <a:solidFill>
-          <a:srgbClr val="252323"/>
+          <a:srgbClr val="2E8AAD"/>
         </a:solidFill>
         <a:ln w="12700" cap="flat" cmpd="sng" algn="ctr">
           <a:solidFill>
@@ -17435,7 +20273,7 @@
           <a:avLst/>
         </a:prstGeom>
         <a:solidFill>
-          <a:srgbClr val="2E8AAD"/>
+          <a:srgbClr val="252323"/>
         </a:solidFill>
         <a:ln w="12700" cap="flat" cmpd="sng" algn="ctr">
           <a:solidFill>
@@ -17478,11 +20316,7 @@
             </a:spcAft>
             <a:buNone/>
           </a:pPr>
-          <a:endParaRPr lang="it-IT" sz="2800" kern="1200" dirty="0">
-            <a:solidFill>
-              <a:srgbClr val="DB504A"/>
-            </a:solidFill>
-          </a:endParaRPr>
+          <a:endParaRPr lang="it-IT" sz="2800" kern="1200" dirty="0"/>
         </a:p>
       </dsp:txBody>
       <dsp:txXfrm>
@@ -17843,6 +20677,572 @@
 </file>
 
 <file path=ppt/diagrams/layout10.xml><?xml version="1.0" encoding="utf-8"?>
+<dgm:layoutDef xmlns:dgm="http://schemas.openxmlformats.org/drawingml/2006/diagram" xmlns:a="http://schemas.openxmlformats.org/drawingml/2006/main" uniqueId="urn:microsoft.com/office/officeart/2005/8/layout/chevron1">
+  <dgm:title val=""/>
+  <dgm:desc val=""/>
+  <dgm:catLst>
+    <dgm:cat type="process" pri="9000"/>
+  </dgm:catLst>
+  <dgm:sampData useDef="1">
+    <dgm:dataModel>
+      <dgm:ptLst/>
+      <dgm:bg/>
+      <dgm:whole/>
+    </dgm:dataModel>
+  </dgm:sampData>
+  <dgm:styleData>
+    <dgm:dataModel>
+      <dgm:ptLst>
+        <dgm:pt modelId="0" type="doc"/>
+        <dgm:pt modelId="1"/>
+        <dgm:pt modelId="2"/>
+      </dgm:ptLst>
+      <dgm:cxnLst>
+        <dgm:cxn modelId="3" srcId="0" destId="1" srcOrd="0" destOrd="0"/>
+        <dgm:cxn modelId="4" srcId="0" destId="2" srcOrd="1" destOrd="0"/>
+      </dgm:cxnLst>
+      <dgm:bg/>
+      <dgm:whole/>
+    </dgm:dataModel>
+  </dgm:styleData>
+  <dgm:clrData>
+    <dgm:dataModel>
+      <dgm:ptLst>
+        <dgm:pt modelId="0" type="doc"/>
+        <dgm:pt modelId="1"/>
+        <dgm:pt modelId="2"/>
+        <dgm:pt modelId="3"/>
+        <dgm:pt modelId="4"/>
+      </dgm:ptLst>
+      <dgm:cxnLst>
+        <dgm:cxn modelId="5" srcId="0" destId="1" srcOrd="0" destOrd="0"/>
+        <dgm:cxn modelId="6" srcId="0" destId="2" srcOrd="1" destOrd="0"/>
+        <dgm:cxn modelId="7" srcId="0" destId="3" srcOrd="2" destOrd="0"/>
+        <dgm:cxn modelId="8" srcId="0" destId="4" srcOrd="3" destOrd="0"/>
+      </dgm:cxnLst>
+      <dgm:bg/>
+      <dgm:whole/>
+    </dgm:dataModel>
+  </dgm:clrData>
+  <dgm:layoutNode name="Name0">
+    <dgm:varLst>
+      <dgm:dir/>
+      <dgm:animLvl val="lvl"/>
+      <dgm:resizeHandles val="exact"/>
+    </dgm:varLst>
+    <dgm:choose name="Name1">
+      <dgm:if name="Name2" func="var" arg="dir" op="equ" val="norm">
+        <dgm:alg type="lin"/>
+      </dgm:if>
+      <dgm:else name="Name3">
+        <dgm:alg type="lin">
+          <dgm:param type="linDir" val="fromR"/>
+        </dgm:alg>
+      </dgm:else>
+    </dgm:choose>
+    <dgm:shape xmlns:r="http://schemas.openxmlformats.org/officeDocument/2006/relationships" r:blip="">
+      <dgm:adjLst/>
+    </dgm:shape>
+    <dgm:presOf/>
+    <dgm:choose name="Name4">
+      <dgm:if name="Name5" axis="des" func="maxDepth" op="gte" val="2">
+        <dgm:constrLst>
+          <dgm:constr type="h" for="ch" forName="composite" refType="h"/>
+          <dgm:constr type="w" for="ch" forName="composite" refType="w"/>
+          <dgm:constr type="w" for="des" forName="parTx"/>
+          <dgm:constr type="h" for="des" forName="parTx" op="equ"/>
+          <dgm:constr type="w" for="des" forName="desTx"/>
+          <dgm:constr type="h" for="des" forName="desTx" op="equ"/>
+          <dgm:constr type="primFontSz" for="des" forName="parTx" val="65"/>
+          <dgm:constr type="secFontSz" for="des" forName="desTx" refType="primFontSz" refFor="des" refForName="parTx" op="equ"/>
+          <dgm:constr type="h" for="des" forName="parTx" refType="primFontSz" refFor="des" refForName="parTx" fact="1.5"/>
+          <dgm:constr type="h" for="des" forName="desTx" refType="primFontSz" refFor="des" refForName="parTx" fact="0.5"/>
+          <dgm:constr type="w" for="ch" forName="space" op="equ" val="-6"/>
+        </dgm:constrLst>
+        <dgm:ruleLst>
+          <dgm:rule type="w" for="ch" forName="composite" val="0" fact="NaN" max="NaN"/>
+          <dgm:rule type="primFontSz" for="des" forName="parTx" val="5" fact="NaN" max="NaN"/>
+        </dgm:ruleLst>
+        <dgm:forEach name="Name6" axis="ch" ptType="node">
+          <dgm:layoutNode name="composite">
+            <dgm:alg type="composite"/>
+            <dgm:shape xmlns:r="http://schemas.openxmlformats.org/officeDocument/2006/relationships" r:blip="">
+              <dgm:adjLst/>
+            </dgm:shape>
+            <dgm:presOf/>
+            <dgm:choose name="Name7">
+              <dgm:if name="Name8" func="var" arg="dir" op="equ" val="norm">
+                <dgm:constrLst>
+                  <dgm:constr type="l" for="ch" forName="parTx"/>
+                  <dgm:constr type="w" for="ch" forName="parTx" refType="w"/>
+                  <dgm:constr type="t" for="ch" forName="parTx"/>
+                  <dgm:constr type="l" for="ch" forName="desTx"/>
+                  <dgm:constr type="w" for="ch" forName="desTx" refType="w" refFor="ch" refForName="parTx" fact="0.8"/>
+                  <dgm:constr type="t" for="ch" forName="desTx" refType="h" refFor="ch" refForName="parTx" fact="1.125"/>
+                </dgm:constrLst>
+              </dgm:if>
+              <dgm:else name="Name9">
+                <dgm:constrLst>
+                  <dgm:constr type="l" for="ch" forName="parTx"/>
+                  <dgm:constr type="w" for="ch" forName="parTx" refType="w"/>
+                  <dgm:constr type="t" for="ch" forName="parTx"/>
+                  <dgm:constr type="l" for="ch" forName="desTx" refType="w" fact="0.2"/>
+                  <dgm:constr type="w" for="ch" forName="desTx" refType="w" refFor="ch" refForName="parTx" fact="0.8"/>
+                  <dgm:constr type="t" for="ch" forName="desTx" refType="h" refFor="ch" refForName="parTx" fact="1.125"/>
+                </dgm:constrLst>
+              </dgm:else>
+            </dgm:choose>
+            <dgm:ruleLst>
+              <dgm:rule type="h" val="INF" fact="NaN" max="NaN"/>
+            </dgm:ruleLst>
+            <dgm:layoutNode name="parTx">
+              <dgm:varLst>
+                <dgm:chMax val="0"/>
+                <dgm:chPref val="0"/>
+                <dgm:bulletEnabled val="1"/>
+              </dgm:varLst>
+              <dgm:alg type="tx"/>
+              <dgm:choose name="Name10">
+                <dgm:if name="Name11" func="var" arg="dir" op="equ" val="norm">
+                  <dgm:shape xmlns:r="http://schemas.openxmlformats.org/officeDocument/2006/relationships" type="chevron" r:blip="">
+                    <dgm:adjLst/>
+                  </dgm:shape>
+                </dgm:if>
+                <dgm:else name="Name12">
+                  <dgm:shape xmlns:r="http://schemas.openxmlformats.org/officeDocument/2006/relationships" rot="180" type="chevron" r:blip="">
+                    <dgm:adjLst/>
+                  </dgm:shape>
+                </dgm:else>
+              </dgm:choose>
+              <dgm:presOf axis="self" ptType="node"/>
+              <dgm:choose name="Name13">
+                <dgm:if name="Name14" func="var" arg="dir" op="equ" val="norm">
+                  <dgm:constrLst>
+                    <dgm:constr type="h" refType="w" op="lte" fact="0.4"/>
+                    <dgm:constr type="h"/>
+                    <dgm:constr type="tMarg" refType="primFontSz" fact="0.105"/>
+                    <dgm:constr type="bMarg" refType="primFontSz" fact="0.105"/>
+                    <dgm:constr type="lMarg" refType="primFontSz" fact="0.315"/>
+                    <dgm:constr type="rMarg" refType="primFontSz" fact="0.105"/>
+                  </dgm:constrLst>
+                </dgm:if>
+                <dgm:else name="Name15">
+                  <dgm:constrLst>
+                    <dgm:constr type="h" refType="w" op="lte" fact="0.4"/>
+                    <dgm:constr type="h"/>
+                    <dgm:constr type="tMarg" refType="primFontSz" fact="0.105"/>
+                    <dgm:constr type="bMarg" refType="primFontSz" fact="0.105"/>
+                    <dgm:constr type="lMarg" refType="primFontSz" fact="0.105"/>
+                    <dgm:constr type="rMarg" refType="primFontSz" fact="0.315"/>
+                  </dgm:constrLst>
+                </dgm:else>
+              </dgm:choose>
+              <dgm:ruleLst>
+                <dgm:rule type="h" val="INF" fact="NaN" max="NaN"/>
+              </dgm:ruleLst>
+            </dgm:layoutNode>
+            <dgm:layoutNode name="desTx" styleLbl="revTx">
+              <dgm:varLst>
+                <dgm:bulletEnabled val="1"/>
+              </dgm:varLst>
+              <dgm:alg type="tx">
+                <dgm:param type="stBulletLvl" val="1"/>
+              </dgm:alg>
+              <dgm:choose name="Name16">
+                <dgm:if name="Name17" axis="ch" ptType="node" func="cnt" op="gte" val="1">
+                  <dgm:shape xmlns:r="http://schemas.openxmlformats.org/officeDocument/2006/relationships" type="rect" r:blip="">
+                    <dgm:adjLst/>
+                  </dgm:shape>
+                </dgm:if>
+                <dgm:else name="Name18">
+                  <dgm:shape xmlns:r="http://schemas.openxmlformats.org/officeDocument/2006/relationships" type="rect" r:blip="" hideGeom="1">
+                    <dgm:adjLst/>
+                  </dgm:shape>
+                </dgm:else>
+              </dgm:choose>
+              <dgm:presOf axis="des" ptType="node"/>
+              <dgm:constrLst>
+                <dgm:constr type="secFontSz" val="65"/>
+                <dgm:constr type="primFontSz" refType="secFontSz"/>
+                <dgm:constr type="h"/>
+                <dgm:constr type="tMarg"/>
+                <dgm:constr type="bMarg"/>
+                <dgm:constr type="rMarg"/>
+                <dgm:constr type="lMarg"/>
+              </dgm:constrLst>
+              <dgm:ruleLst>
+                <dgm:rule type="h" val="INF" fact="NaN" max="NaN"/>
+              </dgm:ruleLst>
+            </dgm:layoutNode>
+          </dgm:layoutNode>
+          <dgm:forEach name="Name19" axis="followSib" ptType="sibTrans" cnt="1">
+            <dgm:layoutNode name="space">
+              <dgm:alg type="sp"/>
+              <dgm:shape xmlns:r="http://schemas.openxmlformats.org/officeDocument/2006/relationships" r:blip="">
+                <dgm:adjLst/>
+              </dgm:shape>
+              <dgm:presOf/>
+              <dgm:constrLst/>
+              <dgm:ruleLst/>
+            </dgm:layoutNode>
+          </dgm:forEach>
+        </dgm:forEach>
+      </dgm:if>
+      <dgm:else name="Name20">
+        <dgm:constrLst>
+          <dgm:constr type="w" for="ch" forName="parTxOnly" refType="w"/>
+          <dgm:constr type="h" for="des" forName="parTxOnly" op="equ"/>
+          <dgm:constr type="primFontSz" for="des" forName="parTxOnly" op="equ" val="65"/>
+          <dgm:constr type="w" for="ch" forName="parTxOnlySpace" refType="w" refFor="ch" refForName="parTxOnly" fact="-0.1"/>
+        </dgm:constrLst>
+        <dgm:ruleLst/>
+        <dgm:forEach name="Name21" axis="ch" ptType="node">
+          <dgm:layoutNode name="parTxOnly">
+            <dgm:varLst>
+              <dgm:chMax val="0"/>
+              <dgm:chPref val="0"/>
+              <dgm:bulletEnabled val="1"/>
+            </dgm:varLst>
+            <dgm:alg type="tx"/>
+            <dgm:choose name="Name22">
+              <dgm:if name="Name23" func="var" arg="dir" op="equ" val="norm">
+                <dgm:shape xmlns:r="http://schemas.openxmlformats.org/officeDocument/2006/relationships" type="chevron" r:blip="">
+                  <dgm:adjLst/>
+                </dgm:shape>
+              </dgm:if>
+              <dgm:else name="Name24">
+                <dgm:shape xmlns:r="http://schemas.openxmlformats.org/officeDocument/2006/relationships" rot="180" type="chevron" r:blip="">
+                  <dgm:adjLst/>
+                </dgm:shape>
+              </dgm:else>
+            </dgm:choose>
+            <dgm:presOf axis="self" ptType="node"/>
+            <dgm:choose name="Name25">
+              <dgm:if name="Name26" func="var" arg="dir" op="equ" val="norm">
+                <dgm:constrLst>
+                  <dgm:constr type="h" refType="w" op="equ" fact="0.4"/>
+                  <dgm:constr type="tMarg" refType="primFontSz" fact="0.105"/>
+                  <dgm:constr type="bMarg" refType="primFontSz" fact="0.105"/>
+                  <dgm:constr type="lMarg" refType="primFontSz" fact="0.315"/>
+                  <dgm:constr type="rMarg" refType="primFontSz" fact="0.105"/>
+                </dgm:constrLst>
+              </dgm:if>
+              <dgm:else name="Name27">
+                <dgm:constrLst>
+                  <dgm:constr type="h" refType="w" op="equ" fact="0.4"/>
+                  <dgm:constr type="tMarg" refType="primFontSz" fact="0.105"/>
+                  <dgm:constr type="bMarg" refType="primFontSz" fact="0.105"/>
+                  <dgm:constr type="lMarg" refType="primFontSz" fact="0.105"/>
+                  <dgm:constr type="rMarg" refType="primFontSz" fact="0.315"/>
+                </dgm:constrLst>
+              </dgm:else>
+            </dgm:choose>
+            <dgm:ruleLst>
+              <dgm:rule type="primFontSz" val="5" fact="NaN" max="NaN"/>
+            </dgm:ruleLst>
+          </dgm:layoutNode>
+          <dgm:forEach name="Name28" axis="followSib" ptType="sibTrans" cnt="1">
+            <dgm:layoutNode name="parTxOnlySpace">
+              <dgm:alg type="sp"/>
+              <dgm:shape xmlns:r="http://schemas.openxmlformats.org/officeDocument/2006/relationships" r:blip="">
+                <dgm:adjLst/>
+              </dgm:shape>
+              <dgm:presOf/>
+              <dgm:constrLst/>
+              <dgm:ruleLst/>
+            </dgm:layoutNode>
+          </dgm:forEach>
+        </dgm:forEach>
+      </dgm:else>
+    </dgm:choose>
+  </dgm:layoutNode>
+</dgm:layoutDef>
+</file>
+
+<file path=ppt/diagrams/layout11.xml><?xml version="1.0" encoding="utf-8"?>
+<dgm:layoutDef xmlns:dgm="http://schemas.openxmlformats.org/drawingml/2006/diagram" xmlns:a="http://schemas.openxmlformats.org/drawingml/2006/main" uniqueId="urn:microsoft.com/office/officeart/2005/8/layout/chevron1">
+  <dgm:title val=""/>
+  <dgm:desc val=""/>
+  <dgm:catLst>
+    <dgm:cat type="process" pri="9000"/>
+  </dgm:catLst>
+  <dgm:sampData useDef="1">
+    <dgm:dataModel>
+      <dgm:ptLst/>
+      <dgm:bg/>
+      <dgm:whole/>
+    </dgm:dataModel>
+  </dgm:sampData>
+  <dgm:styleData>
+    <dgm:dataModel>
+      <dgm:ptLst>
+        <dgm:pt modelId="0" type="doc"/>
+        <dgm:pt modelId="1"/>
+        <dgm:pt modelId="2"/>
+      </dgm:ptLst>
+      <dgm:cxnLst>
+        <dgm:cxn modelId="3" srcId="0" destId="1" srcOrd="0" destOrd="0"/>
+        <dgm:cxn modelId="4" srcId="0" destId="2" srcOrd="1" destOrd="0"/>
+      </dgm:cxnLst>
+      <dgm:bg/>
+      <dgm:whole/>
+    </dgm:dataModel>
+  </dgm:styleData>
+  <dgm:clrData>
+    <dgm:dataModel>
+      <dgm:ptLst>
+        <dgm:pt modelId="0" type="doc"/>
+        <dgm:pt modelId="1"/>
+        <dgm:pt modelId="2"/>
+        <dgm:pt modelId="3"/>
+        <dgm:pt modelId="4"/>
+      </dgm:ptLst>
+      <dgm:cxnLst>
+        <dgm:cxn modelId="5" srcId="0" destId="1" srcOrd="0" destOrd="0"/>
+        <dgm:cxn modelId="6" srcId="0" destId="2" srcOrd="1" destOrd="0"/>
+        <dgm:cxn modelId="7" srcId="0" destId="3" srcOrd="2" destOrd="0"/>
+        <dgm:cxn modelId="8" srcId="0" destId="4" srcOrd="3" destOrd="0"/>
+      </dgm:cxnLst>
+      <dgm:bg/>
+      <dgm:whole/>
+    </dgm:dataModel>
+  </dgm:clrData>
+  <dgm:layoutNode name="Name0">
+    <dgm:varLst>
+      <dgm:dir/>
+      <dgm:animLvl val="lvl"/>
+      <dgm:resizeHandles val="exact"/>
+    </dgm:varLst>
+    <dgm:choose name="Name1">
+      <dgm:if name="Name2" func="var" arg="dir" op="equ" val="norm">
+        <dgm:alg type="lin"/>
+      </dgm:if>
+      <dgm:else name="Name3">
+        <dgm:alg type="lin">
+          <dgm:param type="linDir" val="fromR"/>
+        </dgm:alg>
+      </dgm:else>
+    </dgm:choose>
+    <dgm:shape xmlns:r="http://schemas.openxmlformats.org/officeDocument/2006/relationships" r:blip="">
+      <dgm:adjLst/>
+    </dgm:shape>
+    <dgm:presOf/>
+    <dgm:choose name="Name4">
+      <dgm:if name="Name5" axis="des" func="maxDepth" op="gte" val="2">
+        <dgm:constrLst>
+          <dgm:constr type="h" for="ch" forName="composite" refType="h"/>
+          <dgm:constr type="w" for="ch" forName="composite" refType="w"/>
+          <dgm:constr type="w" for="des" forName="parTx"/>
+          <dgm:constr type="h" for="des" forName="parTx" op="equ"/>
+          <dgm:constr type="w" for="des" forName="desTx"/>
+          <dgm:constr type="h" for="des" forName="desTx" op="equ"/>
+          <dgm:constr type="primFontSz" for="des" forName="parTx" val="65"/>
+          <dgm:constr type="secFontSz" for="des" forName="desTx" refType="primFontSz" refFor="des" refForName="parTx" op="equ"/>
+          <dgm:constr type="h" for="des" forName="parTx" refType="primFontSz" refFor="des" refForName="parTx" fact="1.5"/>
+          <dgm:constr type="h" for="des" forName="desTx" refType="primFontSz" refFor="des" refForName="parTx" fact="0.5"/>
+          <dgm:constr type="w" for="ch" forName="space" op="equ" val="-6"/>
+        </dgm:constrLst>
+        <dgm:ruleLst>
+          <dgm:rule type="w" for="ch" forName="composite" val="0" fact="NaN" max="NaN"/>
+          <dgm:rule type="primFontSz" for="des" forName="parTx" val="5" fact="NaN" max="NaN"/>
+        </dgm:ruleLst>
+        <dgm:forEach name="Name6" axis="ch" ptType="node">
+          <dgm:layoutNode name="composite">
+            <dgm:alg type="composite"/>
+            <dgm:shape xmlns:r="http://schemas.openxmlformats.org/officeDocument/2006/relationships" r:blip="">
+              <dgm:adjLst/>
+            </dgm:shape>
+            <dgm:presOf/>
+            <dgm:choose name="Name7">
+              <dgm:if name="Name8" func="var" arg="dir" op="equ" val="norm">
+                <dgm:constrLst>
+                  <dgm:constr type="l" for="ch" forName="parTx"/>
+                  <dgm:constr type="w" for="ch" forName="parTx" refType="w"/>
+                  <dgm:constr type="t" for="ch" forName="parTx"/>
+                  <dgm:constr type="l" for="ch" forName="desTx"/>
+                  <dgm:constr type="w" for="ch" forName="desTx" refType="w" refFor="ch" refForName="parTx" fact="0.8"/>
+                  <dgm:constr type="t" for="ch" forName="desTx" refType="h" refFor="ch" refForName="parTx" fact="1.125"/>
+                </dgm:constrLst>
+              </dgm:if>
+              <dgm:else name="Name9">
+                <dgm:constrLst>
+                  <dgm:constr type="l" for="ch" forName="parTx"/>
+                  <dgm:constr type="w" for="ch" forName="parTx" refType="w"/>
+                  <dgm:constr type="t" for="ch" forName="parTx"/>
+                  <dgm:constr type="l" for="ch" forName="desTx" refType="w" fact="0.2"/>
+                  <dgm:constr type="w" for="ch" forName="desTx" refType="w" refFor="ch" refForName="parTx" fact="0.8"/>
+                  <dgm:constr type="t" for="ch" forName="desTx" refType="h" refFor="ch" refForName="parTx" fact="1.125"/>
+                </dgm:constrLst>
+              </dgm:else>
+            </dgm:choose>
+            <dgm:ruleLst>
+              <dgm:rule type="h" val="INF" fact="NaN" max="NaN"/>
+            </dgm:ruleLst>
+            <dgm:layoutNode name="parTx">
+              <dgm:varLst>
+                <dgm:chMax val="0"/>
+                <dgm:chPref val="0"/>
+                <dgm:bulletEnabled val="1"/>
+              </dgm:varLst>
+              <dgm:alg type="tx"/>
+              <dgm:choose name="Name10">
+                <dgm:if name="Name11" func="var" arg="dir" op="equ" val="norm">
+                  <dgm:shape xmlns:r="http://schemas.openxmlformats.org/officeDocument/2006/relationships" type="chevron" r:blip="">
+                    <dgm:adjLst/>
+                  </dgm:shape>
+                </dgm:if>
+                <dgm:else name="Name12">
+                  <dgm:shape xmlns:r="http://schemas.openxmlformats.org/officeDocument/2006/relationships" rot="180" type="chevron" r:blip="">
+                    <dgm:adjLst/>
+                  </dgm:shape>
+                </dgm:else>
+              </dgm:choose>
+              <dgm:presOf axis="self" ptType="node"/>
+              <dgm:choose name="Name13">
+                <dgm:if name="Name14" func="var" arg="dir" op="equ" val="norm">
+                  <dgm:constrLst>
+                    <dgm:constr type="h" refType="w" op="lte" fact="0.4"/>
+                    <dgm:constr type="h"/>
+                    <dgm:constr type="tMarg" refType="primFontSz" fact="0.105"/>
+                    <dgm:constr type="bMarg" refType="primFontSz" fact="0.105"/>
+                    <dgm:constr type="lMarg" refType="primFontSz" fact="0.315"/>
+                    <dgm:constr type="rMarg" refType="primFontSz" fact="0.105"/>
+                  </dgm:constrLst>
+                </dgm:if>
+                <dgm:else name="Name15">
+                  <dgm:constrLst>
+                    <dgm:constr type="h" refType="w" op="lte" fact="0.4"/>
+                    <dgm:constr type="h"/>
+                    <dgm:constr type="tMarg" refType="primFontSz" fact="0.105"/>
+                    <dgm:constr type="bMarg" refType="primFontSz" fact="0.105"/>
+                    <dgm:constr type="lMarg" refType="primFontSz" fact="0.105"/>
+                    <dgm:constr type="rMarg" refType="primFontSz" fact="0.315"/>
+                  </dgm:constrLst>
+                </dgm:else>
+              </dgm:choose>
+              <dgm:ruleLst>
+                <dgm:rule type="h" val="INF" fact="NaN" max="NaN"/>
+              </dgm:ruleLst>
+            </dgm:layoutNode>
+            <dgm:layoutNode name="desTx" styleLbl="revTx">
+              <dgm:varLst>
+                <dgm:bulletEnabled val="1"/>
+              </dgm:varLst>
+              <dgm:alg type="tx">
+                <dgm:param type="stBulletLvl" val="1"/>
+              </dgm:alg>
+              <dgm:choose name="Name16">
+                <dgm:if name="Name17" axis="ch" ptType="node" func="cnt" op="gte" val="1">
+                  <dgm:shape xmlns:r="http://schemas.openxmlformats.org/officeDocument/2006/relationships" type="rect" r:blip="">
+                    <dgm:adjLst/>
+                  </dgm:shape>
+                </dgm:if>
+                <dgm:else name="Name18">
+                  <dgm:shape xmlns:r="http://schemas.openxmlformats.org/officeDocument/2006/relationships" type="rect" r:blip="" hideGeom="1">
+                    <dgm:adjLst/>
+                  </dgm:shape>
+                </dgm:else>
+              </dgm:choose>
+              <dgm:presOf axis="des" ptType="node"/>
+              <dgm:constrLst>
+                <dgm:constr type="secFontSz" val="65"/>
+                <dgm:constr type="primFontSz" refType="secFontSz"/>
+                <dgm:constr type="h"/>
+                <dgm:constr type="tMarg"/>
+                <dgm:constr type="bMarg"/>
+                <dgm:constr type="rMarg"/>
+                <dgm:constr type="lMarg"/>
+              </dgm:constrLst>
+              <dgm:ruleLst>
+                <dgm:rule type="h" val="INF" fact="NaN" max="NaN"/>
+              </dgm:ruleLst>
+            </dgm:layoutNode>
+          </dgm:layoutNode>
+          <dgm:forEach name="Name19" axis="followSib" ptType="sibTrans" cnt="1">
+            <dgm:layoutNode name="space">
+              <dgm:alg type="sp"/>
+              <dgm:shape xmlns:r="http://schemas.openxmlformats.org/officeDocument/2006/relationships" r:blip="">
+                <dgm:adjLst/>
+              </dgm:shape>
+              <dgm:presOf/>
+              <dgm:constrLst/>
+              <dgm:ruleLst/>
+            </dgm:layoutNode>
+          </dgm:forEach>
+        </dgm:forEach>
+      </dgm:if>
+      <dgm:else name="Name20">
+        <dgm:constrLst>
+          <dgm:constr type="w" for="ch" forName="parTxOnly" refType="w"/>
+          <dgm:constr type="h" for="des" forName="parTxOnly" op="equ"/>
+          <dgm:constr type="primFontSz" for="des" forName="parTxOnly" op="equ" val="65"/>
+          <dgm:constr type="w" for="ch" forName="parTxOnlySpace" refType="w" refFor="ch" refForName="parTxOnly" fact="-0.1"/>
+        </dgm:constrLst>
+        <dgm:ruleLst/>
+        <dgm:forEach name="Name21" axis="ch" ptType="node">
+          <dgm:layoutNode name="parTxOnly">
+            <dgm:varLst>
+              <dgm:chMax val="0"/>
+              <dgm:chPref val="0"/>
+              <dgm:bulletEnabled val="1"/>
+            </dgm:varLst>
+            <dgm:alg type="tx"/>
+            <dgm:choose name="Name22">
+              <dgm:if name="Name23" func="var" arg="dir" op="equ" val="norm">
+                <dgm:shape xmlns:r="http://schemas.openxmlformats.org/officeDocument/2006/relationships" type="chevron" r:blip="">
+                  <dgm:adjLst/>
+                </dgm:shape>
+              </dgm:if>
+              <dgm:else name="Name24">
+                <dgm:shape xmlns:r="http://schemas.openxmlformats.org/officeDocument/2006/relationships" rot="180" type="chevron" r:blip="">
+                  <dgm:adjLst/>
+                </dgm:shape>
+              </dgm:else>
+            </dgm:choose>
+            <dgm:presOf axis="self" ptType="node"/>
+            <dgm:choose name="Name25">
+              <dgm:if name="Name26" func="var" arg="dir" op="equ" val="norm">
+                <dgm:constrLst>
+                  <dgm:constr type="h" refType="w" op="equ" fact="0.4"/>
+                  <dgm:constr type="tMarg" refType="primFontSz" fact="0.105"/>
+                  <dgm:constr type="bMarg" refType="primFontSz" fact="0.105"/>
+                  <dgm:constr type="lMarg" refType="primFontSz" fact="0.315"/>
+                  <dgm:constr type="rMarg" refType="primFontSz" fact="0.105"/>
+                </dgm:constrLst>
+              </dgm:if>
+              <dgm:else name="Name27">
+                <dgm:constrLst>
+                  <dgm:constr type="h" refType="w" op="equ" fact="0.4"/>
+                  <dgm:constr type="tMarg" refType="primFontSz" fact="0.105"/>
+                  <dgm:constr type="bMarg" refType="primFontSz" fact="0.105"/>
+                  <dgm:constr type="lMarg" refType="primFontSz" fact="0.105"/>
+                  <dgm:constr type="rMarg" refType="primFontSz" fact="0.315"/>
+                </dgm:constrLst>
+              </dgm:else>
+            </dgm:choose>
+            <dgm:ruleLst>
+              <dgm:rule type="primFontSz" val="5" fact="NaN" max="NaN"/>
+            </dgm:ruleLst>
+          </dgm:layoutNode>
+          <dgm:forEach name="Name28" axis="followSib" ptType="sibTrans" cnt="1">
+            <dgm:layoutNode name="parTxOnlySpace">
+              <dgm:alg type="sp"/>
+              <dgm:shape xmlns:r="http://schemas.openxmlformats.org/officeDocument/2006/relationships" r:blip="">
+                <dgm:adjLst/>
+              </dgm:shape>
+              <dgm:presOf/>
+              <dgm:constrLst/>
+              <dgm:ruleLst/>
+            </dgm:layoutNode>
+          </dgm:forEach>
+        </dgm:forEach>
+      </dgm:else>
+    </dgm:choose>
+  </dgm:layoutNode>
+</dgm:layoutDef>
+</file>
+
+<file path=ppt/diagrams/layout12.xml><?xml version="1.0" encoding="utf-8"?>
 <dgm:layoutDef xmlns:dgm="http://schemas.openxmlformats.org/drawingml/2006/diagram" xmlns:a="http://schemas.openxmlformats.org/drawingml/2006/main" uniqueId="urn:microsoft.com/office/officeart/2005/8/layout/chevron1">
   <dgm:title val=""/>
   <dgm:desc val=""/>
@@ -22457,6 +25857,2074 @@
 </dgm:styleDef>
 </file>
 
+<file path=ppt/diagrams/quickStyle11.xml><?xml version="1.0" encoding="utf-8"?>
+<dgm:styleDef xmlns:dgm="http://schemas.openxmlformats.org/drawingml/2006/diagram" xmlns:a="http://schemas.openxmlformats.org/drawingml/2006/main" uniqueId="urn:microsoft.com/office/officeart/2005/8/quickstyle/simple1">
+  <dgm:title val=""/>
+  <dgm:desc val=""/>
+  <dgm:catLst>
+    <dgm:cat type="simple" pri="10100"/>
+  </dgm:catLst>
+  <dgm:scene3d>
+    <a:camera prst="orthographicFront"/>
+    <a:lightRig rig="threePt" dir="t"/>
+  </dgm:scene3d>
+  <dgm:styleLbl name="node0">
+    <dgm:scene3d>
+      <a:camera prst="orthographicFront"/>
+      <a:lightRig rig="threePt" dir="t"/>
+    </dgm:scene3d>
+    <dgm:sp3d/>
+    <dgm:txPr/>
+    <dgm:style>
+      <a:lnRef idx="2">
+        <a:scrgbClr r="0" g="0" b="0"/>
+      </a:lnRef>
+      <a:fillRef idx="1">
+        <a:scrgbClr r="0" g="0" b="0"/>
+      </a:fillRef>
+      <a:effectRef idx="0">
+        <a:scrgbClr r="0" g="0" b="0"/>
+      </a:effectRef>
+      <a:fontRef idx="minor">
+        <a:schemeClr val="lt1"/>
+      </a:fontRef>
+    </dgm:style>
+  </dgm:styleLbl>
+  <dgm:styleLbl name="lnNode1">
+    <dgm:scene3d>
+      <a:camera prst="orthographicFront"/>
+      <a:lightRig rig="threePt" dir="t"/>
+    </dgm:scene3d>
+    <dgm:sp3d/>
+    <dgm:txPr/>
+    <dgm:style>
+      <a:lnRef idx="2">
+        <a:scrgbClr r="0" g="0" b="0"/>
+      </a:lnRef>
+      <a:fillRef idx="1">
+        <a:scrgbClr r="0" g="0" b="0"/>
+      </a:fillRef>
+      <a:effectRef idx="0">
+        <a:scrgbClr r="0" g="0" b="0"/>
+      </a:effectRef>
+      <a:fontRef idx="minor">
+        <a:schemeClr val="lt1"/>
+      </a:fontRef>
+    </dgm:style>
+  </dgm:styleLbl>
+  <dgm:styleLbl name="vennNode1">
+    <dgm:scene3d>
+      <a:camera prst="orthographicFront"/>
+      <a:lightRig rig="threePt" dir="t"/>
+    </dgm:scene3d>
+    <dgm:sp3d/>
+    <dgm:txPr/>
+    <dgm:style>
+      <a:lnRef idx="2">
+        <a:scrgbClr r="0" g="0" b="0"/>
+      </a:lnRef>
+      <a:fillRef idx="1">
+        <a:scrgbClr r="0" g="0" b="0"/>
+      </a:fillRef>
+      <a:effectRef idx="0">
+        <a:scrgbClr r="0" g="0" b="0"/>
+      </a:effectRef>
+      <a:fontRef idx="minor">
+        <a:schemeClr val="tx1"/>
+      </a:fontRef>
+    </dgm:style>
+  </dgm:styleLbl>
+  <dgm:styleLbl name="alignNode1">
+    <dgm:scene3d>
+      <a:camera prst="orthographicFront"/>
+      <a:lightRig rig="threePt" dir="t"/>
+    </dgm:scene3d>
+    <dgm:sp3d/>
+    <dgm:txPr/>
+    <dgm:style>
+      <a:lnRef idx="2">
+        <a:scrgbClr r="0" g="0" b="0"/>
+      </a:lnRef>
+      <a:fillRef idx="1">
+        <a:scrgbClr r="0" g="0" b="0"/>
+      </a:fillRef>
+      <a:effectRef idx="0">
+        <a:scrgbClr r="0" g="0" b="0"/>
+      </a:effectRef>
+      <a:fontRef idx="minor">
+        <a:schemeClr val="lt1"/>
+      </a:fontRef>
+    </dgm:style>
+  </dgm:styleLbl>
+  <dgm:styleLbl name="node1">
+    <dgm:scene3d>
+      <a:camera prst="orthographicFront"/>
+      <a:lightRig rig="threePt" dir="t"/>
+    </dgm:scene3d>
+    <dgm:sp3d/>
+    <dgm:txPr/>
+    <dgm:style>
+      <a:lnRef idx="2">
+        <a:scrgbClr r="0" g="0" b="0"/>
+      </a:lnRef>
+      <a:fillRef idx="1">
+        <a:scrgbClr r="0" g="0" b="0"/>
+      </a:fillRef>
+      <a:effectRef idx="0">
+        <a:scrgbClr r="0" g="0" b="0"/>
+      </a:effectRef>
+      <a:fontRef idx="minor">
+        <a:schemeClr val="lt1"/>
+      </a:fontRef>
+    </dgm:style>
+  </dgm:styleLbl>
+  <dgm:styleLbl name="node2">
+    <dgm:scene3d>
+      <a:camera prst="orthographicFront"/>
+      <a:lightRig rig="threePt" dir="t"/>
+    </dgm:scene3d>
+    <dgm:sp3d/>
+    <dgm:txPr/>
+    <dgm:style>
+      <a:lnRef idx="2">
+        <a:scrgbClr r="0" g="0" b="0"/>
+      </a:lnRef>
+      <a:fillRef idx="1">
+        <a:scrgbClr r="0" g="0" b="0"/>
+      </a:fillRef>
+      <a:effectRef idx="0">
+        <a:scrgbClr r="0" g="0" b="0"/>
+      </a:effectRef>
+      <a:fontRef idx="minor">
+        <a:schemeClr val="lt1"/>
+      </a:fontRef>
+    </dgm:style>
+  </dgm:styleLbl>
+  <dgm:styleLbl name="node3">
+    <dgm:scene3d>
+      <a:camera prst="orthographicFront"/>
+      <a:lightRig rig="threePt" dir="t"/>
+    </dgm:scene3d>
+    <dgm:sp3d/>
+    <dgm:txPr/>
+    <dgm:style>
+      <a:lnRef idx="2">
+        <a:scrgbClr r="0" g="0" b="0"/>
+      </a:lnRef>
+      <a:fillRef idx="1">
+        <a:scrgbClr r="0" g="0" b="0"/>
+      </a:fillRef>
+      <a:effectRef idx="0">
+        <a:scrgbClr r="0" g="0" b="0"/>
+      </a:effectRef>
+      <a:fontRef idx="minor">
+        <a:schemeClr val="lt1"/>
+      </a:fontRef>
+    </dgm:style>
+  </dgm:styleLbl>
+  <dgm:styleLbl name="node4">
+    <dgm:scene3d>
+      <a:camera prst="orthographicFront"/>
+      <a:lightRig rig="threePt" dir="t"/>
+    </dgm:scene3d>
+    <dgm:sp3d/>
+    <dgm:txPr/>
+    <dgm:style>
+      <a:lnRef idx="2">
+        <a:scrgbClr r="0" g="0" b="0"/>
+      </a:lnRef>
+      <a:fillRef idx="1">
+        <a:scrgbClr r="0" g="0" b="0"/>
+      </a:fillRef>
+      <a:effectRef idx="0">
+        <a:scrgbClr r="0" g="0" b="0"/>
+      </a:effectRef>
+      <a:fontRef idx="minor">
+        <a:schemeClr val="lt1"/>
+      </a:fontRef>
+    </dgm:style>
+  </dgm:styleLbl>
+  <dgm:styleLbl name="fgImgPlace1">
+    <dgm:scene3d>
+      <a:camera prst="orthographicFront"/>
+      <a:lightRig rig="threePt" dir="t"/>
+    </dgm:scene3d>
+    <dgm:sp3d/>
+    <dgm:txPr/>
+    <dgm:style>
+      <a:lnRef idx="2">
+        <a:scrgbClr r="0" g="0" b="0"/>
+      </a:lnRef>
+      <a:fillRef idx="1">
+        <a:scrgbClr r="0" g="0" b="0"/>
+      </a:fillRef>
+      <a:effectRef idx="0">
+        <a:scrgbClr r="0" g="0" b="0"/>
+      </a:effectRef>
+      <a:fontRef idx="minor"/>
+    </dgm:style>
+  </dgm:styleLbl>
+  <dgm:styleLbl name="alignImgPlace1">
+    <dgm:scene3d>
+      <a:camera prst="orthographicFront"/>
+      <a:lightRig rig="threePt" dir="t"/>
+    </dgm:scene3d>
+    <dgm:sp3d/>
+    <dgm:txPr/>
+    <dgm:style>
+      <a:lnRef idx="2">
+        <a:scrgbClr r="0" g="0" b="0"/>
+      </a:lnRef>
+      <a:fillRef idx="1">
+        <a:scrgbClr r="0" g="0" b="0"/>
+      </a:fillRef>
+      <a:effectRef idx="0">
+        <a:scrgbClr r="0" g="0" b="0"/>
+      </a:effectRef>
+      <a:fontRef idx="minor"/>
+    </dgm:style>
+  </dgm:styleLbl>
+  <dgm:styleLbl name="bgImgPlace1">
+    <dgm:scene3d>
+      <a:camera prst="orthographicFront"/>
+      <a:lightRig rig="threePt" dir="t"/>
+    </dgm:scene3d>
+    <dgm:sp3d/>
+    <dgm:txPr/>
+    <dgm:style>
+      <a:lnRef idx="2">
+        <a:scrgbClr r="0" g="0" b="0"/>
+      </a:lnRef>
+      <a:fillRef idx="1">
+        <a:scrgbClr r="0" g="0" b="0"/>
+      </a:fillRef>
+      <a:effectRef idx="0">
+        <a:scrgbClr r="0" g="0" b="0"/>
+      </a:effectRef>
+      <a:fontRef idx="minor"/>
+    </dgm:style>
+  </dgm:styleLbl>
+  <dgm:styleLbl name="sibTrans2D1">
+    <dgm:scene3d>
+      <a:camera prst="orthographicFront"/>
+      <a:lightRig rig="threePt" dir="t"/>
+    </dgm:scene3d>
+    <dgm:sp3d/>
+    <dgm:txPr/>
+    <dgm:style>
+      <a:lnRef idx="0">
+        <a:scrgbClr r="0" g="0" b="0"/>
+      </a:lnRef>
+      <a:fillRef idx="1">
+        <a:scrgbClr r="0" g="0" b="0"/>
+      </a:fillRef>
+      <a:effectRef idx="0">
+        <a:scrgbClr r="0" g="0" b="0"/>
+      </a:effectRef>
+      <a:fontRef idx="minor">
+        <a:schemeClr val="lt1"/>
+      </a:fontRef>
+    </dgm:style>
+  </dgm:styleLbl>
+  <dgm:styleLbl name="fgSibTrans2D1">
+    <dgm:scene3d>
+      <a:camera prst="orthographicFront"/>
+      <a:lightRig rig="threePt" dir="t"/>
+    </dgm:scene3d>
+    <dgm:sp3d/>
+    <dgm:txPr/>
+    <dgm:style>
+      <a:lnRef idx="0">
+        <a:scrgbClr r="0" g="0" b="0"/>
+      </a:lnRef>
+      <a:fillRef idx="1">
+        <a:scrgbClr r="0" g="0" b="0"/>
+      </a:fillRef>
+      <a:effectRef idx="0">
+        <a:scrgbClr r="0" g="0" b="0"/>
+      </a:effectRef>
+      <a:fontRef idx="minor">
+        <a:schemeClr val="lt1"/>
+      </a:fontRef>
+    </dgm:style>
+  </dgm:styleLbl>
+  <dgm:styleLbl name="bgSibTrans2D1">
+    <dgm:scene3d>
+      <a:camera prst="orthographicFront"/>
+      <a:lightRig rig="threePt" dir="t"/>
+    </dgm:scene3d>
+    <dgm:sp3d/>
+    <dgm:txPr/>
+    <dgm:style>
+      <a:lnRef idx="0">
+        <a:scrgbClr r="0" g="0" b="0"/>
+      </a:lnRef>
+      <a:fillRef idx="1">
+        <a:scrgbClr r="0" g="0" b="0"/>
+      </a:fillRef>
+      <a:effectRef idx="0">
+        <a:scrgbClr r="0" g="0" b="0"/>
+      </a:effectRef>
+      <a:fontRef idx="minor">
+        <a:schemeClr val="lt1"/>
+      </a:fontRef>
+    </dgm:style>
+  </dgm:styleLbl>
+  <dgm:styleLbl name="sibTrans1D1">
+    <dgm:scene3d>
+      <a:camera prst="orthographicFront"/>
+      <a:lightRig rig="threePt" dir="t"/>
+    </dgm:scene3d>
+    <dgm:sp3d/>
+    <dgm:txPr/>
+    <dgm:style>
+      <a:lnRef idx="1">
+        <a:scrgbClr r="0" g="0" b="0"/>
+      </a:lnRef>
+      <a:fillRef idx="0">
+        <a:scrgbClr r="0" g="0" b="0"/>
+      </a:fillRef>
+      <a:effectRef idx="0">
+        <a:scrgbClr r="0" g="0" b="0"/>
+      </a:effectRef>
+      <a:fontRef idx="minor"/>
+    </dgm:style>
+  </dgm:styleLbl>
+  <dgm:styleLbl name="callout">
+    <dgm:scene3d>
+      <a:camera prst="orthographicFront"/>
+      <a:lightRig rig="threePt" dir="t"/>
+    </dgm:scene3d>
+    <dgm:sp3d/>
+    <dgm:txPr/>
+    <dgm:style>
+      <a:lnRef idx="2">
+        <a:scrgbClr r="0" g="0" b="0"/>
+      </a:lnRef>
+      <a:fillRef idx="1">
+        <a:scrgbClr r="0" g="0" b="0"/>
+      </a:fillRef>
+      <a:effectRef idx="0">
+        <a:scrgbClr r="0" g="0" b="0"/>
+      </a:effectRef>
+      <a:fontRef idx="minor"/>
+    </dgm:style>
+  </dgm:styleLbl>
+  <dgm:styleLbl name="asst0">
+    <dgm:scene3d>
+      <a:camera prst="orthographicFront"/>
+      <a:lightRig rig="threePt" dir="t"/>
+    </dgm:scene3d>
+    <dgm:sp3d/>
+    <dgm:txPr/>
+    <dgm:style>
+      <a:lnRef idx="2">
+        <a:scrgbClr r="0" g="0" b="0"/>
+      </a:lnRef>
+      <a:fillRef idx="1">
+        <a:scrgbClr r="0" g="0" b="0"/>
+      </a:fillRef>
+      <a:effectRef idx="0">
+        <a:scrgbClr r="0" g="0" b="0"/>
+      </a:effectRef>
+      <a:fontRef idx="minor">
+        <a:schemeClr val="lt1"/>
+      </a:fontRef>
+    </dgm:style>
+  </dgm:styleLbl>
+  <dgm:styleLbl name="asst1">
+    <dgm:scene3d>
+      <a:camera prst="orthographicFront"/>
+      <a:lightRig rig="threePt" dir="t"/>
+    </dgm:scene3d>
+    <dgm:sp3d/>
+    <dgm:txPr/>
+    <dgm:style>
+      <a:lnRef idx="2">
+        <a:scrgbClr r="0" g="0" b="0"/>
+      </a:lnRef>
+      <a:fillRef idx="1">
+        <a:scrgbClr r="0" g="0" b="0"/>
+      </a:fillRef>
+      <a:effectRef idx="0">
+        <a:scrgbClr r="0" g="0" b="0"/>
+      </a:effectRef>
+      <a:fontRef idx="minor">
+        <a:schemeClr val="lt1"/>
+      </a:fontRef>
+    </dgm:style>
+  </dgm:styleLbl>
+  <dgm:styleLbl name="asst2">
+    <dgm:scene3d>
+      <a:camera prst="orthographicFront"/>
+      <a:lightRig rig="threePt" dir="t"/>
+    </dgm:scene3d>
+    <dgm:sp3d/>
+    <dgm:txPr/>
+    <dgm:style>
+      <a:lnRef idx="2">
+        <a:scrgbClr r="0" g="0" b="0"/>
+      </a:lnRef>
+      <a:fillRef idx="1">
+        <a:scrgbClr r="0" g="0" b="0"/>
+      </a:fillRef>
+      <a:effectRef idx="0">
+        <a:scrgbClr r="0" g="0" b="0"/>
+      </a:effectRef>
+      <a:fontRef idx="minor">
+        <a:schemeClr val="lt1"/>
+      </a:fontRef>
+    </dgm:style>
+  </dgm:styleLbl>
+  <dgm:styleLbl name="asst3">
+    <dgm:scene3d>
+      <a:camera prst="orthographicFront"/>
+      <a:lightRig rig="threePt" dir="t"/>
+    </dgm:scene3d>
+    <dgm:sp3d/>
+    <dgm:txPr/>
+    <dgm:style>
+      <a:lnRef idx="2">
+        <a:scrgbClr r="0" g="0" b="0"/>
+      </a:lnRef>
+      <a:fillRef idx="1">
+        <a:scrgbClr r="0" g="0" b="0"/>
+      </a:fillRef>
+      <a:effectRef idx="0">
+        <a:scrgbClr r="0" g="0" b="0"/>
+      </a:effectRef>
+      <a:fontRef idx="minor">
+        <a:schemeClr val="lt1"/>
+      </a:fontRef>
+    </dgm:style>
+  </dgm:styleLbl>
+  <dgm:styleLbl name="asst4">
+    <dgm:scene3d>
+      <a:camera prst="orthographicFront"/>
+      <a:lightRig rig="threePt" dir="t"/>
+    </dgm:scene3d>
+    <dgm:sp3d/>
+    <dgm:txPr/>
+    <dgm:style>
+      <a:lnRef idx="2">
+        <a:scrgbClr r="0" g="0" b="0"/>
+      </a:lnRef>
+      <a:fillRef idx="1">
+        <a:scrgbClr r="0" g="0" b="0"/>
+      </a:fillRef>
+      <a:effectRef idx="0">
+        <a:scrgbClr r="0" g="0" b="0"/>
+      </a:effectRef>
+      <a:fontRef idx="minor">
+        <a:schemeClr val="lt1"/>
+      </a:fontRef>
+    </dgm:style>
+  </dgm:styleLbl>
+  <dgm:styleLbl name="parChTrans2D1">
+    <dgm:scene3d>
+      <a:camera prst="orthographicFront"/>
+      <a:lightRig rig="threePt" dir="t"/>
+    </dgm:scene3d>
+    <dgm:sp3d/>
+    <dgm:txPr/>
+    <dgm:style>
+      <a:lnRef idx="2">
+        <a:scrgbClr r="0" g="0" b="0"/>
+      </a:lnRef>
+      <a:fillRef idx="1">
+        <a:scrgbClr r="0" g="0" b="0"/>
+      </a:fillRef>
+      <a:effectRef idx="0">
+        <a:scrgbClr r="0" g="0" b="0"/>
+      </a:effectRef>
+      <a:fontRef idx="minor">
+        <a:schemeClr val="lt1"/>
+      </a:fontRef>
+    </dgm:style>
+  </dgm:styleLbl>
+  <dgm:styleLbl name="parChTrans2D2">
+    <dgm:scene3d>
+      <a:camera prst="orthographicFront"/>
+      <a:lightRig rig="threePt" dir="t"/>
+    </dgm:scene3d>
+    <dgm:sp3d/>
+    <dgm:txPr/>
+    <dgm:style>
+      <a:lnRef idx="2">
+        <a:scrgbClr r="0" g="0" b="0"/>
+      </a:lnRef>
+      <a:fillRef idx="1">
+        <a:scrgbClr r="0" g="0" b="0"/>
+      </a:fillRef>
+      <a:effectRef idx="0">
+        <a:scrgbClr r="0" g="0" b="0"/>
+      </a:effectRef>
+      <a:fontRef idx="minor">
+        <a:schemeClr val="lt1"/>
+      </a:fontRef>
+    </dgm:style>
+  </dgm:styleLbl>
+  <dgm:styleLbl name="parChTrans2D3">
+    <dgm:scene3d>
+      <a:camera prst="orthographicFront"/>
+      <a:lightRig rig="threePt" dir="t"/>
+    </dgm:scene3d>
+    <dgm:sp3d/>
+    <dgm:txPr/>
+    <dgm:style>
+      <a:lnRef idx="2">
+        <a:scrgbClr r="0" g="0" b="0"/>
+      </a:lnRef>
+      <a:fillRef idx="1">
+        <a:scrgbClr r="0" g="0" b="0"/>
+      </a:fillRef>
+      <a:effectRef idx="0">
+        <a:scrgbClr r="0" g="0" b="0"/>
+      </a:effectRef>
+      <a:fontRef idx="minor">
+        <a:schemeClr val="lt1"/>
+      </a:fontRef>
+    </dgm:style>
+  </dgm:styleLbl>
+  <dgm:styleLbl name="parChTrans2D4">
+    <dgm:scene3d>
+      <a:camera prst="orthographicFront"/>
+      <a:lightRig rig="threePt" dir="t"/>
+    </dgm:scene3d>
+    <dgm:sp3d/>
+    <dgm:txPr/>
+    <dgm:style>
+      <a:lnRef idx="2">
+        <a:scrgbClr r="0" g="0" b="0"/>
+      </a:lnRef>
+      <a:fillRef idx="1">
+        <a:scrgbClr r="0" g="0" b="0"/>
+      </a:fillRef>
+      <a:effectRef idx="0">
+        <a:scrgbClr r="0" g="0" b="0"/>
+      </a:effectRef>
+      <a:fontRef idx="minor">
+        <a:schemeClr val="lt1"/>
+      </a:fontRef>
+    </dgm:style>
+  </dgm:styleLbl>
+  <dgm:styleLbl name="parChTrans1D1">
+    <dgm:scene3d>
+      <a:camera prst="orthographicFront"/>
+      <a:lightRig rig="threePt" dir="t"/>
+    </dgm:scene3d>
+    <dgm:sp3d/>
+    <dgm:txPr/>
+    <dgm:style>
+      <a:lnRef idx="2">
+        <a:scrgbClr r="0" g="0" b="0"/>
+      </a:lnRef>
+      <a:fillRef idx="0">
+        <a:scrgbClr r="0" g="0" b="0"/>
+      </a:fillRef>
+      <a:effectRef idx="0">
+        <a:scrgbClr r="0" g="0" b="0"/>
+      </a:effectRef>
+      <a:fontRef idx="minor"/>
+    </dgm:style>
+  </dgm:styleLbl>
+  <dgm:styleLbl name="parChTrans1D2">
+    <dgm:scene3d>
+      <a:camera prst="orthographicFront"/>
+      <a:lightRig rig="threePt" dir="t"/>
+    </dgm:scene3d>
+    <dgm:sp3d/>
+    <dgm:txPr/>
+    <dgm:style>
+      <a:lnRef idx="2">
+        <a:scrgbClr r="0" g="0" b="0"/>
+      </a:lnRef>
+      <a:fillRef idx="0">
+        <a:scrgbClr r="0" g="0" b="0"/>
+      </a:fillRef>
+      <a:effectRef idx="0">
+        <a:scrgbClr r="0" g="0" b="0"/>
+      </a:effectRef>
+      <a:fontRef idx="minor"/>
+    </dgm:style>
+  </dgm:styleLbl>
+  <dgm:styleLbl name="parChTrans1D3">
+    <dgm:scene3d>
+      <a:camera prst="orthographicFront"/>
+      <a:lightRig rig="threePt" dir="t"/>
+    </dgm:scene3d>
+    <dgm:sp3d/>
+    <dgm:txPr/>
+    <dgm:style>
+      <a:lnRef idx="2">
+        <a:scrgbClr r="0" g="0" b="0"/>
+      </a:lnRef>
+      <a:fillRef idx="0">
+        <a:scrgbClr r="0" g="0" b="0"/>
+      </a:fillRef>
+      <a:effectRef idx="0">
+        <a:scrgbClr r="0" g="0" b="0"/>
+      </a:effectRef>
+      <a:fontRef idx="minor"/>
+    </dgm:style>
+  </dgm:styleLbl>
+  <dgm:styleLbl name="parChTrans1D4">
+    <dgm:scene3d>
+      <a:camera prst="orthographicFront"/>
+      <a:lightRig rig="threePt" dir="t"/>
+    </dgm:scene3d>
+    <dgm:sp3d/>
+    <dgm:txPr/>
+    <dgm:style>
+      <a:lnRef idx="2">
+        <a:scrgbClr r="0" g="0" b="0"/>
+      </a:lnRef>
+      <a:fillRef idx="0">
+        <a:scrgbClr r="0" g="0" b="0"/>
+      </a:fillRef>
+      <a:effectRef idx="0">
+        <a:scrgbClr r="0" g="0" b="0"/>
+      </a:effectRef>
+      <a:fontRef idx="minor"/>
+    </dgm:style>
+  </dgm:styleLbl>
+  <dgm:styleLbl name="fgAcc1">
+    <dgm:scene3d>
+      <a:camera prst="orthographicFront"/>
+      <a:lightRig rig="threePt" dir="t"/>
+    </dgm:scene3d>
+    <dgm:sp3d/>
+    <dgm:txPr/>
+    <dgm:style>
+      <a:lnRef idx="2">
+        <a:scrgbClr r="0" g="0" b="0"/>
+      </a:lnRef>
+      <a:fillRef idx="1">
+        <a:scrgbClr r="0" g="0" b="0"/>
+      </a:fillRef>
+      <a:effectRef idx="0">
+        <a:scrgbClr r="0" g="0" b="0"/>
+      </a:effectRef>
+      <a:fontRef idx="minor"/>
+    </dgm:style>
+  </dgm:styleLbl>
+  <dgm:styleLbl name="conFgAcc1">
+    <dgm:scene3d>
+      <a:camera prst="orthographicFront"/>
+      <a:lightRig rig="threePt" dir="t"/>
+    </dgm:scene3d>
+    <dgm:sp3d/>
+    <dgm:txPr/>
+    <dgm:style>
+      <a:lnRef idx="2">
+        <a:scrgbClr r="0" g="0" b="0"/>
+      </a:lnRef>
+      <a:fillRef idx="1">
+        <a:scrgbClr r="0" g="0" b="0"/>
+      </a:fillRef>
+      <a:effectRef idx="0">
+        <a:scrgbClr r="0" g="0" b="0"/>
+      </a:effectRef>
+      <a:fontRef idx="minor"/>
+    </dgm:style>
+  </dgm:styleLbl>
+  <dgm:styleLbl name="alignAcc1">
+    <dgm:scene3d>
+      <a:camera prst="orthographicFront"/>
+      <a:lightRig rig="threePt" dir="t"/>
+    </dgm:scene3d>
+    <dgm:sp3d/>
+    <dgm:txPr/>
+    <dgm:style>
+      <a:lnRef idx="2">
+        <a:scrgbClr r="0" g="0" b="0"/>
+      </a:lnRef>
+      <a:fillRef idx="1">
+        <a:scrgbClr r="0" g="0" b="0"/>
+      </a:fillRef>
+      <a:effectRef idx="0">
+        <a:scrgbClr r="0" g="0" b="0"/>
+      </a:effectRef>
+      <a:fontRef idx="minor"/>
+    </dgm:style>
+  </dgm:styleLbl>
+  <dgm:styleLbl name="trAlignAcc1">
+    <dgm:scene3d>
+      <a:camera prst="orthographicFront"/>
+      <a:lightRig rig="threePt" dir="t"/>
+    </dgm:scene3d>
+    <dgm:sp3d/>
+    <dgm:txPr/>
+    <dgm:style>
+      <a:lnRef idx="1">
+        <a:scrgbClr r="0" g="0" b="0"/>
+      </a:lnRef>
+      <a:fillRef idx="1">
+        <a:scrgbClr r="0" g="0" b="0"/>
+      </a:fillRef>
+      <a:effectRef idx="0">
+        <a:scrgbClr r="0" g="0" b="0"/>
+      </a:effectRef>
+      <a:fontRef idx="minor"/>
+    </dgm:style>
+  </dgm:styleLbl>
+  <dgm:styleLbl name="bgAcc1">
+    <dgm:scene3d>
+      <a:camera prst="orthographicFront"/>
+      <a:lightRig rig="threePt" dir="t"/>
+    </dgm:scene3d>
+    <dgm:sp3d/>
+    <dgm:txPr/>
+    <dgm:style>
+      <a:lnRef idx="2">
+        <a:scrgbClr r="0" g="0" b="0"/>
+      </a:lnRef>
+      <a:fillRef idx="1">
+        <a:scrgbClr r="0" g="0" b="0"/>
+      </a:fillRef>
+      <a:effectRef idx="0">
+        <a:scrgbClr r="0" g="0" b="0"/>
+      </a:effectRef>
+      <a:fontRef idx="minor"/>
+    </dgm:style>
+  </dgm:styleLbl>
+  <dgm:styleLbl name="solidFgAcc1">
+    <dgm:scene3d>
+      <a:camera prst="orthographicFront"/>
+      <a:lightRig rig="threePt" dir="t"/>
+    </dgm:scene3d>
+    <dgm:sp3d/>
+    <dgm:txPr/>
+    <dgm:style>
+      <a:lnRef idx="2">
+        <a:scrgbClr r="0" g="0" b="0"/>
+      </a:lnRef>
+      <a:fillRef idx="1">
+        <a:scrgbClr r="0" g="0" b="0"/>
+      </a:fillRef>
+      <a:effectRef idx="0">
+        <a:scrgbClr r="0" g="0" b="0"/>
+      </a:effectRef>
+      <a:fontRef idx="minor"/>
+    </dgm:style>
+  </dgm:styleLbl>
+  <dgm:styleLbl name="solidAlignAcc1">
+    <dgm:scene3d>
+      <a:camera prst="orthographicFront"/>
+      <a:lightRig rig="threePt" dir="t"/>
+    </dgm:scene3d>
+    <dgm:sp3d/>
+    <dgm:txPr/>
+    <dgm:style>
+      <a:lnRef idx="2">
+        <a:scrgbClr r="0" g="0" b="0"/>
+      </a:lnRef>
+      <a:fillRef idx="1">
+        <a:scrgbClr r="0" g="0" b="0"/>
+      </a:fillRef>
+      <a:effectRef idx="0">
+        <a:scrgbClr r="0" g="0" b="0"/>
+      </a:effectRef>
+      <a:fontRef idx="minor"/>
+    </dgm:style>
+  </dgm:styleLbl>
+  <dgm:styleLbl name="solidBgAcc1">
+    <dgm:scene3d>
+      <a:camera prst="orthographicFront"/>
+      <a:lightRig rig="threePt" dir="t"/>
+    </dgm:scene3d>
+    <dgm:sp3d/>
+    <dgm:txPr/>
+    <dgm:style>
+      <a:lnRef idx="2">
+        <a:scrgbClr r="0" g="0" b="0"/>
+      </a:lnRef>
+      <a:fillRef idx="1">
+        <a:scrgbClr r="0" g="0" b="0"/>
+      </a:fillRef>
+      <a:effectRef idx="0">
+        <a:scrgbClr r="0" g="0" b="0"/>
+      </a:effectRef>
+      <a:fontRef idx="minor"/>
+    </dgm:style>
+  </dgm:styleLbl>
+  <dgm:styleLbl name="fgAccFollowNode1">
+    <dgm:scene3d>
+      <a:camera prst="orthographicFront"/>
+      <a:lightRig rig="threePt" dir="t"/>
+    </dgm:scene3d>
+    <dgm:sp3d/>
+    <dgm:txPr/>
+    <dgm:style>
+      <a:lnRef idx="2">
+        <a:scrgbClr r="0" g="0" b="0"/>
+      </a:lnRef>
+      <a:fillRef idx="1">
+        <a:scrgbClr r="0" g="0" b="0"/>
+      </a:fillRef>
+      <a:effectRef idx="0">
+        <a:scrgbClr r="0" g="0" b="0"/>
+      </a:effectRef>
+      <a:fontRef idx="minor"/>
+    </dgm:style>
+  </dgm:styleLbl>
+  <dgm:styleLbl name="alignAccFollowNode1">
+    <dgm:scene3d>
+      <a:camera prst="orthographicFront"/>
+      <a:lightRig rig="threePt" dir="t"/>
+    </dgm:scene3d>
+    <dgm:sp3d/>
+    <dgm:txPr/>
+    <dgm:style>
+      <a:lnRef idx="2">
+        <a:scrgbClr r="0" g="0" b="0"/>
+      </a:lnRef>
+      <a:fillRef idx="1">
+        <a:scrgbClr r="0" g="0" b="0"/>
+      </a:fillRef>
+      <a:effectRef idx="0">
+        <a:scrgbClr r="0" g="0" b="0"/>
+      </a:effectRef>
+      <a:fontRef idx="minor"/>
+    </dgm:style>
+  </dgm:styleLbl>
+  <dgm:styleLbl name="bgAccFollowNode1">
+    <dgm:scene3d>
+      <a:camera prst="orthographicFront"/>
+      <a:lightRig rig="threePt" dir="t"/>
+    </dgm:scene3d>
+    <dgm:sp3d/>
+    <dgm:txPr/>
+    <dgm:style>
+      <a:lnRef idx="2">
+        <a:scrgbClr r="0" g="0" b="0"/>
+      </a:lnRef>
+      <a:fillRef idx="1">
+        <a:scrgbClr r="0" g="0" b="0"/>
+      </a:fillRef>
+      <a:effectRef idx="0">
+        <a:scrgbClr r="0" g="0" b="0"/>
+      </a:effectRef>
+      <a:fontRef idx="minor"/>
+    </dgm:style>
+  </dgm:styleLbl>
+  <dgm:styleLbl name="fgAcc0">
+    <dgm:scene3d>
+      <a:camera prst="orthographicFront"/>
+      <a:lightRig rig="threePt" dir="t"/>
+    </dgm:scene3d>
+    <dgm:sp3d/>
+    <dgm:txPr/>
+    <dgm:style>
+      <a:lnRef idx="2">
+        <a:scrgbClr r="0" g="0" b="0"/>
+      </a:lnRef>
+      <a:fillRef idx="1">
+        <a:scrgbClr r="0" g="0" b="0"/>
+      </a:fillRef>
+      <a:effectRef idx="0">
+        <a:scrgbClr r="0" g="0" b="0"/>
+      </a:effectRef>
+      <a:fontRef idx="minor"/>
+    </dgm:style>
+  </dgm:styleLbl>
+  <dgm:styleLbl name="fgAcc2">
+    <dgm:scene3d>
+      <a:camera prst="orthographicFront"/>
+      <a:lightRig rig="threePt" dir="t"/>
+    </dgm:scene3d>
+    <dgm:sp3d/>
+    <dgm:txPr/>
+    <dgm:style>
+      <a:lnRef idx="2">
+        <a:scrgbClr r="0" g="0" b="0"/>
+      </a:lnRef>
+      <a:fillRef idx="1">
+        <a:scrgbClr r="0" g="0" b="0"/>
+      </a:fillRef>
+      <a:effectRef idx="0">
+        <a:scrgbClr r="0" g="0" b="0"/>
+      </a:effectRef>
+      <a:fontRef idx="minor"/>
+    </dgm:style>
+  </dgm:styleLbl>
+  <dgm:styleLbl name="fgAcc3">
+    <dgm:scene3d>
+      <a:camera prst="orthographicFront"/>
+      <a:lightRig rig="threePt" dir="t"/>
+    </dgm:scene3d>
+    <dgm:sp3d/>
+    <dgm:txPr/>
+    <dgm:style>
+      <a:lnRef idx="2">
+        <a:scrgbClr r="0" g="0" b="0"/>
+      </a:lnRef>
+      <a:fillRef idx="1">
+        <a:scrgbClr r="0" g="0" b="0"/>
+      </a:fillRef>
+      <a:effectRef idx="0">
+        <a:scrgbClr r="0" g="0" b="0"/>
+      </a:effectRef>
+      <a:fontRef idx="minor"/>
+    </dgm:style>
+  </dgm:styleLbl>
+  <dgm:styleLbl name="fgAcc4">
+    <dgm:scene3d>
+      <a:camera prst="orthographicFront"/>
+      <a:lightRig rig="threePt" dir="t"/>
+    </dgm:scene3d>
+    <dgm:sp3d/>
+    <dgm:txPr/>
+    <dgm:style>
+      <a:lnRef idx="2">
+        <a:scrgbClr r="0" g="0" b="0"/>
+      </a:lnRef>
+      <a:fillRef idx="1">
+        <a:scrgbClr r="0" g="0" b="0"/>
+      </a:fillRef>
+      <a:effectRef idx="0">
+        <a:scrgbClr r="0" g="0" b="0"/>
+      </a:effectRef>
+      <a:fontRef idx="minor"/>
+    </dgm:style>
+  </dgm:styleLbl>
+  <dgm:styleLbl name="bgShp">
+    <dgm:scene3d>
+      <a:camera prst="orthographicFront"/>
+      <a:lightRig rig="threePt" dir="t"/>
+    </dgm:scene3d>
+    <dgm:sp3d/>
+    <dgm:txPr/>
+    <dgm:style>
+      <a:lnRef idx="0">
+        <a:scrgbClr r="0" g="0" b="0"/>
+      </a:lnRef>
+      <a:fillRef idx="1">
+        <a:scrgbClr r="0" g="0" b="0"/>
+      </a:fillRef>
+      <a:effectRef idx="0">
+        <a:scrgbClr r="0" g="0" b="0"/>
+      </a:effectRef>
+      <a:fontRef idx="minor"/>
+    </dgm:style>
+  </dgm:styleLbl>
+  <dgm:styleLbl name="dkBgShp">
+    <dgm:scene3d>
+      <a:camera prst="orthographicFront"/>
+      <a:lightRig rig="threePt" dir="t"/>
+    </dgm:scene3d>
+    <dgm:sp3d/>
+    <dgm:txPr/>
+    <dgm:style>
+      <a:lnRef idx="0">
+        <a:scrgbClr r="0" g="0" b="0"/>
+      </a:lnRef>
+      <a:fillRef idx="1">
+        <a:scrgbClr r="0" g="0" b="0"/>
+      </a:fillRef>
+      <a:effectRef idx="0">
+        <a:scrgbClr r="0" g="0" b="0"/>
+      </a:effectRef>
+      <a:fontRef idx="minor"/>
+    </dgm:style>
+  </dgm:styleLbl>
+  <dgm:styleLbl name="trBgShp">
+    <dgm:scene3d>
+      <a:camera prst="orthographicFront"/>
+      <a:lightRig rig="threePt" dir="t"/>
+    </dgm:scene3d>
+    <dgm:sp3d/>
+    <dgm:txPr/>
+    <dgm:style>
+      <a:lnRef idx="0">
+        <a:scrgbClr r="0" g="0" b="0"/>
+      </a:lnRef>
+      <a:fillRef idx="1">
+        <a:scrgbClr r="0" g="0" b="0"/>
+      </a:fillRef>
+      <a:effectRef idx="0">
+        <a:scrgbClr r="0" g="0" b="0"/>
+      </a:effectRef>
+      <a:fontRef idx="minor"/>
+    </dgm:style>
+  </dgm:styleLbl>
+  <dgm:styleLbl name="fgShp">
+    <dgm:scene3d>
+      <a:camera prst="orthographicFront"/>
+      <a:lightRig rig="threePt" dir="t"/>
+    </dgm:scene3d>
+    <dgm:sp3d/>
+    <dgm:txPr/>
+    <dgm:style>
+      <a:lnRef idx="2">
+        <a:scrgbClr r="0" g="0" b="0"/>
+      </a:lnRef>
+      <a:fillRef idx="1">
+        <a:scrgbClr r="0" g="0" b="0"/>
+      </a:fillRef>
+      <a:effectRef idx="0">
+        <a:scrgbClr r="0" g="0" b="0"/>
+      </a:effectRef>
+      <a:fontRef idx="minor"/>
+    </dgm:style>
+  </dgm:styleLbl>
+  <dgm:styleLbl name="revTx">
+    <dgm:scene3d>
+      <a:camera prst="orthographicFront"/>
+      <a:lightRig rig="threePt" dir="t"/>
+    </dgm:scene3d>
+    <dgm:sp3d/>
+    <dgm:txPr/>
+    <dgm:style>
+      <a:lnRef idx="0">
+        <a:scrgbClr r="0" g="0" b="0"/>
+      </a:lnRef>
+      <a:fillRef idx="0">
+        <a:scrgbClr r="0" g="0" b="0"/>
+      </a:fillRef>
+      <a:effectRef idx="0">
+        <a:scrgbClr r="0" g="0" b="0"/>
+      </a:effectRef>
+      <a:fontRef idx="minor"/>
+    </dgm:style>
+  </dgm:styleLbl>
+</dgm:styleDef>
+</file>
+
+<file path=ppt/diagrams/quickStyle12.xml><?xml version="1.0" encoding="utf-8"?>
+<dgm:styleDef xmlns:dgm="http://schemas.openxmlformats.org/drawingml/2006/diagram" xmlns:a="http://schemas.openxmlformats.org/drawingml/2006/main" uniqueId="urn:microsoft.com/office/officeart/2005/8/quickstyle/simple1">
+  <dgm:title val=""/>
+  <dgm:desc val=""/>
+  <dgm:catLst>
+    <dgm:cat type="simple" pri="10100"/>
+  </dgm:catLst>
+  <dgm:scene3d>
+    <a:camera prst="orthographicFront"/>
+    <a:lightRig rig="threePt" dir="t"/>
+  </dgm:scene3d>
+  <dgm:styleLbl name="node0">
+    <dgm:scene3d>
+      <a:camera prst="orthographicFront"/>
+      <a:lightRig rig="threePt" dir="t"/>
+    </dgm:scene3d>
+    <dgm:sp3d/>
+    <dgm:txPr/>
+    <dgm:style>
+      <a:lnRef idx="2">
+        <a:scrgbClr r="0" g="0" b="0"/>
+      </a:lnRef>
+      <a:fillRef idx="1">
+        <a:scrgbClr r="0" g="0" b="0"/>
+      </a:fillRef>
+      <a:effectRef idx="0">
+        <a:scrgbClr r="0" g="0" b="0"/>
+      </a:effectRef>
+      <a:fontRef idx="minor">
+        <a:schemeClr val="lt1"/>
+      </a:fontRef>
+    </dgm:style>
+  </dgm:styleLbl>
+  <dgm:styleLbl name="lnNode1">
+    <dgm:scene3d>
+      <a:camera prst="orthographicFront"/>
+      <a:lightRig rig="threePt" dir="t"/>
+    </dgm:scene3d>
+    <dgm:sp3d/>
+    <dgm:txPr/>
+    <dgm:style>
+      <a:lnRef idx="2">
+        <a:scrgbClr r="0" g="0" b="0"/>
+      </a:lnRef>
+      <a:fillRef idx="1">
+        <a:scrgbClr r="0" g="0" b="0"/>
+      </a:fillRef>
+      <a:effectRef idx="0">
+        <a:scrgbClr r="0" g="0" b="0"/>
+      </a:effectRef>
+      <a:fontRef idx="minor">
+        <a:schemeClr val="lt1"/>
+      </a:fontRef>
+    </dgm:style>
+  </dgm:styleLbl>
+  <dgm:styleLbl name="vennNode1">
+    <dgm:scene3d>
+      <a:camera prst="orthographicFront"/>
+      <a:lightRig rig="threePt" dir="t"/>
+    </dgm:scene3d>
+    <dgm:sp3d/>
+    <dgm:txPr/>
+    <dgm:style>
+      <a:lnRef idx="2">
+        <a:scrgbClr r="0" g="0" b="0"/>
+      </a:lnRef>
+      <a:fillRef idx="1">
+        <a:scrgbClr r="0" g="0" b="0"/>
+      </a:fillRef>
+      <a:effectRef idx="0">
+        <a:scrgbClr r="0" g="0" b="0"/>
+      </a:effectRef>
+      <a:fontRef idx="minor">
+        <a:schemeClr val="tx1"/>
+      </a:fontRef>
+    </dgm:style>
+  </dgm:styleLbl>
+  <dgm:styleLbl name="alignNode1">
+    <dgm:scene3d>
+      <a:camera prst="orthographicFront"/>
+      <a:lightRig rig="threePt" dir="t"/>
+    </dgm:scene3d>
+    <dgm:sp3d/>
+    <dgm:txPr/>
+    <dgm:style>
+      <a:lnRef idx="2">
+        <a:scrgbClr r="0" g="0" b="0"/>
+      </a:lnRef>
+      <a:fillRef idx="1">
+        <a:scrgbClr r="0" g="0" b="0"/>
+      </a:fillRef>
+      <a:effectRef idx="0">
+        <a:scrgbClr r="0" g="0" b="0"/>
+      </a:effectRef>
+      <a:fontRef idx="minor">
+        <a:schemeClr val="lt1"/>
+      </a:fontRef>
+    </dgm:style>
+  </dgm:styleLbl>
+  <dgm:styleLbl name="node1">
+    <dgm:scene3d>
+      <a:camera prst="orthographicFront"/>
+      <a:lightRig rig="threePt" dir="t"/>
+    </dgm:scene3d>
+    <dgm:sp3d/>
+    <dgm:txPr/>
+    <dgm:style>
+      <a:lnRef idx="2">
+        <a:scrgbClr r="0" g="0" b="0"/>
+      </a:lnRef>
+      <a:fillRef idx="1">
+        <a:scrgbClr r="0" g="0" b="0"/>
+      </a:fillRef>
+      <a:effectRef idx="0">
+        <a:scrgbClr r="0" g="0" b="0"/>
+      </a:effectRef>
+      <a:fontRef idx="minor">
+        <a:schemeClr val="lt1"/>
+      </a:fontRef>
+    </dgm:style>
+  </dgm:styleLbl>
+  <dgm:styleLbl name="node2">
+    <dgm:scene3d>
+      <a:camera prst="orthographicFront"/>
+      <a:lightRig rig="threePt" dir="t"/>
+    </dgm:scene3d>
+    <dgm:sp3d/>
+    <dgm:txPr/>
+    <dgm:style>
+      <a:lnRef idx="2">
+        <a:scrgbClr r="0" g="0" b="0"/>
+      </a:lnRef>
+      <a:fillRef idx="1">
+        <a:scrgbClr r="0" g="0" b="0"/>
+      </a:fillRef>
+      <a:effectRef idx="0">
+        <a:scrgbClr r="0" g="0" b="0"/>
+      </a:effectRef>
+      <a:fontRef idx="minor">
+        <a:schemeClr val="lt1"/>
+      </a:fontRef>
+    </dgm:style>
+  </dgm:styleLbl>
+  <dgm:styleLbl name="node3">
+    <dgm:scene3d>
+      <a:camera prst="orthographicFront"/>
+      <a:lightRig rig="threePt" dir="t"/>
+    </dgm:scene3d>
+    <dgm:sp3d/>
+    <dgm:txPr/>
+    <dgm:style>
+      <a:lnRef idx="2">
+        <a:scrgbClr r="0" g="0" b="0"/>
+      </a:lnRef>
+      <a:fillRef idx="1">
+        <a:scrgbClr r="0" g="0" b="0"/>
+      </a:fillRef>
+      <a:effectRef idx="0">
+        <a:scrgbClr r="0" g="0" b="0"/>
+      </a:effectRef>
+      <a:fontRef idx="minor">
+        <a:schemeClr val="lt1"/>
+      </a:fontRef>
+    </dgm:style>
+  </dgm:styleLbl>
+  <dgm:styleLbl name="node4">
+    <dgm:scene3d>
+      <a:camera prst="orthographicFront"/>
+      <a:lightRig rig="threePt" dir="t"/>
+    </dgm:scene3d>
+    <dgm:sp3d/>
+    <dgm:txPr/>
+    <dgm:style>
+      <a:lnRef idx="2">
+        <a:scrgbClr r="0" g="0" b="0"/>
+      </a:lnRef>
+      <a:fillRef idx="1">
+        <a:scrgbClr r="0" g="0" b="0"/>
+      </a:fillRef>
+      <a:effectRef idx="0">
+        <a:scrgbClr r="0" g="0" b="0"/>
+      </a:effectRef>
+      <a:fontRef idx="minor">
+        <a:schemeClr val="lt1"/>
+      </a:fontRef>
+    </dgm:style>
+  </dgm:styleLbl>
+  <dgm:styleLbl name="fgImgPlace1">
+    <dgm:scene3d>
+      <a:camera prst="orthographicFront"/>
+      <a:lightRig rig="threePt" dir="t"/>
+    </dgm:scene3d>
+    <dgm:sp3d/>
+    <dgm:txPr/>
+    <dgm:style>
+      <a:lnRef idx="2">
+        <a:scrgbClr r="0" g="0" b="0"/>
+      </a:lnRef>
+      <a:fillRef idx="1">
+        <a:scrgbClr r="0" g="0" b="0"/>
+      </a:fillRef>
+      <a:effectRef idx="0">
+        <a:scrgbClr r="0" g="0" b="0"/>
+      </a:effectRef>
+      <a:fontRef idx="minor"/>
+    </dgm:style>
+  </dgm:styleLbl>
+  <dgm:styleLbl name="alignImgPlace1">
+    <dgm:scene3d>
+      <a:camera prst="orthographicFront"/>
+      <a:lightRig rig="threePt" dir="t"/>
+    </dgm:scene3d>
+    <dgm:sp3d/>
+    <dgm:txPr/>
+    <dgm:style>
+      <a:lnRef idx="2">
+        <a:scrgbClr r="0" g="0" b="0"/>
+      </a:lnRef>
+      <a:fillRef idx="1">
+        <a:scrgbClr r="0" g="0" b="0"/>
+      </a:fillRef>
+      <a:effectRef idx="0">
+        <a:scrgbClr r="0" g="0" b="0"/>
+      </a:effectRef>
+      <a:fontRef idx="minor"/>
+    </dgm:style>
+  </dgm:styleLbl>
+  <dgm:styleLbl name="bgImgPlace1">
+    <dgm:scene3d>
+      <a:camera prst="orthographicFront"/>
+      <a:lightRig rig="threePt" dir="t"/>
+    </dgm:scene3d>
+    <dgm:sp3d/>
+    <dgm:txPr/>
+    <dgm:style>
+      <a:lnRef idx="2">
+        <a:scrgbClr r="0" g="0" b="0"/>
+      </a:lnRef>
+      <a:fillRef idx="1">
+        <a:scrgbClr r="0" g="0" b="0"/>
+      </a:fillRef>
+      <a:effectRef idx="0">
+        <a:scrgbClr r="0" g="0" b="0"/>
+      </a:effectRef>
+      <a:fontRef idx="minor"/>
+    </dgm:style>
+  </dgm:styleLbl>
+  <dgm:styleLbl name="sibTrans2D1">
+    <dgm:scene3d>
+      <a:camera prst="orthographicFront"/>
+      <a:lightRig rig="threePt" dir="t"/>
+    </dgm:scene3d>
+    <dgm:sp3d/>
+    <dgm:txPr/>
+    <dgm:style>
+      <a:lnRef idx="0">
+        <a:scrgbClr r="0" g="0" b="0"/>
+      </a:lnRef>
+      <a:fillRef idx="1">
+        <a:scrgbClr r="0" g="0" b="0"/>
+      </a:fillRef>
+      <a:effectRef idx="0">
+        <a:scrgbClr r="0" g="0" b="0"/>
+      </a:effectRef>
+      <a:fontRef idx="minor">
+        <a:schemeClr val="lt1"/>
+      </a:fontRef>
+    </dgm:style>
+  </dgm:styleLbl>
+  <dgm:styleLbl name="fgSibTrans2D1">
+    <dgm:scene3d>
+      <a:camera prst="orthographicFront"/>
+      <a:lightRig rig="threePt" dir="t"/>
+    </dgm:scene3d>
+    <dgm:sp3d/>
+    <dgm:txPr/>
+    <dgm:style>
+      <a:lnRef idx="0">
+        <a:scrgbClr r="0" g="0" b="0"/>
+      </a:lnRef>
+      <a:fillRef idx="1">
+        <a:scrgbClr r="0" g="0" b="0"/>
+      </a:fillRef>
+      <a:effectRef idx="0">
+        <a:scrgbClr r="0" g="0" b="0"/>
+      </a:effectRef>
+      <a:fontRef idx="minor">
+        <a:schemeClr val="lt1"/>
+      </a:fontRef>
+    </dgm:style>
+  </dgm:styleLbl>
+  <dgm:styleLbl name="bgSibTrans2D1">
+    <dgm:scene3d>
+      <a:camera prst="orthographicFront"/>
+      <a:lightRig rig="threePt" dir="t"/>
+    </dgm:scene3d>
+    <dgm:sp3d/>
+    <dgm:txPr/>
+    <dgm:style>
+      <a:lnRef idx="0">
+        <a:scrgbClr r="0" g="0" b="0"/>
+      </a:lnRef>
+      <a:fillRef idx="1">
+        <a:scrgbClr r="0" g="0" b="0"/>
+      </a:fillRef>
+      <a:effectRef idx="0">
+        <a:scrgbClr r="0" g="0" b="0"/>
+      </a:effectRef>
+      <a:fontRef idx="minor">
+        <a:schemeClr val="lt1"/>
+      </a:fontRef>
+    </dgm:style>
+  </dgm:styleLbl>
+  <dgm:styleLbl name="sibTrans1D1">
+    <dgm:scene3d>
+      <a:camera prst="orthographicFront"/>
+      <a:lightRig rig="threePt" dir="t"/>
+    </dgm:scene3d>
+    <dgm:sp3d/>
+    <dgm:txPr/>
+    <dgm:style>
+      <a:lnRef idx="1">
+        <a:scrgbClr r="0" g="0" b="0"/>
+      </a:lnRef>
+      <a:fillRef idx="0">
+        <a:scrgbClr r="0" g="0" b="0"/>
+      </a:fillRef>
+      <a:effectRef idx="0">
+        <a:scrgbClr r="0" g="0" b="0"/>
+      </a:effectRef>
+      <a:fontRef idx="minor"/>
+    </dgm:style>
+  </dgm:styleLbl>
+  <dgm:styleLbl name="callout">
+    <dgm:scene3d>
+      <a:camera prst="orthographicFront"/>
+      <a:lightRig rig="threePt" dir="t"/>
+    </dgm:scene3d>
+    <dgm:sp3d/>
+    <dgm:txPr/>
+    <dgm:style>
+      <a:lnRef idx="2">
+        <a:scrgbClr r="0" g="0" b="0"/>
+      </a:lnRef>
+      <a:fillRef idx="1">
+        <a:scrgbClr r="0" g="0" b="0"/>
+      </a:fillRef>
+      <a:effectRef idx="0">
+        <a:scrgbClr r="0" g="0" b="0"/>
+      </a:effectRef>
+      <a:fontRef idx="minor"/>
+    </dgm:style>
+  </dgm:styleLbl>
+  <dgm:styleLbl name="asst0">
+    <dgm:scene3d>
+      <a:camera prst="orthographicFront"/>
+      <a:lightRig rig="threePt" dir="t"/>
+    </dgm:scene3d>
+    <dgm:sp3d/>
+    <dgm:txPr/>
+    <dgm:style>
+      <a:lnRef idx="2">
+        <a:scrgbClr r="0" g="0" b="0"/>
+      </a:lnRef>
+      <a:fillRef idx="1">
+        <a:scrgbClr r="0" g="0" b="0"/>
+      </a:fillRef>
+      <a:effectRef idx="0">
+        <a:scrgbClr r="0" g="0" b="0"/>
+      </a:effectRef>
+      <a:fontRef idx="minor">
+        <a:schemeClr val="lt1"/>
+      </a:fontRef>
+    </dgm:style>
+  </dgm:styleLbl>
+  <dgm:styleLbl name="asst1">
+    <dgm:scene3d>
+      <a:camera prst="orthographicFront"/>
+      <a:lightRig rig="threePt" dir="t"/>
+    </dgm:scene3d>
+    <dgm:sp3d/>
+    <dgm:txPr/>
+    <dgm:style>
+      <a:lnRef idx="2">
+        <a:scrgbClr r="0" g="0" b="0"/>
+      </a:lnRef>
+      <a:fillRef idx="1">
+        <a:scrgbClr r="0" g="0" b="0"/>
+      </a:fillRef>
+      <a:effectRef idx="0">
+        <a:scrgbClr r="0" g="0" b="0"/>
+      </a:effectRef>
+      <a:fontRef idx="minor">
+        <a:schemeClr val="lt1"/>
+      </a:fontRef>
+    </dgm:style>
+  </dgm:styleLbl>
+  <dgm:styleLbl name="asst2">
+    <dgm:scene3d>
+      <a:camera prst="orthographicFront"/>
+      <a:lightRig rig="threePt" dir="t"/>
+    </dgm:scene3d>
+    <dgm:sp3d/>
+    <dgm:txPr/>
+    <dgm:style>
+      <a:lnRef idx="2">
+        <a:scrgbClr r="0" g="0" b="0"/>
+      </a:lnRef>
+      <a:fillRef idx="1">
+        <a:scrgbClr r="0" g="0" b="0"/>
+      </a:fillRef>
+      <a:effectRef idx="0">
+        <a:scrgbClr r="0" g="0" b="0"/>
+      </a:effectRef>
+      <a:fontRef idx="minor">
+        <a:schemeClr val="lt1"/>
+      </a:fontRef>
+    </dgm:style>
+  </dgm:styleLbl>
+  <dgm:styleLbl name="asst3">
+    <dgm:scene3d>
+      <a:camera prst="orthographicFront"/>
+      <a:lightRig rig="threePt" dir="t"/>
+    </dgm:scene3d>
+    <dgm:sp3d/>
+    <dgm:txPr/>
+    <dgm:style>
+      <a:lnRef idx="2">
+        <a:scrgbClr r="0" g="0" b="0"/>
+      </a:lnRef>
+      <a:fillRef idx="1">
+        <a:scrgbClr r="0" g="0" b="0"/>
+      </a:fillRef>
+      <a:effectRef idx="0">
+        <a:scrgbClr r="0" g="0" b="0"/>
+      </a:effectRef>
+      <a:fontRef idx="minor">
+        <a:schemeClr val="lt1"/>
+      </a:fontRef>
+    </dgm:style>
+  </dgm:styleLbl>
+  <dgm:styleLbl name="asst4">
+    <dgm:scene3d>
+      <a:camera prst="orthographicFront"/>
+      <a:lightRig rig="threePt" dir="t"/>
+    </dgm:scene3d>
+    <dgm:sp3d/>
+    <dgm:txPr/>
+    <dgm:style>
+      <a:lnRef idx="2">
+        <a:scrgbClr r="0" g="0" b="0"/>
+      </a:lnRef>
+      <a:fillRef idx="1">
+        <a:scrgbClr r="0" g="0" b="0"/>
+      </a:fillRef>
+      <a:effectRef idx="0">
+        <a:scrgbClr r="0" g="0" b="0"/>
+      </a:effectRef>
+      <a:fontRef idx="minor">
+        <a:schemeClr val="lt1"/>
+      </a:fontRef>
+    </dgm:style>
+  </dgm:styleLbl>
+  <dgm:styleLbl name="parChTrans2D1">
+    <dgm:scene3d>
+      <a:camera prst="orthographicFront"/>
+      <a:lightRig rig="threePt" dir="t"/>
+    </dgm:scene3d>
+    <dgm:sp3d/>
+    <dgm:txPr/>
+    <dgm:style>
+      <a:lnRef idx="2">
+        <a:scrgbClr r="0" g="0" b="0"/>
+      </a:lnRef>
+      <a:fillRef idx="1">
+        <a:scrgbClr r="0" g="0" b="0"/>
+      </a:fillRef>
+      <a:effectRef idx="0">
+        <a:scrgbClr r="0" g="0" b="0"/>
+      </a:effectRef>
+      <a:fontRef idx="minor">
+        <a:schemeClr val="lt1"/>
+      </a:fontRef>
+    </dgm:style>
+  </dgm:styleLbl>
+  <dgm:styleLbl name="parChTrans2D2">
+    <dgm:scene3d>
+      <a:camera prst="orthographicFront"/>
+      <a:lightRig rig="threePt" dir="t"/>
+    </dgm:scene3d>
+    <dgm:sp3d/>
+    <dgm:txPr/>
+    <dgm:style>
+      <a:lnRef idx="2">
+        <a:scrgbClr r="0" g="0" b="0"/>
+      </a:lnRef>
+      <a:fillRef idx="1">
+        <a:scrgbClr r="0" g="0" b="0"/>
+      </a:fillRef>
+      <a:effectRef idx="0">
+        <a:scrgbClr r="0" g="0" b="0"/>
+      </a:effectRef>
+      <a:fontRef idx="minor">
+        <a:schemeClr val="lt1"/>
+      </a:fontRef>
+    </dgm:style>
+  </dgm:styleLbl>
+  <dgm:styleLbl name="parChTrans2D3">
+    <dgm:scene3d>
+      <a:camera prst="orthographicFront"/>
+      <a:lightRig rig="threePt" dir="t"/>
+    </dgm:scene3d>
+    <dgm:sp3d/>
+    <dgm:txPr/>
+    <dgm:style>
+      <a:lnRef idx="2">
+        <a:scrgbClr r="0" g="0" b="0"/>
+      </a:lnRef>
+      <a:fillRef idx="1">
+        <a:scrgbClr r="0" g="0" b="0"/>
+      </a:fillRef>
+      <a:effectRef idx="0">
+        <a:scrgbClr r="0" g="0" b="0"/>
+      </a:effectRef>
+      <a:fontRef idx="minor">
+        <a:schemeClr val="lt1"/>
+      </a:fontRef>
+    </dgm:style>
+  </dgm:styleLbl>
+  <dgm:styleLbl name="parChTrans2D4">
+    <dgm:scene3d>
+      <a:camera prst="orthographicFront"/>
+      <a:lightRig rig="threePt" dir="t"/>
+    </dgm:scene3d>
+    <dgm:sp3d/>
+    <dgm:txPr/>
+    <dgm:style>
+      <a:lnRef idx="2">
+        <a:scrgbClr r="0" g="0" b="0"/>
+      </a:lnRef>
+      <a:fillRef idx="1">
+        <a:scrgbClr r="0" g="0" b="0"/>
+      </a:fillRef>
+      <a:effectRef idx="0">
+        <a:scrgbClr r="0" g="0" b="0"/>
+      </a:effectRef>
+      <a:fontRef idx="minor">
+        <a:schemeClr val="lt1"/>
+      </a:fontRef>
+    </dgm:style>
+  </dgm:styleLbl>
+  <dgm:styleLbl name="parChTrans1D1">
+    <dgm:scene3d>
+      <a:camera prst="orthographicFront"/>
+      <a:lightRig rig="threePt" dir="t"/>
+    </dgm:scene3d>
+    <dgm:sp3d/>
+    <dgm:txPr/>
+    <dgm:style>
+      <a:lnRef idx="2">
+        <a:scrgbClr r="0" g="0" b="0"/>
+      </a:lnRef>
+      <a:fillRef idx="0">
+        <a:scrgbClr r="0" g="0" b="0"/>
+      </a:fillRef>
+      <a:effectRef idx="0">
+        <a:scrgbClr r="0" g="0" b="0"/>
+      </a:effectRef>
+      <a:fontRef idx="minor"/>
+    </dgm:style>
+  </dgm:styleLbl>
+  <dgm:styleLbl name="parChTrans1D2">
+    <dgm:scene3d>
+      <a:camera prst="orthographicFront"/>
+      <a:lightRig rig="threePt" dir="t"/>
+    </dgm:scene3d>
+    <dgm:sp3d/>
+    <dgm:txPr/>
+    <dgm:style>
+      <a:lnRef idx="2">
+        <a:scrgbClr r="0" g="0" b="0"/>
+      </a:lnRef>
+      <a:fillRef idx="0">
+        <a:scrgbClr r="0" g="0" b="0"/>
+      </a:fillRef>
+      <a:effectRef idx="0">
+        <a:scrgbClr r="0" g="0" b="0"/>
+      </a:effectRef>
+      <a:fontRef idx="minor"/>
+    </dgm:style>
+  </dgm:styleLbl>
+  <dgm:styleLbl name="parChTrans1D3">
+    <dgm:scene3d>
+      <a:camera prst="orthographicFront"/>
+      <a:lightRig rig="threePt" dir="t"/>
+    </dgm:scene3d>
+    <dgm:sp3d/>
+    <dgm:txPr/>
+    <dgm:style>
+      <a:lnRef idx="2">
+        <a:scrgbClr r="0" g="0" b="0"/>
+      </a:lnRef>
+      <a:fillRef idx="0">
+        <a:scrgbClr r="0" g="0" b="0"/>
+      </a:fillRef>
+      <a:effectRef idx="0">
+        <a:scrgbClr r="0" g="0" b="0"/>
+      </a:effectRef>
+      <a:fontRef idx="minor"/>
+    </dgm:style>
+  </dgm:styleLbl>
+  <dgm:styleLbl name="parChTrans1D4">
+    <dgm:scene3d>
+      <a:camera prst="orthographicFront"/>
+      <a:lightRig rig="threePt" dir="t"/>
+    </dgm:scene3d>
+    <dgm:sp3d/>
+    <dgm:txPr/>
+    <dgm:style>
+      <a:lnRef idx="2">
+        <a:scrgbClr r="0" g="0" b="0"/>
+      </a:lnRef>
+      <a:fillRef idx="0">
+        <a:scrgbClr r="0" g="0" b="0"/>
+      </a:fillRef>
+      <a:effectRef idx="0">
+        <a:scrgbClr r="0" g="0" b="0"/>
+      </a:effectRef>
+      <a:fontRef idx="minor"/>
+    </dgm:style>
+  </dgm:styleLbl>
+  <dgm:styleLbl name="fgAcc1">
+    <dgm:scene3d>
+      <a:camera prst="orthographicFront"/>
+      <a:lightRig rig="threePt" dir="t"/>
+    </dgm:scene3d>
+    <dgm:sp3d/>
+    <dgm:txPr/>
+    <dgm:style>
+      <a:lnRef idx="2">
+        <a:scrgbClr r="0" g="0" b="0"/>
+      </a:lnRef>
+      <a:fillRef idx="1">
+        <a:scrgbClr r="0" g="0" b="0"/>
+      </a:fillRef>
+      <a:effectRef idx="0">
+        <a:scrgbClr r="0" g="0" b="0"/>
+      </a:effectRef>
+      <a:fontRef idx="minor"/>
+    </dgm:style>
+  </dgm:styleLbl>
+  <dgm:styleLbl name="conFgAcc1">
+    <dgm:scene3d>
+      <a:camera prst="orthographicFront"/>
+      <a:lightRig rig="threePt" dir="t"/>
+    </dgm:scene3d>
+    <dgm:sp3d/>
+    <dgm:txPr/>
+    <dgm:style>
+      <a:lnRef idx="2">
+        <a:scrgbClr r="0" g="0" b="0"/>
+      </a:lnRef>
+      <a:fillRef idx="1">
+        <a:scrgbClr r="0" g="0" b="0"/>
+      </a:fillRef>
+      <a:effectRef idx="0">
+        <a:scrgbClr r="0" g="0" b="0"/>
+      </a:effectRef>
+      <a:fontRef idx="minor"/>
+    </dgm:style>
+  </dgm:styleLbl>
+  <dgm:styleLbl name="alignAcc1">
+    <dgm:scene3d>
+      <a:camera prst="orthographicFront"/>
+      <a:lightRig rig="threePt" dir="t"/>
+    </dgm:scene3d>
+    <dgm:sp3d/>
+    <dgm:txPr/>
+    <dgm:style>
+      <a:lnRef idx="2">
+        <a:scrgbClr r="0" g="0" b="0"/>
+      </a:lnRef>
+      <a:fillRef idx="1">
+        <a:scrgbClr r="0" g="0" b="0"/>
+      </a:fillRef>
+      <a:effectRef idx="0">
+        <a:scrgbClr r="0" g="0" b="0"/>
+      </a:effectRef>
+      <a:fontRef idx="minor"/>
+    </dgm:style>
+  </dgm:styleLbl>
+  <dgm:styleLbl name="trAlignAcc1">
+    <dgm:scene3d>
+      <a:camera prst="orthographicFront"/>
+      <a:lightRig rig="threePt" dir="t"/>
+    </dgm:scene3d>
+    <dgm:sp3d/>
+    <dgm:txPr/>
+    <dgm:style>
+      <a:lnRef idx="1">
+        <a:scrgbClr r="0" g="0" b="0"/>
+      </a:lnRef>
+      <a:fillRef idx="1">
+        <a:scrgbClr r="0" g="0" b="0"/>
+      </a:fillRef>
+      <a:effectRef idx="0">
+        <a:scrgbClr r="0" g="0" b="0"/>
+      </a:effectRef>
+      <a:fontRef idx="minor"/>
+    </dgm:style>
+  </dgm:styleLbl>
+  <dgm:styleLbl name="bgAcc1">
+    <dgm:scene3d>
+      <a:camera prst="orthographicFront"/>
+      <a:lightRig rig="threePt" dir="t"/>
+    </dgm:scene3d>
+    <dgm:sp3d/>
+    <dgm:txPr/>
+    <dgm:style>
+      <a:lnRef idx="2">
+        <a:scrgbClr r="0" g="0" b="0"/>
+      </a:lnRef>
+      <a:fillRef idx="1">
+        <a:scrgbClr r="0" g="0" b="0"/>
+      </a:fillRef>
+      <a:effectRef idx="0">
+        <a:scrgbClr r="0" g="0" b="0"/>
+      </a:effectRef>
+      <a:fontRef idx="minor"/>
+    </dgm:style>
+  </dgm:styleLbl>
+  <dgm:styleLbl name="solidFgAcc1">
+    <dgm:scene3d>
+      <a:camera prst="orthographicFront"/>
+      <a:lightRig rig="threePt" dir="t"/>
+    </dgm:scene3d>
+    <dgm:sp3d/>
+    <dgm:txPr/>
+    <dgm:style>
+      <a:lnRef idx="2">
+        <a:scrgbClr r="0" g="0" b="0"/>
+      </a:lnRef>
+      <a:fillRef idx="1">
+        <a:scrgbClr r="0" g="0" b="0"/>
+      </a:fillRef>
+      <a:effectRef idx="0">
+        <a:scrgbClr r="0" g="0" b="0"/>
+      </a:effectRef>
+      <a:fontRef idx="minor"/>
+    </dgm:style>
+  </dgm:styleLbl>
+  <dgm:styleLbl name="solidAlignAcc1">
+    <dgm:scene3d>
+      <a:camera prst="orthographicFront"/>
+      <a:lightRig rig="threePt" dir="t"/>
+    </dgm:scene3d>
+    <dgm:sp3d/>
+    <dgm:txPr/>
+    <dgm:style>
+      <a:lnRef idx="2">
+        <a:scrgbClr r="0" g="0" b="0"/>
+      </a:lnRef>
+      <a:fillRef idx="1">
+        <a:scrgbClr r="0" g="0" b="0"/>
+      </a:fillRef>
+      <a:effectRef idx="0">
+        <a:scrgbClr r="0" g="0" b="0"/>
+      </a:effectRef>
+      <a:fontRef idx="minor"/>
+    </dgm:style>
+  </dgm:styleLbl>
+  <dgm:styleLbl name="solidBgAcc1">
+    <dgm:scene3d>
+      <a:camera prst="orthographicFront"/>
+      <a:lightRig rig="threePt" dir="t"/>
+    </dgm:scene3d>
+    <dgm:sp3d/>
+    <dgm:txPr/>
+    <dgm:style>
+      <a:lnRef idx="2">
+        <a:scrgbClr r="0" g="0" b="0"/>
+      </a:lnRef>
+      <a:fillRef idx="1">
+        <a:scrgbClr r="0" g="0" b="0"/>
+      </a:fillRef>
+      <a:effectRef idx="0">
+        <a:scrgbClr r="0" g="0" b="0"/>
+      </a:effectRef>
+      <a:fontRef idx="minor"/>
+    </dgm:style>
+  </dgm:styleLbl>
+  <dgm:styleLbl name="fgAccFollowNode1">
+    <dgm:scene3d>
+      <a:camera prst="orthographicFront"/>
+      <a:lightRig rig="threePt" dir="t"/>
+    </dgm:scene3d>
+    <dgm:sp3d/>
+    <dgm:txPr/>
+    <dgm:style>
+      <a:lnRef idx="2">
+        <a:scrgbClr r="0" g="0" b="0"/>
+      </a:lnRef>
+      <a:fillRef idx="1">
+        <a:scrgbClr r="0" g="0" b="0"/>
+      </a:fillRef>
+      <a:effectRef idx="0">
+        <a:scrgbClr r="0" g="0" b="0"/>
+      </a:effectRef>
+      <a:fontRef idx="minor"/>
+    </dgm:style>
+  </dgm:styleLbl>
+  <dgm:styleLbl name="alignAccFollowNode1">
+    <dgm:scene3d>
+      <a:camera prst="orthographicFront"/>
+      <a:lightRig rig="threePt" dir="t"/>
+    </dgm:scene3d>
+    <dgm:sp3d/>
+    <dgm:txPr/>
+    <dgm:style>
+      <a:lnRef idx="2">
+        <a:scrgbClr r="0" g="0" b="0"/>
+      </a:lnRef>
+      <a:fillRef idx="1">
+        <a:scrgbClr r="0" g="0" b="0"/>
+      </a:fillRef>
+      <a:effectRef idx="0">
+        <a:scrgbClr r="0" g="0" b="0"/>
+      </a:effectRef>
+      <a:fontRef idx="minor"/>
+    </dgm:style>
+  </dgm:styleLbl>
+  <dgm:styleLbl name="bgAccFollowNode1">
+    <dgm:scene3d>
+      <a:camera prst="orthographicFront"/>
+      <a:lightRig rig="threePt" dir="t"/>
+    </dgm:scene3d>
+    <dgm:sp3d/>
+    <dgm:txPr/>
+    <dgm:style>
+      <a:lnRef idx="2">
+        <a:scrgbClr r="0" g="0" b="0"/>
+      </a:lnRef>
+      <a:fillRef idx="1">
+        <a:scrgbClr r="0" g="0" b="0"/>
+      </a:fillRef>
+      <a:effectRef idx="0">
+        <a:scrgbClr r="0" g="0" b="0"/>
+      </a:effectRef>
+      <a:fontRef idx="minor"/>
+    </dgm:style>
+  </dgm:styleLbl>
+  <dgm:styleLbl name="fgAcc0">
+    <dgm:scene3d>
+      <a:camera prst="orthographicFront"/>
+      <a:lightRig rig="threePt" dir="t"/>
+    </dgm:scene3d>
+    <dgm:sp3d/>
+    <dgm:txPr/>
+    <dgm:style>
+      <a:lnRef idx="2">
+        <a:scrgbClr r="0" g="0" b="0"/>
+      </a:lnRef>
+      <a:fillRef idx="1">
+        <a:scrgbClr r="0" g="0" b="0"/>
+      </a:fillRef>
+      <a:effectRef idx="0">
+        <a:scrgbClr r="0" g="0" b="0"/>
+      </a:effectRef>
+      <a:fontRef idx="minor"/>
+    </dgm:style>
+  </dgm:styleLbl>
+  <dgm:styleLbl name="fgAcc2">
+    <dgm:scene3d>
+      <a:camera prst="orthographicFront"/>
+      <a:lightRig rig="threePt" dir="t"/>
+    </dgm:scene3d>
+    <dgm:sp3d/>
+    <dgm:txPr/>
+    <dgm:style>
+      <a:lnRef idx="2">
+        <a:scrgbClr r="0" g="0" b="0"/>
+      </a:lnRef>
+      <a:fillRef idx="1">
+        <a:scrgbClr r="0" g="0" b="0"/>
+      </a:fillRef>
+      <a:effectRef idx="0">
+        <a:scrgbClr r="0" g="0" b="0"/>
+      </a:effectRef>
+      <a:fontRef idx="minor"/>
+    </dgm:style>
+  </dgm:styleLbl>
+  <dgm:styleLbl name="fgAcc3">
+    <dgm:scene3d>
+      <a:camera prst="orthographicFront"/>
+      <a:lightRig rig="threePt" dir="t"/>
+    </dgm:scene3d>
+    <dgm:sp3d/>
+    <dgm:txPr/>
+    <dgm:style>
+      <a:lnRef idx="2">
+        <a:scrgbClr r="0" g="0" b="0"/>
+      </a:lnRef>
+      <a:fillRef idx="1">
+        <a:scrgbClr r="0" g="0" b="0"/>
+      </a:fillRef>
+      <a:effectRef idx="0">
+        <a:scrgbClr r="0" g="0" b="0"/>
+      </a:effectRef>
+      <a:fontRef idx="minor"/>
+    </dgm:style>
+  </dgm:styleLbl>
+  <dgm:styleLbl name="fgAcc4">
+    <dgm:scene3d>
+      <a:camera prst="orthographicFront"/>
+      <a:lightRig rig="threePt" dir="t"/>
+    </dgm:scene3d>
+    <dgm:sp3d/>
+    <dgm:txPr/>
+    <dgm:style>
+      <a:lnRef idx="2">
+        <a:scrgbClr r="0" g="0" b="0"/>
+      </a:lnRef>
+      <a:fillRef idx="1">
+        <a:scrgbClr r="0" g="0" b="0"/>
+      </a:fillRef>
+      <a:effectRef idx="0">
+        <a:scrgbClr r="0" g="0" b="0"/>
+      </a:effectRef>
+      <a:fontRef idx="minor"/>
+    </dgm:style>
+  </dgm:styleLbl>
+  <dgm:styleLbl name="bgShp">
+    <dgm:scene3d>
+      <a:camera prst="orthographicFront"/>
+      <a:lightRig rig="threePt" dir="t"/>
+    </dgm:scene3d>
+    <dgm:sp3d/>
+    <dgm:txPr/>
+    <dgm:style>
+      <a:lnRef idx="0">
+        <a:scrgbClr r="0" g="0" b="0"/>
+      </a:lnRef>
+      <a:fillRef idx="1">
+        <a:scrgbClr r="0" g="0" b="0"/>
+      </a:fillRef>
+      <a:effectRef idx="0">
+        <a:scrgbClr r="0" g="0" b="0"/>
+      </a:effectRef>
+      <a:fontRef idx="minor"/>
+    </dgm:style>
+  </dgm:styleLbl>
+  <dgm:styleLbl name="dkBgShp">
+    <dgm:scene3d>
+      <a:camera prst="orthographicFront"/>
+      <a:lightRig rig="threePt" dir="t"/>
+    </dgm:scene3d>
+    <dgm:sp3d/>
+    <dgm:txPr/>
+    <dgm:style>
+      <a:lnRef idx="0">
+        <a:scrgbClr r="0" g="0" b="0"/>
+      </a:lnRef>
+      <a:fillRef idx="1">
+        <a:scrgbClr r="0" g="0" b="0"/>
+      </a:fillRef>
+      <a:effectRef idx="0">
+        <a:scrgbClr r="0" g="0" b="0"/>
+      </a:effectRef>
+      <a:fontRef idx="minor"/>
+    </dgm:style>
+  </dgm:styleLbl>
+  <dgm:styleLbl name="trBgShp">
+    <dgm:scene3d>
+      <a:camera prst="orthographicFront"/>
+      <a:lightRig rig="threePt" dir="t"/>
+    </dgm:scene3d>
+    <dgm:sp3d/>
+    <dgm:txPr/>
+    <dgm:style>
+      <a:lnRef idx="0">
+        <a:scrgbClr r="0" g="0" b="0"/>
+      </a:lnRef>
+      <a:fillRef idx="1">
+        <a:scrgbClr r="0" g="0" b="0"/>
+      </a:fillRef>
+      <a:effectRef idx="0">
+        <a:scrgbClr r="0" g="0" b="0"/>
+      </a:effectRef>
+      <a:fontRef idx="minor"/>
+    </dgm:style>
+  </dgm:styleLbl>
+  <dgm:styleLbl name="fgShp">
+    <dgm:scene3d>
+      <a:camera prst="orthographicFront"/>
+      <a:lightRig rig="threePt" dir="t"/>
+    </dgm:scene3d>
+    <dgm:sp3d/>
+    <dgm:txPr/>
+    <dgm:style>
+      <a:lnRef idx="2">
+        <a:scrgbClr r="0" g="0" b="0"/>
+      </a:lnRef>
+      <a:fillRef idx="1">
+        <a:scrgbClr r="0" g="0" b="0"/>
+      </a:fillRef>
+      <a:effectRef idx="0">
+        <a:scrgbClr r="0" g="0" b="0"/>
+      </a:effectRef>
+      <a:fontRef idx="minor"/>
+    </dgm:style>
+  </dgm:styleLbl>
+  <dgm:styleLbl name="revTx">
+    <dgm:scene3d>
+      <a:camera prst="orthographicFront"/>
+      <a:lightRig rig="threePt" dir="t"/>
+    </dgm:scene3d>
+    <dgm:sp3d/>
+    <dgm:txPr/>
+    <dgm:style>
+      <a:lnRef idx="0">
+        <a:scrgbClr r="0" g="0" b="0"/>
+      </a:lnRef>
+      <a:fillRef idx="0">
+        <a:scrgbClr r="0" g="0" b="0"/>
+      </a:fillRef>
+      <a:effectRef idx="0">
+        <a:scrgbClr r="0" g="0" b="0"/>
+      </a:effectRef>
+      <a:fontRef idx="minor"/>
+    </dgm:style>
+  </dgm:styleLbl>
+</dgm:styleDef>
+</file>
+
 <file path=ppt/diagrams/quickStyle2.xml><?xml version="1.0" encoding="utf-8"?>
 <dgm:styleDef xmlns:dgm="http://schemas.openxmlformats.org/drawingml/2006/diagram" xmlns:a="http://schemas.openxmlformats.org/drawingml/2006/main" uniqueId="urn:microsoft.com/office/officeart/2005/8/quickstyle/simple1">
   <dgm:title val=""/>
@@ -31204,7 +36672,7 @@
           <a:p>
             <a:fld id="{1EFCC690-7CBF-47E6-BE6E-0EC1C9E624CE}" type="datetimeFigureOut">
               <a:rPr lang="it-IT" smtClean="0"/>
-              <a:t>18/05/2023</a:t>
+              <a:t>23/05/2023</a:t>
             </a:fld>
             <a:endParaRPr lang="it-IT"/>
           </a:p>
@@ -31404,7 +36872,7 @@
           <a:p>
             <a:fld id="{1EFCC690-7CBF-47E6-BE6E-0EC1C9E624CE}" type="datetimeFigureOut">
               <a:rPr lang="it-IT" smtClean="0"/>
-              <a:t>18/05/2023</a:t>
+              <a:t>23/05/2023</a:t>
             </a:fld>
             <a:endParaRPr lang="it-IT"/>
           </a:p>
@@ -31614,7 +37082,7 @@
           <a:p>
             <a:fld id="{1EFCC690-7CBF-47E6-BE6E-0EC1C9E624CE}" type="datetimeFigureOut">
               <a:rPr lang="it-IT" smtClean="0"/>
-              <a:t>18/05/2023</a:t>
+              <a:t>23/05/2023</a:t>
             </a:fld>
             <a:endParaRPr lang="it-IT"/>
           </a:p>
@@ -31814,7 +37282,7 @@
           <a:p>
             <a:fld id="{1EFCC690-7CBF-47E6-BE6E-0EC1C9E624CE}" type="datetimeFigureOut">
               <a:rPr lang="it-IT" smtClean="0"/>
-              <a:t>18/05/2023</a:t>
+              <a:t>23/05/2023</a:t>
             </a:fld>
             <a:endParaRPr lang="it-IT"/>
           </a:p>
@@ -32090,7 +37558,7 @@
           <a:p>
             <a:fld id="{1EFCC690-7CBF-47E6-BE6E-0EC1C9E624CE}" type="datetimeFigureOut">
               <a:rPr lang="it-IT" smtClean="0"/>
-              <a:t>18/05/2023</a:t>
+              <a:t>23/05/2023</a:t>
             </a:fld>
             <a:endParaRPr lang="it-IT"/>
           </a:p>
@@ -32358,7 +37826,7 @@
           <a:p>
             <a:fld id="{1EFCC690-7CBF-47E6-BE6E-0EC1C9E624CE}" type="datetimeFigureOut">
               <a:rPr lang="it-IT" smtClean="0"/>
-              <a:t>18/05/2023</a:t>
+              <a:t>23/05/2023</a:t>
             </a:fld>
             <a:endParaRPr lang="it-IT"/>
           </a:p>
@@ -32773,7 +38241,7 @@
           <a:p>
             <a:fld id="{1EFCC690-7CBF-47E6-BE6E-0EC1C9E624CE}" type="datetimeFigureOut">
               <a:rPr lang="it-IT" smtClean="0"/>
-              <a:t>18/05/2023</a:t>
+              <a:t>23/05/2023</a:t>
             </a:fld>
             <a:endParaRPr lang="it-IT"/>
           </a:p>
@@ -32915,7 +38383,7 @@
           <a:p>
             <a:fld id="{1EFCC690-7CBF-47E6-BE6E-0EC1C9E624CE}" type="datetimeFigureOut">
               <a:rPr lang="it-IT" smtClean="0"/>
-              <a:t>18/05/2023</a:t>
+              <a:t>23/05/2023</a:t>
             </a:fld>
             <a:endParaRPr lang="it-IT"/>
           </a:p>
@@ -33028,7 +38496,7 @@
           <a:p>
             <a:fld id="{1EFCC690-7CBF-47E6-BE6E-0EC1C9E624CE}" type="datetimeFigureOut">
               <a:rPr lang="it-IT" smtClean="0"/>
-              <a:t>18/05/2023</a:t>
+              <a:t>23/05/2023</a:t>
             </a:fld>
             <a:endParaRPr lang="it-IT"/>
           </a:p>
@@ -33341,7 +38809,7 @@
           <a:p>
             <a:fld id="{1EFCC690-7CBF-47E6-BE6E-0EC1C9E624CE}" type="datetimeFigureOut">
               <a:rPr lang="it-IT" smtClean="0"/>
-              <a:t>18/05/2023</a:t>
+              <a:t>23/05/2023</a:t>
             </a:fld>
             <a:endParaRPr lang="it-IT"/>
           </a:p>
@@ -33630,7 +39098,7 @@
           <a:p>
             <a:fld id="{1EFCC690-7CBF-47E6-BE6E-0EC1C9E624CE}" type="datetimeFigureOut">
               <a:rPr lang="it-IT" smtClean="0"/>
-              <a:t>18/05/2023</a:t>
+              <a:t>23/05/2023</a:t>
             </a:fld>
             <a:endParaRPr lang="it-IT"/>
           </a:p>
@@ -33890,7 +39358,7 @@
           <a:p>
             <a:fld id="{1EFCC690-7CBF-47E6-BE6E-0EC1C9E624CE}" type="datetimeFigureOut">
               <a:rPr lang="it-IT" smtClean="0"/>
-              <a:t>18/05/2023</a:t>
+              <a:t>23/05/2023</a:t>
             </a:fld>
             <a:endParaRPr lang="it-IT"/>
           </a:p>
@@ -34922,7 +40390,7 @@
                     </a:srgbClr>
                   </a:outerShdw>
                 </a:effectLst>
-                <a:latin typeface="Georgia" panose="02040502050405020303" pitchFamily="18" charset="0"/>
+                <a:latin typeface="Söhne"/>
               </a:rPr>
               <a:t>Clienti privati</a:t>
             </a:r>
@@ -34944,7 +40412,7 @@
                     </a:srgbClr>
                   </a:outerShdw>
                 </a:effectLst>
-                <a:latin typeface="Georgia" panose="02040502050405020303" pitchFamily="18" charset="0"/>
+                <a:latin typeface="Söhne"/>
               </a:rPr>
               <a:t>Professionisti della ristorazione</a:t>
             </a:r>
@@ -34966,7 +40434,7 @@
                     </a:srgbClr>
                   </a:outerShdw>
                 </a:effectLst>
-                <a:latin typeface="Georgia" panose="02040502050405020303" pitchFamily="18" charset="0"/>
+                <a:latin typeface="Söhne"/>
               </a:rPr>
               <a:t>Costruttori e progettisti</a:t>
             </a:r>
@@ -34988,7 +40456,7 @@
                     </a:srgbClr>
                   </a:outerShdw>
                 </a:effectLst>
-                <a:latin typeface="Georgia" panose="02040502050405020303" pitchFamily="18" charset="0"/>
+                <a:latin typeface="Söhne"/>
               </a:rPr>
               <a:t>Distributori e rivenditori</a:t>
             </a:r>
@@ -35912,7 +41380,7 @@
                     </a:srgbClr>
                   </a:outerShdw>
                 </a:effectLst>
-                <a:latin typeface="Georgia" panose="02040502050405020303" pitchFamily="18" charset="0"/>
+                <a:latin typeface="Söhne"/>
               </a:rPr>
               <a:t>Esperienza di cucina superiore</a:t>
             </a:r>
@@ -36132,7 +41600,7 @@
                     </a:srgbClr>
                   </a:outerShdw>
                 </a:effectLst>
-                <a:latin typeface="Georgia" panose="02040502050405020303" pitchFamily="18" charset="0"/>
+                <a:latin typeface="Söhne"/>
               </a:rPr>
               <a:t>Vendita diretta</a:t>
             </a:r>
@@ -36154,7 +41622,7 @@
                     </a:srgbClr>
                   </a:outerShdw>
                 </a:effectLst>
-                <a:latin typeface="Georgia" panose="02040502050405020303" pitchFamily="18" charset="0"/>
+                <a:latin typeface="Söhne"/>
               </a:rPr>
               <a:t>Distributori e rivenditori di elettrodomestici</a:t>
             </a:r>
@@ -37167,6 +42635,961 @@
       </p:grpSpPr>
       <p:sp>
         <p:nvSpPr>
+          <p:cNvPr id="4" name="Rectangle: Rounded Corners 3">
+            <a:extLst>
+              <a:ext uri="{FF2B5EF4-FFF2-40B4-BE49-F238E27FC236}">
+                <a16:creationId xmlns:a16="http://schemas.microsoft.com/office/drawing/2014/main" id="{63269975-745B-8C6A-7A42-B8AA3B70CFEB}"/>
+              </a:ext>
+            </a:extLst>
+          </p:cNvPr>
+          <p:cNvSpPr/>
+          <p:nvPr/>
+        </p:nvSpPr>
+        <p:spPr>
+          <a:xfrm>
+            <a:off x="4712559" y="201789"/>
+            <a:ext cx="2766881" cy="859917"/>
+          </a:xfrm>
+          <a:prstGeom prst="roundRect">
+            <a:avLst/>
+          </a:prstGeom>
+          <a:solidFill>
+            <a:srgbClr val="F7E1D7"/>
+          </a:solidFill>
+          <a:ln>
+            <a:noFill/>
+          </a:ln>
+        </p:spPr>
+        <p:style>
+          <a:lnRef idx="2">
+            <a:schemeClr val="accent1">
+              <a:shade val="50000"/>
+            </a:schemeClr>
+          </a:lnRef>
+          <a:fillRef idx="1">
+            <a:schemeClr val="accent1"/>
+          </a:fillRef>
+          <a:effectRef idx="0">
+            <a:schemeClr val="accent1"/>
+          </a:effectRef>
+          <a:fontRef idx="minor">
+            <a:schemeClr val="lt1"/>
+          </a:fontRef>
+        </p:style>
+        <p:txBody>
+          <a:bodyPr rtlCol="0" anchor="ctr"/>
+          <a:lstStyle/>
+          <a:p>
+            <a:pPr algn="ctr"/>
+            <a:r>
+              <a:rPr lang="en-US" sz="3600" dirty="0">
+                <a:solidFill>
+                  <a:srgbClr val="252323"/>
+                </a:solidFill>
+              </a:rPr>
+              <a:t>Value Driven</a:t>
+            </a:r>
+            <a:endParaRPr lang="it-IT" sz="1400" dirty="0">
+              <a:solidFill>
+                <a:srgbClr val="252323"/>
+              </a:solidFill>
+            </a:endParaRPr>
+          </a:p>
+        </p:txBody>
+      </p:sp>
+      <p:graphicFrame>
+        <p:nvGraphicFramePr>
+          <p:cNvPr id="5" name="Diagram 4">
+            <a:extLst>
+              <a:ext uri="{FF2B5EF4-FFF2-40B4-BE49-F238E27FC236}">
+                <a16:creationId xmlns:a16="http://schemas.microsoft.com/office/drawing/2014/main" id="{C2DFDB48-BD9E-74CD-2A0D-875788D0FC07}"/>
+              </a:ext>
+            </a:extLst>
+          </p:cNvPr>
+          <p:cNvGraphicFramePr/>
+          <p:nvPr>
+            <p:extLst>
+              <p:ext uri="{D42A27DB-BD31-4B8C-83A1-F6EECF244321}">
+                <p14:modId xmlns:p14="http://schemas.microsoft.com/office/powerpoint/2010/main" val="728401218"/>
+              </p:ext>
+            </p:extLst>
+          </p:nvPr>
+        </p:nvGraphicFramePr>
+        <p:xfrm>
+          <a:off x="105296" y="6073892"/>
+          <a:ext cx="5529811" cy="959860"/>
+        </p:xfrm>
+        <a:graphic>
+          <a:graphicData uri="http://schemas.openxmlformats.org/drawingml/2006/diagram">
+            <dgm:relIds xmlns:dgm="http://schemas.openxmlformats.org/drawingml/2006/diagram" xmlns:r="http://schemas.openxmlformats.org/officeDocument/2006/relationships" r:dm="rId2" r:lo="rId3" r:qs="rId4" r:cs="rId5"/>
+          </a:graphicData>
+        </a:graphic>
+      </p:graphicFrame>
+      <p:pic>
+        <p:nvPicPr>
+          <p:cNvPr id="6" name="Picture 5" descr="Icon&#10;&#10;Description automatically generated">
+            <a:extLst>
+              <a:ext uri="{FF2B5EF4-FFF2-40B4-BE49-F238E27FC236}">
+                <a16:creationId xmlns:a16="http://schemas.microsoft.com/office/drawing/2014/main" id="{1157EAFC-088A-3686-56DE-579572F2956E}"/>
+              </a:ext>
+            </a:extLst>
+          </p:cNvPr>
+          <p:cNvPicPr>
+            <a:picLocks noChangeAspect="1"/>
+          </p:cNvPicPr>
+          <p:nvPr/>
+        </p:nvPicPr>
+        <p:blipFill>
+          <a:blip r:embed="rId7">
+            <a:extLst>
+              <a:ext uri="{28A0092B-C50C-407E-A947-70E740481C1C}">
+                <a14:useLocalDpi xmlns:a14="http://schemas.microsoft.com/office/drawing/2010/main" val="0"/>
+              </a:ext>
+            </a:extLst>
+          </a:blip>
+          <a:stretch>
+            <a:fillRect/>
+          </a:stretch>
+        </p:blipFill>
+        <p:spPr>
+          <a:xfrm>
+            <a:off x="405937" y="6319835"/>
+            <a:ext cx="506849" cy="506849"/>
+          </a:xfrm>
+          <a:prstGeom prst="rect">
+            <a:avLst/>
+          </a:prstGeom>
+        </p:spPr>
+      </p:pic>
+      <p:pic>
+        <p:nvPicPr>
+          <p:cNvPr id="7" name="Picture 6" descr="Icon&#10;&#10;Description automatically generated">
+            <a:extLst>
+              <a:ext uri="{FF2B5EF4-FFF2-40B4-BE49-F238E27FC236}">
+                <a16:creationId xmlns:a16="http://schemas.microsoft.com/office/drawing/2014/main" id="{B38647C0-7B3F-1844-DA94-D9A272E22ECD}"/>
+              </a:ext>
+            </a:extLst>
+          </p:cNvPr>
+          <p:cNvPicPr>
+            <a:picLocks noChangeAspect="1"/>
+          </p:cNvPicPr>
+          <p:nvPr/>
+        </p:nvPicPr>
+        <p:blipFill>
+          <a:blip r:embed="rId8">
+            <a:extLst>
+              <a:ext uri="{28A0092B-C50C-407E-A947-70E740481C1C}">
+                <a14:useLocalDpi xmlns:a14="http://schemas.microsoft.com/office/drawing/2010/main" val="0"/>
+              </a:ext>
+            </a:extLst>
+          </a:blip>
+          <a:stretch>
+            <a:fillRect/>
+          </a:stretch>
+        </p:blipFill>
+        <p:spPr>
+          <a:xfrm flipH="1">
+            <a:off x="1543093" y="6348625"/>
+            <a:ext cx="431280" cy="431280"/>
+          </a:xfrm>
+          <a:prstGeom prst="rect">
+            <a:avLst/>
+          </a:prstGeom>
+        </p:spPr>
+      </p:pic>
+      <p:pic>
+        <p:nvPicPr>
+          <p:cNvPr id="8" name="Picture 7" descr="Icon&#10;&#10;Description automatically generated">
+            <a:extLst>
+              <a:ext uri="{FF2B5EF4-FFF2-40B4-BE49-F238E27FC236}">
+                <a16:creationId xmlns:a16="http://schemas.microsoft.com/office/drawing/2014/main" id="{BA2BF55B-755C-7FB6-6940-D46BA7B93951}"/>
+              </a:ext>
+            </a:extLst>
+          </p:cNvPr>
+          <p:cNvPicPr>
+            <a:picLocks noChangeAspect="1"/>
+          </p:cNvPicPr>
+          <p:nvPr/>
+        </p:nvPicPr>
+        <p:blipFill>
+          <a:blip r:embed="rId9">
+            <a:extLst>
+              <a:ext uri="{28A0092B-C50C-407E-A947-70E740481C1C}">
+                <a14:useLocalDpi xmlns:a14="http://schemas.microsoft.com/office/drawing/2010/main" val="0"/>
+              </a:ext>
+            </a:extLst>
+          </a:blip>
+          <a:stretch>
+            <a:fillRect/>
+          </a:stretch>
+        </p:blipFill>
+        <p:spPr>
+          <a:xfrm>
+            <a:off x="3689541" y="6325475"/>
+            <a:ext cx="475152" cy="475152"/>
+          </a:xfrm>
+          <a:prstGeom prst="rect">
+            <a:avLst/>
+          </a:prstGeom>
+        </p:spPr>
+      </p:pic>
+      <p:pic>
+        <p:nvPicPr>
+          <p:cNvPr id="9" name="Picture 8" descr="Icon&#10;&#10;Description automatically generated">
+            <a:extLst>
+              <a:ext uri="{FF2B5EF4-FFF2-40B4-BE49-F238E27FC236}">
+                <a16:creationId xmlns:a16="http://schemas.microsoft.com/office/drawing/2014/main" id="{1CFB1056-60E8-F93A-D2D4-58EB1337738E}"/>
+              </a:ext>
+            </a:extLst>
+          </p:cNvPr>
+          <p:cNvPicPr>
+            <a:picLocks noChangeAspect="1"/>
+          </p:cNvPicPr>
+          <p:nvPr/>
+        </p:nvPicPr>
+        <p:blipFill>
+          <a:blip r:embed="rId10">
+            <a:extLst>
+              <a:ext uri="{28A0092B-C50C-407E-A947-70E740481C1C}">
+                <a14:useLocalDpi xmlns:a14="http://schemas.microsoft.com/office/drawing/2010/main" val="0"/>
+              </a:ext>
+            </a:extLst>
+          </a:blip>
+          <a:stretch>
+            <a:fillRect/>
+          </a:stretch>
+        </p:blipFill>
+        <p:spPr>
+          <a:xfrm>
+            <a:off x="4795000" y="6387823"/>
+            <a:ext cx="400396" cy="400396"/>
+          </a:xfrm>
+          <a:prstGeom prst="rect">
+            <a:avLst/>
+          </a:prstGeom>
+        </p:spPr>
+      </p:pic>
+      <p:pic>
+        <p:nvPicPr>
+          <p:cNvPr id="10" name="Picture 9" descr="A picture containing icon&#10;&#10;Description automatically generated">
+            <a:extLst>
+              <a:ext uri="{FF2B5EF4-FFF2-40B4-BE49-F238E27FC236}">
+                <a16:creationId xmlns:a16="http://schemas.microsoft.com/office/drawing/2014/main" id="{9B27C3C0-532B-DD41-603D-3583CB89F6E1}"/>
+              </a:ext>
+            </a:extLst>
+          </p:cNvPr>
+          <p:cNvPicPr>
+            <a:picLocks noChangeAspect="1"/>
+          </p:cNvPicPr>
+          <p:nvPr/>
+        </p:nvPicPr>
+        <p:blipFill>
+          <a:blip r:embed="rId11">
+            <a:extLst>
+              <a:ext uri="{28A0092B-C50C-407E-A947-70E740481C1C}">
+                <a14:useLocalDpi xmlns:a14="http://schemas.microsoft.com/office/drawing/2010/main" val="0"/>
+              </a:ext>
+            </a:extLst>
+          </a:blip>
+          <a:stretch>
+            <a:fillRect/>
+          </a:stretch>
+        </p:blipFill>
+        <p:spPr>
+          <a:xfrm>
+            <a:off x="2616878" y="6153857"/>
+            <a:ext cx="651140" cy="651140"/>
+          </a:xfrm>
+          <a:prstGeom prst="rect">
+            <a:avLst/>
+          </a:prstGeom>
+        </p:spPr>
+      </p:pic>
+      <p:pic>
+        <p:nvPicPr>
+          <p:cNvPr id="11" name="Elemento grafico 55" descr="Monete con riempimento a tinta unita">
+            <a:extLst>
+              <a:ext uri="{FF2B5EF4-FFF2-40B4-BE49-F238E27FC236}">
+                <a16:creationId xmlns:a16="http://schemas.microsoft.com/office/drawing/2014/main" id="{F9E40665-C9F7-D3E4-6E16-9DB584568C70}"/>
+              </a:ext>
+            </a:extLst>
+          </p:cNvPr>
+          <p:cNvPicPr>
+            <a:picLocks noChangeAspect="1"/>
+          </p:cNvPicPr>
+          <p:nvPr/>
+        </p:nvPicPr>
+        <p:blipFill>
+          <a:blip r:embed="rId12">
+            <a:extLst>
+              <a:ext uri="{28A0092B-C50C-407E-A947-70E740481C1C}">
+                <a14:useLocalDpi xmlns:a14="http://schemas.microsoft.com/office/drawing/2010/main" val="0"/>
+              </a:ext>
+              <a:ext uri="{96DAC541-7B7A-43D3-8B79-37D633B846F1}">
+                <asvg:svgBlip xmlns:asvg="http://schemas.microsoft.com/office/drawing/2016/SVG/main" r:embed="rId13"/>
+              </a:ext>
+            </a:extLst>
+          </a:blip>
+          <a:stretch>
+            <a:fillRect/>
+          </a:stretch>
+        </p:blipFill>
+        <p:spPr>
+          <a:xfrm>
+            <a:off x="9169879" y="4997319"/>
+            <a:ext cx="583000" cy="583000"/>
+          </a:xfrm>
+          <a:prstGeom prst="rect">
+            <a:avLst/>
+          </a:prstGeom>
+        </p:spPr>
+      </p:pic>
+      <p:pic>
+        <p:nvPicPr>
+          <p:cNvPr id="12" name="Elemento grafico 57" descr="Cuore con riempimento a tinta unita">
+            <a:extLst>
+              <a:ext uri="{FF2B5EF4-FFF2-40B4-BE49-F238E27FC236}">
+                <a16:creationId xmlns:a16="http://schemas.microsoft.com/office/drawing/2014/main" id="{CDD2B93B-6088-B88D-E7D1-62ACA7EF6ADA}"/>
+              </a:ext>
+            </a:extLst>
+          </p:cNvPr>
+          <p:cNvPicPr>
+            <a:picLocks noChangeAspect="1"/>
+          </p:cNvPicPr>
+          <p:nvPr/>
+        </p:nvPicPr>
+        <p:blipFill>
+          <a:blip r:embed="rId14">
+            <a:extLst>
+              <a:ext uri="{28A0092B-C50C-407E-A947-70E740481C1C}">
+                <a14:useLocalDpi xmlns:a14="http://schemas.microsoft.com/office/drawing/2010/main" val="0"/>
+              </a:ext>
+              <a:ext uri="{96DAC541-7B7A-43D3-8B79-37D633B846F1}">
+                <asvg:svgBlip xmlns:asvg="http://schemas.microsoft.com/office/drawing/2016/SVG/main" r:embed="rId15"/>
+              </a:ext>
+            </a:extLst>
+          </a:blip>
+          <a:stretch>
+            <a:fillRect/>
+          </a:stretch>
+        </p:blipFill>
+        <p:spPr>
+          <a:xfrm>
+            <a:off x="2218532" y="4950355"/>
+            <a:ext cx="595276" cy="595276"/>
+          </a:xfrm>
+          <a:prstGeom prst="rect">
+            <a:avLst/>
+          </a:prstGeom>
+        </p:spPr>
+      </p:pic>
+      <p:pic>
+        <p:nvPicPr>
+          <p:cNvPr id="13" name="Elemento grafico 1026" descr="Barra multifunzione con riempimento a tinta unita">
+            <a:extLst>
+              <a:ext uri="{FF2B5EF4-FFF2-40B4-BE49-F238E27FC236}">
+                <a16:creationId xmlns:a16="http://schemas.microsoft.com/office/drawing/2014/main" id="{7A62CB87-B68D-AD26-A659-7E18E05E23AE}"/>
+              </a:ext>
+            </a:extLst>
+          </p:cNvPr>
+          <p:cNvPicPr>
+            <a:picLocks noChangeAspect="1"/>
+          </p:cNvPicPr>
+          <p:nvPr/>
+        </p:nvPicPr>
+        <p:blipFill>
+          <a:blip r:embed="rId16">
+            <a:extLst>
+              <a:ext uri="{28A0092B-C50C-407E-A947-70E740481C1C}">
+                <a14:useLocalDpi xmlns:a14="http://schemas.microsoft.com/office/drawing/2010/main" val="0"/>
+              </a:ext>
+              <a:ext uri="{96DAC541-7B7A-43D3-8B79-37D633B846F1}">
+                <asvg:svgBlip xmlns:asvg="http://schemas.microsoft.com/office/drawing/2016/SVG/main" r:embed="rId17"/>
+              </a:ext>
+            </a:extLst>
+          </a:blip>
+          <a:stretch>
+            <a:fillRect/>
+          </a:stretch>
+        </p:blipFill>
+        <p:spPr>
+          <a:xfrm>
+            <a:off x="2326406" y="1425442"/>
+            <a:ext cx="580944" cy="580944"/>
+          </a:xfrm>
+          <a:prstGeom prst="rect">
+            <a:avLst/>
+          </a:prstGeom>
+        </p:spPr>
+      </p:pic>
+      <p:pic>
+        <p:nvPicPr>
+          <p:cNvPr id="14" name="Elemento grafico 1035" descr="Consegna con riempimento a tinta unita">
+            <a:extLst>
+              <a:ext uri="{FF2B5EF4-FFF2-40B4-BE49-F238E27FC236}">
+                <a16:creationId xmlns:a16="http://schemas.microsoft.com/office/drawing/2014/main" id="{4FBCDB01-632F-D644-11B8-2841992CA2B1}"/>
+              </a:ext>
+            </a:extLst>
+          </p:cNvPr>
+          <p:cNvPicPr>
+            <a:picLocks noChangeAspect="1"/>
+          </p:cNvPicPr>
+          <p:nvPr/>
+        </p:nvPicPr>
+        <p:blipFill>
+          <a:blip r:embed="rId18">
+            <a:extLst>
+              <a:ext uri="{28A0092B-C50C-407E-A947-70E740481C1C}">
+                <a14:useLocalDpi xmlns:a14="http://schemas.microsoft.com/office/drawing/2010/main" val="0"/>
+              </a:ext>
+              <a:ext uri="{96DAC541-7B7A-43D3-8B79-37D633B846F1}">
+                <asvg:svgBlip xmlns:asvg="http://schemas.microsoft.com/office/drawing/2016/SVG/main" r:embed="rId19"/>
+              </a:ext>
+            </a:extLst>
+          </a:blip>
+          <a:stretch>
+            <a:fillRect/>
+          </a:stretch>
+        </p:blipFill>
+        <p:spPr>
+          <a:xfrm>
+            <a:off x="5502897" y="3095459"/>
+            <a:ext cx="716851" cy="716851"/>
+          </a:xfrm>
+          <a:prstGeom prst="rect">
+            <a:avLst/>
+          </a:prstGeom>
+        </p:spPr>
+      </p:pic>
+      <p:pic>
+        <p:nvPicPr>
+          <p:cNvPr id="15" name="Elemento grafico 1041" descr="Gruppo di persone con riempimento a tinta unita">
+            <a:extLst>
+              <a:ext uri="{FF2B5EF4-FFF2-40B4-BE49-F238E27FC236}">
+                <a16:creationId xmlns:a16="http://schemas.microsoft.com/office/drawing/2014/main" id="{D6AA06C0-A943-8AB2-AA96-4CACC2C62194}"/>
+              </a:ext>
+            </a:extLst>
+          </p:cNvPr>
+          <p:cNvPicPr>
+            <a:picLocks noChangeAspect="1"/>
+          </p:cNvPicPr>
+          <p:nvPr/>
+        </p:nvPicPr>
+        <p:blipFill>
+          <a:blip r:embed="rId20">
+            <a:extLst>
+              <a:ext uri="{28A0092B-C50C-407E-A947-70E740481C1C}">
+                <a14:useLocalDpi xmlns:a14="http://schemas.microsoft.com/office/drawing/2010/main" val="0"/>
+              </a:ext>
+              <a:ext uri="{96DAC541-7B7A-43D3-8B79-37D633B846F1}">
+                <asvg:svgBlip xmlns:asvg="http://schemas.microsoft.com/office/drawing/2016/SVG/main" r:embed="rId21"/>
+              </a:ext>
+            </a:extLst>
+          </a:blip>
+          <a:stretch>
+            <a:fillRect/>
+          </a:stretch>
+        </p:blipFill>
+        <p:spPr>
+          <a:xfrm>
+            <a:off x="9197609" y="1486962"/>
+            <a:ext cx="519424" cy="519424"/>
+          </a:xfrm>
+          <a:prstGeom prst="rect">
+            <a:avLst/>
+          </a:prstGeom>
+        </p:spPr>
+      </p:pic>
+    </p:spTree>
+    <p:extLst>
+      <p:ext uri="{BB962C8B-B14F-4D97-AF65-F5344CB8AC3E}">
+        <p14:creationId xmlns:p14="http://schemas.microsoft.com/office/powerpoint/2010/main" val="3095271919"/>
+      </p:ext>
+    </p:extLst>
+  </p:cSld>
+  <p:clrMapOvr>
+    <a:masterClrMapping/>
+  </p:clrMapOvr>
+</p:sld>
+</file>
+
+<file path=ppt/slides/slide12.xml><?xml version="1.0" encoding="utf-8"?>
+<p:sld xmlns:a="http://schemas.openxmlformats.org/drawingml/2006/main" xmlns:r="http://schemas.openxmlformats.org/officeDocument/2006/relationships" xmlns:p="http://schemas.openxmlformats.org/presentationml/2006/main">
+  <p:cSld>
+    <p:spTree>
+      <p:nvGrpSpPr>
+        <p:cNvPr id="1" name=""/>
+        <p:cNvGrpSpPr/>
+        <p:nvPr/>
+      </p:nvGrpSpPr>
+      <p:grpSpPr>
+        <a:xfrm>
+          <a:off x="0" y="0"/>
+          <a:ext cx="0" cy="0"/>
+          <a:chOff x="0" y="0"/>
+          <a:chExt cx="0" cy="0"/>
+        </a:xfrm>
+      </p:grpSpPr>
+      <p:sp>
+        <p:nvSpPr>
+          <p:cNvPr id="2" name="Rectangle: Rounded Corners 1">
+            <a:extLst>
+              <a:ext uri="{FF2B5EF4-FFF2-40B4-BE49-F238E27FC236}">
+                <a16:creationId xmlns:a16="http://schemas.microsoft.com/office/drawing/2014/main" id="{952CCC14-86B6-EF3E-71F1-2AA655DF60D9}"/>
+              </a:ext>
+            </a:extLst>
+          </p:cNvPr>
+          <p:cNvSpPr/>
+          <p:nvPr/>
+        </p:nvSpPr>
+        <p:spPr>
+          <a:xfrm>
+            <a:off x="4811763" y="230430"/>
+            <a:ext cx="2568473" cy="859917"/>
+          </a:xfrm>
+          <a:prstGeom prst="roundRect">
+            <a:avLst/>
+          </a:prstGeom>
+          <a:solidFill>
+            <a:srgbClr val="F7E1D7"/>
+          </a:solidFill>
+          <a:ln>
+            <a:noFill/>
+          </a:ln>
+        </p:spPr>
+        <p:style>
+          <a:lnRef idx="2">
+            <a:schemeClr val="accent1">
+              <a:shade val="50000"/>
+            </a:schemeClr>
+          </a:lnRef>
+          <a:fillRef idx="1">
+            <a:schemeClr val="accent1"/>
+          </a:fillRef>
+          <a:effectRef idx="0">
+            <a:schemeClr val="accent1"/>
+          </a:effectRef>
+          <a:fontRef idx="minor">
+            <a:schemeClr val="lt1"/>
+          </a:fontRef>
+        </p:style>
+        <p:txBody>
+          <a:bodyPr rtlCol="0" anchor="ctr"/>
+          <a:lstStyle/>
+          <a:p>
+            <a:pPr algn="ctr"/>
+            <a:r>
+              <a:rPr lang="en-US" sz="3600" dirty="0">
+                <a:solidFill>
+                  <a:srgbClr val="252323"/>
+                </a:solidFill>
+              </a:rPr>
+              <a:t>Cost Driven</a:t>
+            </a:r>
+            <a:endParaRPr lang="it-IT" sz="1400" dirty="0">
+              <a:solidFill>
+                <a:srgbClr val="252323"/>
+              </a:solidFill>
+            </a:endParaRPr>
+          </a:p>
+        </p:txBody>
+      </p:sp>
+      <p:graphicFrame>
+        <p:nvGraphicFramePr>
+          <p:cNvPr id="3" name="Diagram 2">
+            <a:extLst>
+              <a:ext uri="{FF2B5EF4-FFF2-40B4-BE49-F238E27FC236}">
+                <a16:creationId xmlns:a16="http://schemas.microsoft.com/office/drawing/2014/main" id="{A1A9A2E3-9856-44F9-C026-439714B4AEDF}"/>
+              </a:ext>
+            </a:extLst>
+          </p:cNvPr>
+          <p:cNvGraphicFramePr/>
+          <p:nvPr>
+            <p:extLst>
+              <p:ext uri="{D42A27DB-BD31-4B8C-83A1-F6EECF244321}">
+                <p14:modId xmlns:p14="http://schemas.microsoft.com/office/powerpoint/2010/main" val="728401218"/>
+              </p:ext>
+            </p:extLst>
+          </p:nvPr>
+        </p:nvGraphicFramePr>
+        <p:xfrm>
+          <a:off x="105296" y="6073892"/>
+          <a:ext cx="5529811" cy="959860"/>
+        </p:xfrm>
+        <a:graphic>
+          <a:graphicData uri="http://schemas.openxmlformats.org/drawingml/2006/diagram">
+            <dgm:relIds xmlns:dgm="http://schemas.openxmlformats.org/drawingml/2006/diagram" xmlns:r="http://schemas.openxmlformats.org/officeDocument/2006/relationships" r:dm="rId2" r:lo="rId3" r:qs="rId4" r:cs="rId5"/>
+          </a:graphicData>
+        </a:graphic>
+      </p:graphicFrame>
+      <p:pic>
+        <p:nvPicPr>
+          <p:cNvPr id="4" name="Picture 3" descr="Icon&#10;&#10;Description automatically generated">
+            <a:extLst>
+              <a:ext uri="{FF2B5EF4-FFF2-40B4-BE49-F238E27FC236}">
+                <a16:creationId xmlns:a16="http://schemas.microsoft.com/office/drawing/2014/main" id="{18D508A0-5CF1-CA76-0FF7-85056C47624E}"/>
+              </a:ext>
+            </a:extLst>
+          </p:cNvPr>
+          <p:cNvPicPr>
+            <a:picLocks noChangeAspect="1"/>
+          </p:cNvPicPr>
+          <p:nvPr/>
+        </p:nvPicPr>
+        <p:blipFill>
+          <a:blip r:embed="rId7">
+            <a:extLst>
+              <a:ext uri="{28A0092B-C50C-407E-A947-70E740481C1C}">
+                <a14:useLocalDpi xmlns:a14="http://schemas.microsoft.com/office/drawing/2010/main" val="0"/>
+              </a:ext>
+            </a:extLst>
+          </a:blip>
+          <a:stretch>
+            <a:fillRect/>
+          </a:stretch>
+        </p:blipFill>
+        <p:spPr>
+          <a:xfrm>
+            <a:off x="405937" y="6319835"/>
+            <a:ext cx="506849" cy="506849"/>
+          </a:xfrm>
+          <a:prstGeom prst="rect">
+            <a:avLst/>
+          </a:prstGeom>
+        </p:spPr>
+      </p:pic>
+      <p:pic>
+        <p:nvPicPr>
+          <p:cNvPr id="5" name="Picture 4" descr="Icon&#10;&#10;Description automatically generated">
+            <a:extLst>
+              <a:ext uri="{FF2B5EF4-FFF2-40B4-BE49-F238E27FC236}">
+                <a16:creationId xmlns:a16="http://schemas.microsoft.com/office/drawing/2014/main" id="{8A2DB2A9-C3A7-D53F-4FBF-882FB4DF4E50}"/>
+              </a:ext>
+            </a:extLst>
+          </p:cNvPr>
+          <p:cNvPicPr>
+            <a:picLocks noChangeAspect="1"/>
+          </p:cNvPicPr>
+          <p:nvPr/>
+        </p:nvPicPr>
+        <p:blipFill>
+          <a:blip r:embed="rId8">
+            <a:extLst>
+              <a:ext uri="{28A0092B-C50C-407E-A947-70E740481C1C}">
+                <a14:useLocalDpi xmlns:a14="http://schemas.microsoft.com/office/drawing/2010/main" val="0"/>
+              </a:ext>
+            </a:extLst>
+          </a:blip>
+          <a:stretch>
+            <a:fillRect/>
+          </a:stretch>
+        </p:blipFill>
+        <p:spPr>
+          <a:xfrm flipH="1">
+            <a:off x="1543093" y="6348625"/>
+            <a:ext cx="431280" cy="431280"/>
+          </a:xfrm>
+          <a:prstGeom prst="rect">
+            <a:avLst/>
+          </a:prstGeom>
+        </p:spPr>
+      </p:pic>
+      <p:pic>
+        <p:nvPicPr>
+          <p:cNvPr id="6" name="Picture 5" descr="Icon&#10;&#10;Description automatically generated">
+            <a:extLst>
+              <a:ext uri="{FF2B5EF4-FFF2-40B4-BE49-F238E27FC236}">
+                <a16:creationId xmlns:a16="http://schemas.microsoft.com/office/drawing/2014/main" id="{0668298C-76F7-774E-CFEF-65A748A18B10}"/>
+              </a:ext>
+            </a:extLst>
+          </p:cNvPr>
+          <p:cNvPicPr>
+            <a:picLocks noChangeAspect="1"/>
+          </p:cNvPicPr>
+          <p:nvPr/>
+        </p:nvPicPr>
+        <p:blipFill>
+          <a:blip r:embed="rId9">
+            <a:extLst>
+              <a:ext uri="{28A0092B-C50C-407E-A947-70E740481C1C}">
+                <a14:useLocalDpi xmlns:a14="http://schemas.microsoft.com/office/drawing/2010/main" val="0"/>
+              </a:ext>
+            </a:extLst>
+          </a:blip>
+          <a:stretch>
+            <a:fillRect/>
+          </a:stretch>
+        </p:blipFill>
+        <p:spPr>
+          <a:xfrm>
+            <a:off x="3689541" y="6325475"/>
+            <a:ext cx="475152" cy="475152"/>
+          </a:xfrm>
+          <a:prstGeom prst="rect">
+            <a:avLst/>
+          </a:prstGeom>
+        </p:spPr>
+      </p:pic>
+      <p:pic>
+        <p:nvPicPr>
+          <p:cNvPr id="7" name="Picture 6" descr="Icon&#10;&#10;Description automatically generated">
+            <a:extLst>
+              <a:ext uri="{FF2B5EF4-FFF2-40B4-BE49-F238E27FC236}">
+                <a16:creationId xmlns:a16="http://schemas.microsoft.com/office/drawing/2014/main" id="{F799390C-F406-B40E-D9B8-01AFB7485A4C}"/>
+              </a:ext>
+            </a:extLst>
+          </p:cNvPr>
+          <p:cNvPicPr>
+            <a:picLocks noChangeAspect="1"/>
+          </p:cNvPicPr>
+          <p:nvPr/>
+        </p:nvPicPr>
+        <p:blipFill>
+          <a:blip r:embed="rId10">
+            <a:extLst>
+              <a:ext uri="{28A0092B-C50C-407E-A947-70E740481C1C}">
+                <a14:useLocalDpi xmlns:a14="http://schemas.microsoft.com/office/drawing/2010/main" val="0"/>
+              </a:ext>
+            </a:extLst>
+          </a:blip>
+          <a:stretch>
+            <a:fillRect/>
+          </a:stretch>
+        </p:blipFill>
+        <p:spPr>
+          <a:xfrm>
+            <a:off x="4795000" y="6387823"/>
+            <a:ext cx="400396" cy="400396"/>
+          </a:xfrm>
+          <a:prstGeom prst="rect">
+            <a:avLst/>
+          </a:prstGeom>
+        </p:spPr>
+      </p:pic>
+      <p:pic>
+        <p:nvPicPr>
+          <p:cNvPr id="8" name="Picture 7" descr="A picture containing icon&#10;&#10;Description automatically generated">
+            <a:extLst>
+              <a:ext uri="{FF2B5EF4-FFF2-40B4-BE49-F238E27FC236}">
+                <a16:creationId xmlns:a16="http://schemas.microsoft.com/office/drawing/2014/main" id="{CB0D921F-50B0-019A-17C7-4780AD2BB511}"/>
+              </a:ext>
+            </a:extLst>
+          </p:cNvPr>
+          <p:cNvPicPr>
+            <a:picLocks noChangeAspect="1"/>
+          </p:cNvPicPr>
+          <p:nvPr/>
+        </p:nvPicPr>
+        <p:blipFill>
+          <a:blip r:embed="rId11">
+            <a:extLst>
+              <a:ext uri="{28A0092B-C50C-407E-A947-70E740481C1C}">
+                <a14:useLocalDpi xmlns:a14="http://schemas.microsoft.com/office/drawing/2010/main" val="0"/>
+              </a:ext>
+            </a:extLst>
+          </a:blip>
+          <a:stretch>
+            <a:fillRect/>
+          </a:stretch>
+        </p:blipFill>
+        <p:spPr>
+          <a:xfrm>
+            <a:off x="2616878" y="6153857"/>
+            <a:ext cx="651140" cy="651140"/>
+          </a:xfrm>
+          <a:prstGeom prst="rect">
+            <a:avLst/>
+          </a:prstGeom>
+        </p:spPr>
+      </p:pic>
+      <p:pic>
+        <p:nvPicPr>
+          <p:cNvPr id="9" name="Elemento grafico 1023" descr="Lavoro con riempimento a tinta unita">
+            <a:extLst>
+              <a:ext uri="{FF2B5EF4-FFF2-40B4-BE49-F238E27FC236}">
+                <a16:creationId xmlns:a16="http://schemas.microsoft.com/office/drawing/2014/main" id="{2B408A45-A905-2059-4425-55386A5DF3E1}"/>
+              </a:ext>
+            </a:extLst>
+          </p:cNvPr>
+          <p:cNvPicPr>
+            <a:picLocks noChangeAspect="1"/>
+          </p:cNvPicPr>
+          <p:nvPr/>
+        </p:nvPicPr>
+        <p:blipFill>
+          <a:blip r:embed="rId12">
+            <a:extLst>
+              <a:ext uri="{28A0092B-C50C-407E-A947-70E740481C1C}">
+                <a14:useLocalDpi xmlns:a14="http://schemas.microsoft.com/office/drawing/2010/main" val="0"/>
+              </a:ext>
+              <a:ext uri="{96DAC541-7B7A-43D3-8B79-37D633B846F1}">
+                <asvg:svgBlip xmlns:asvg="http://schemas.microsoft.com/office/drawing/2016/SVG/main" r:embed="rId13"/>
+              </a:ext>
+            </a:extLst>
+          </a:blip>
+          <a:stretch>
+            <a:fillRect/>
+          </a:stretch>
+        </p:blipFill>
+        <p:spPr>
+          <a:xfrm>
+            <a:off x="7711684" y="1343893"/>
+            <a:ext cx="675206" cy="675206"/>
+          </a:xfrm>
+          <a:prstGeom prst="rect">
+            <a:avLst/>
+          </a:prstGeom>
+        </p:spPr>
+      </p:pic>
+      <p:pic>
+        <p:nvPicPr>
+          <p:cNvPr id="10" name="Elemento grafico 1030" descr="Sala riunioni con riempimento a tinta unita">
+            <a:extLst>
+              <a:ext uri="{FF2B5EF4-FFF2-40B4-BE49-F238E27FC236}">
+                <a16:creationId xmlns:a16="http://schemas.microsoft.com/office/drawing/2014/main" id="{01616136-6E31-E00C-9270-4BCC1B9F1F74}"/>
+              </a:ext>
+            </a:extLst>
+          </p:cNvPr>
+          <p:cNvPicPr>
+            <a:picLocks noChangeAspect="1"/>
+          </p:cNvPicPr>
+          <p:nvPr/>
+        </p:nvPicPr>
+        <p:blipFill>
+          <a:blip r:embed="rId14">
+            <a:extLst>
+              <a:ext uri="{28A0092B-C50C-407E-A947-70E740481C1C}">
+                <a14:useLocalDpi xmlns:a14="http://schemas.microsoft.com/office/drawing/2010/main" val="0"/>
+              </a:ext>
+              <a:ext uri="{96DAC541-7B7A-43D3-8B79-37D633B846F1}">
+                <asvg:svgBlip xmlns:asvg="http://schemas.microsoft.com/office/drawing/2016/SVG/main" r:embed="rId15"/>
+              </a:ext>
+            </a:extLst>
+          </a:blip>
+          <a:stretch>
+            <a:fillRect/>
+          </a:stretch>
+        </p:blipFill>
+        <p:spPr>
+          <a:xfrm>
+            <a:off x="3645420" y="1343893"/>
+            <a:ext cx="675206" cy="675206"/>
+          </a:xfrm>
+          <a:prstGeom prst="rect">
+            <a:avLst/>
+          </a:prstGeom>
+        </p:spPr>
+      </p:pic>
+      <p:pic>
+        <p:nvPicPr>
+          <p:cNvPr id="11" name="Elemento grafico 1039" descr="Etichetta con riempimento a tinta unita">
+            <a:extLst>
+              <a:ext uri="{FF2B5EF4-FFF2-40B4-BE49-F238E27FC236}">
+                <a16:creationId xmlns:a16="http://schemas.microsoft.com/office/drawing/2014/main" id="{EEB414B2-6E42-90D6-66DF-887A96D055F9}"/>
+              </a:ext>
+            </a:extLst>
+          </p:cNvPr>
+          <p:cNvPicPr>
+            <a:picLocks noChangeAspect="1"/>
+          </p:cNvPicPr>
+          <p:nvPr/>
+        </p:nvPicPr>
+        <p:blipFill>
+          <a:blip r:embed="rId16">
+            <a:extLst>
+              <a:ext uri="{28A0092B-C50C-407E-A947-70E740481C1C}">
+                <a14:useLocalDpi xmlns:a14="http://schemas.microsoft.com/office/drawing/2010/main" val="0"/>
+              </a:ext>
+              <a:ext uri="{96DAC541-7B7A-43D3-8B79-37D633B846F1}">
+                <asvg:svgBlip xmlns:asvg="http://schemas.microsoft.com/office/drawing/2016/SVG/main" r:embed="rId17"/>
+              </a:ext>
+            </a:extLst>
+          </a:blip>
+          <a:stretch>
+            <a:fillRect/>
+          </a:stretch>
+        </p:blipFill>
+        <p:spPr>
+          <a:xfrm>
+            <a:off x="7871376" y="4771963"/>
+            <a:ext cx="675204" cy="675204"/>
+          </a:xfrm>
+          <a:prstGeom prst="rect">
+            <a:avLst/>
+          </a:prstGeom>
+        </p:spPr>
+      </p:pic>
+      <p:pic>
+        <p:nvPicPr>
+          <p:cNvPr id="12" name="Elemento grafico 1043" descr="Brainstorming con riempimento a tinta unita">
+            <a:extLst>
+              <a:ext uri="{FF2B5EF4-FFF2-40B4-BE49-F238E27FC236}">
+                <a16:creationId xmlns:a16="http://schemas.microsoft.com/office/drawing/2014/main" id="{48F7F26E-AB32-413A-799F-43A4B12BD1AC}"/>
+              </a:ext>
+            </a:extLst>
+          </p:cNvPr>
+          <p:cNvPicPr>
+            <a:picLocks noChangeAspect="1"/>
+          </p:cNvPicPr>
+          <p:nvPr/>
+        </p:nvPicPr>
+        <p:blipFill>
+          <a:blip r:embed="rId18">
+            <a:extLst>
+              <a:ext uri="{28A0092B-C50C-407E-A947-70E740481C1C}">
+                <a14:useLocalDpi xmlns:a14="http://schemas.microsoft.com/office/drawing/2010/main" val="0"/>
+              </a:ext>
+              <a:ext uri="{96DAC541-7B7A-43D3-8B79-37D633B846F1}">
+                <asvg:svgBlip xmlns:asvg="http://schemas.microsoft.com/office/drawing/2016/SVG/main" r:embed="rId19"/>
+              </a:ext>
+            </a:extLst>
+          </a:blip>
+          <a:stretch>
+            <a:fillRect/>
+          </a:stretch>
+        </p:blipFill>
+        <p:spPr>
+          <a:xfrm>
+            <a:off x="3645421" y="4804498"/>
+            <a:ext cx="675204" cy="675204"/>
+          </a:xfrm>
+          <a:prstGeom prst="rect">
+            <a:avLst/>
+          </a:prstGeom>
+        </p:spPr>
+      </p:pic>
+    </p:spTree>
+    <p:extLst>
+      <p:ext uri="{BB962C8B-B14F-4D97-AF65-F5344CB8AC3E}">
+        <p14:creationId xmlns:p14="http://schemas.microsoft.com/office/powerpoint/2010/main" val="1662851231"/>
+      </p:ext>
+    </p:extLst>
+  </p:cSld>
+  <p:clrMapOvr>
+    <a:masterClrMapping/>
+  </p:clrMapOvr>
+</p:sld>
+</file>
+
+<file path=ppt/slides/slide13.xml><?xml version="1.0" encoding="utf-8"?>
+<p:sld xmlns:a="http://schemas.openxmlformats.org/drawingml/2006/main" xmlns:r="http://schemas.openxmlformats.org/officeDocument/2006/relationships" xmlns:p="http://schemas.openxmlformats.org/presentationml/2006/main">
+  <p:cSld>
+    <p:spTree>
+      <p:nvGrpSpPr>
+        <p:cNvPr id="1" name=""/>
+        <p:cNvGrpSpPr/>
+        <p:nvPr/>
+      </p:nvGrpSpPr>
+      <p:grpSpPr>
+        <a:xfrm>
+          <a:off x="0" y="0"/>
+          <a:ext cx="0" cy="0"/>
+          <a:chOff x="0" y="0"/>
+          <a:chExt cx="0" cy="0"/>
+        </a:xfrm>
+      </p:grpSpPr>
+      <p:sp>
+        <p:nvSpPr>
           <p:cNvPr id="17" name="Rectangle: Rounded Corners 16">
             <a:extLst>
               <a:ext uri="{FF2B5EF4-FFF2-40B4-BE49-F238E27FC236}">
@@ -37963,8 +44386,8 @@
         </p:nvSpPr>
         <p:spPr>
           <a:xfrm>
-            <a:off x="2987590" y="138599"/>
-            <a:ext cx="6626669" cy="1099702"/>
+            <a:off x="2987590" y="241738"/>
+            <a:ext cx="6626669" cy="689537"/>
           </a:xfrm>
           <a:prstGeom prst="roundRect">
             <a:avLst>
@@ -38359,7 +44782,7 @@
 </p:sld>
 </file>
 
-<file path=ppt/slides/slide12.xml><?xml version="1.0" encoding="utf-8"?>
+<file path=ppt/slides/slide14.xml><?xml version="1.0" encoding="utf-8"?>
 <p:sld xmlns:a="http://schemas.openxmlformats.org/drawingml/2006/main" xmlns:r="http://schemas.openxmlformats.org/officeDocument/2006/relationships" xmlns:p="http://schemas.openxmlformats.org/presentationml/2006/main">
   <p:cSld>
     <p:spTree>
@@ -39350,7 +45773,7 @@
 </p:sld>
 </file>
 
-<file path=ppt/slides/slide13.xml><?xml version="1.0" encoding="utf-8"?>
+<file path=ppt/slides/slide15.xml><?xml version="1.0" encoding="utf-8"?>
 <p:sld xmlns:a="http://schemas.openxmlformats.org/drawingml/2006/main" xmlns:r="http://schemas.openxmlformats.org/officeDocument/2006/relationships" xmlns:p="http://schemas.openxmlformats.org/presentationml/2006/main">
   <p:cSld>
     <p:spTree>
